--- a/materials/slides/ch02-htmlBasic1.pptx
+++ b/materials/slides/ch02-htmlBasic1.pptx
@@ -5,54 +5,54 @@
     <p:sldMasterId id="2147483648" r:id="rId1"/>
   </p:sldMasterIdLst>
   <p:notesMasterIdLst>
-    <p:notesMasterId r:id="rId12"/>
+    <p:notesMasterId r:id="rId45"/>
   </p:notesMasterIdLst>
   <p:sldIdLst>
-    <p:sldId id="447" r:id="rId3"/>
-    <p:sldId id="448" r:id="rId4"/>
-    <p:sldId id="449" r:id="rId5"/>
-    <p:sldId id="516" r:id="rId6"/>
-    <p:sldId id="521" r:id="rId7"/>
-    <p:sldId id="522" r:id="rId8"/>
-    <p:sldId id="592" r:id="rId9"/>
-    <p:sldId id="523" r:id="rId10"/>
-    <p:sldId id="528" r:id="rId11"/>
-    <p:sldId id="527" r:id="rId13"/>
-    <p:sldId id="529" r:id="rId14"/>
-    <p:sldId id="530" r:id="rId15"/>
-    <p:sldId id="548" r:id="rId16"/>
-    <p:sldId id="549" r:id="rId17"/>
-    <p:sldId id="532" r:id="rId18"/>
-    <p:sldId id="551" r:id="rId19"/>
-    <p:sldId id="555" r:id="rId20"/>
-    <p:sldId id="593" r:id="rId21"/>
-    <p:sldId id="556" r:id="rId22"/>
-    <p:sldId id="557" r:id="rId23"/>
-    <p:sldId id="558" r:id="rId24"/>
-    <p:sldId id="559" r:id="rId25"/>
-    <p:sldId id="560" r:id="rId26"/>
-    <p:sldId id="561" r:id="rId27"/>
-    <p:sldId id="595" r:id="rId28"/>
-    <p:sldId id="564" r:id="rId29"/>
-    <p:sldId id="565" r:id="rId30"/>
-    <p:sldId id="566" r:id="rId31"/>
-    <p:sldId id="567" r:id="rId32"/>
-    <p:sldId id="568" r:id="rId33"/>
-    <p:sldId id="596" r:id="rId34"/>
-    <p:sldId id="569" r:id="rId35"/>
-    <p:sldId id="570" r:id="rId36"/>
-    <p:sldId id="571" r:id="rId37"/>
-    <p:sldId id="597" r:id="rId38"/>
-    <p:sldId id="574" r:id="rId39"/>
-    <p:sldId id="575" r:id="rId40"/>
-    <p:sldId id="586" r:id="rId41"/>
-    <p:sldId id="598" r:id="rId42"/>
-    <p:sldId id="578" r:id="rId43"/>
-    <p:sldId id="579" r:id="rId44"/>
-    <p:sldId id="582" r:id="rId45"/>
-    <p:sldId id="359" r:id="rId46"/>
+    <p:sldId id="447" r:id="rId2"/>
+    <p:sldId id="448" r:id="rId3"/>
+    <p:sldId id="449" r:id="rId4"/>
+    <p:sldId id="516" r:id="rId5"/>
+    <p:sldId id="521" r:id="rId6"/>
+    <p:sldId id="522" r:id="rId7"/>
+    <p:sldId id="592" r:id="rId8"/>
+    <p:sldId id="523" r:id="rId9"/>
+    <p:sldId id="528" r:id="rId10"/>
+    <p:sldId id="527" r:id="rId11"/>
+    <p:sldId id="529" r:id="rId12"/>
+    <p:sldId id="530" r:id="rId13"/>
+    <p:sldId id="548" r:id="rId14"/>
+    <p:sldId id="549" r:id="rId15"/>
+    <p:sldId id="532" r:id="rId16"/>
+    <p:sldId id="551" r:id="rId17"/>
+    <p:sldId id="555" r:id="rId18"/>
+    <p:sldId id="593" r:id="rId19"/>
+    <p:sldId id="556" r:id="rId20"/>
+    <p:sldId id="557" r:id="rId21"/>
+    <p:sldId id="558" r:id="rId22"/>
+    <p:sldId id="559" r:id="rId23"/>
+    <p:sldId id="560" r:id="rId24"/>
+    <p:sldId id="561" r:id="rId25"/>
+    <p:sldId id="595" r:id="rId26"/>
+    <p:sldId id="564" r:id="rId27"/>
+    <p:sldId id="565" r:id="rId28"/>
+    <p:sldId id="566" r:id="rId29"/>
+    <p:sldId id="567" r:id="rId30"/>
+    <p:sldId id="568" r:id="rId31"/>
+    <p:sldId id="596" r:id="rId32"/>
+    <p:sldId id="569" r:id="rId33"/>
+    <p:sldId id="570" r:id="rId34"/>
+    <p:sldId id="571" r:id="rId35"/>
+    <p:sldId id="597" r:id="rId36"/>
+    <p:sldId id="574" r:id="rId37"/>
+    <p:sldId id="575" r:id="rId38"/>
+    <p:sldId id="586" r:id="rId39"/>
+    <p:sldId id="598" r:id="rId40"/>
+    <p:sldId id="578" r:id="rId41"/>
+    <p:sldId id="579" r:id="rId42"/>
+    <p:sldId id="582" r:id="rId43"/>
+    <p:sldId id="359" r:id="rId44"/>
   </p:sldIdLst>
-  <p:sldSz cx="12190095" cy="6859270"/>
+  <p:sldSz cx="12190413" cy="6859588"/>
   <p:notesSz cx="6858000" cy="9144000"/>
   <p:defaultTextStyle>
     <a:defPPr>
@@ -234,6 +234,7 @@
           <a:p>
             <a:fld id="{0E4E0BC6-38A4-47D2-A16E-1969BFB3BA5E}" type="datetimeFigureOut">
               <a:rPr lang="zh-CN" altLang="en-US" smtClean="0"/>
+              <a:t>2019/2/20</a:t>
             </a:fld>
             <a:endParaRPr lang="zh-CN" altLang="en-US"/>
           </a:p>
@@ -300,7 +301,6 @@
               <a:rPr lang="zh-CN" altLang="en-US"/>
               <a:t>单击此处编辑母版文本样式</a:t>
             </a:r>
-            <a:endParaRPr lang="zh-CN" altLang="en-US"/>
           </a:p>
           <a:p>
             <a:pPr lvl="1"/>
@@ -308,7 +308,6 @@
               <a:rPr lang="zh-CN" altLang="en-US"/>
               <a:t>第二级</a:t>
             </a:r>
-            <a:endParaRPr lang="zh-CN" altLang="en-US"/>
           </a:p>
           <a:p>
             <a:pPr lvl="2"/>
@@ -316,7 +315,6 @@
               <a:rPr lang="zh-CN" altLang="en-US"/>
               <a:t>第三级</a:t>
             </a:r>
-            <a:endParaRPr lang="zh-CN" altLang="en-US"/>
           </a:p>
           <a:p>
             <a:pPr lvl="3"/>
@@ -324,7 +322,6 @@
               <a:rPr lang="zh-CN" altLang="en-US"/>
               <a:t>第四级</a:t>
             </a:r>
-            <a:endParaRPr lang="zh-CN" altLang="en-US"/>
           </a:p>
           <a:p>
             <a:pPr lvl="4"/>
@@ -332,7 +329,6 @@
               <a:rPr lang="zh-CN" altLang="en-US"/>
               <a:t>第五级</a:t>
             </a:r>
-            <a:endParaRPr lang="zh-CN" altLang="en-US"/>
           </a:p>
         </p:txBody>
       </p:sp>
@@ -396,12 +392,18 @@
           <a:p>
             <a:fld id="{DE111FDB-DAD7-4D52-9BAA-09527333435C}" type="slidenum">
               <a:rPr lang="zh-CN" altLang="en-US" smtClean="0"/>
+              <a:t>‹#›</a:t>
             </a:fld>
             <a:endParaRPr lang="zh-CN" altLang="en-US"/>
           </a:p>
         </p:txBody>
       </p:sp>
     </p:spTree>
+    <p:extLst>
+      <p:ext uri="{BB962C8B-B14F-4D97-AF65-F5344CB8AC3E}">
+        <p14:creationId xmlns:p14="http://schemas.microsoft.com/office/powerpoint/2010/main" val="2157731340"/>
+      </p:ext>
+    </p:extLst>
   </p:cSld>
   <p:clrMap bg1="lt1" tx1="dk1" bg2="lt2" tx2="dk2" accent1="accent1" accent2="accent2" accent3="accent3" accent4="accent4" accent5="accent5" accent6="accent6" hlink="hlink" folHlink="folHlink"/>
   <p:notesStyle>
@@ -508,11 +510,20 @@
         <p:cNvGrpSpPr/>
         <p:nvPr/>
       </p:nvGrpSpPr>
-      <p:grpSpPr/>
+      <p:grpSpPr>
+        <a:xfrm>
+          <a:off x="0" y="0"/>
+          <a:ext cx="0" cy="0"/>
+          <a:chOff x="0" y="0"/>
+          <a:chExt cx="0" cy="0"/>
+        </a:xfrm>
+      </p:grpSpPr>
       <p:sp>
         <p:nvSpPr>
           <p:cNvPr id="2" name="幻灯片图像占位符 1"/>
-          <p:cNvSpPr/>
+          <p:cNvSpPr>
+            <a:spLocks noGrp="1" noRot="1" noChangeAspect="1"/>
+          </p:cNvSpPr>
           <p:nvPr>
             <p:ph type="sldImg" idx="2"/>
           </p:nvPr>
@@ -522,7 +533,9 @@
       <p:sp>
         <p:nvSpPr>
           <p:cNvPr id="3" name="文本占位符 2"/>
-          <p:cNvSpPr/>
+          <p:cNvSpPr>
+            <a:spLocks noGrp="1"/>
+          </p:cNvSpPr>
           <p:nvPr>
             <p:ph type="body" idx="3"/>
           </p:nvPr>
@@ -530,12 +543,12 @@
         <p:spPr/>
         <p:txBody>
           <a:bodyPr/>
+          <a:lstStyle/>
           <a:p>
             <a:r>
               <a:rPr lang="zh-CN" altLang="en-US"/>
               <a:t>这些标记名称大都为相应的英文单词或者单词的首字母或单词的缩写，便于记忆。</a:t>
             </a:r>
-            <a:endParaRPr lang="zh-CN" altLang="en-US"/>
           </a:p>
         </p:txBody>
       </p:sp>
@@ -556,11 +569,20 @@
         <p:cNvGrpSpPr/>
         <p:nvPr/>
       </p:nvGrpSpPr>
-      <p:grpSpPr/>
+      <p:grpSpPr>
+        <a:xfrm>
+          <a:off x="0" y="0"/>
+          <a:ext cx="0" cy="0"/>
+          <a:chOff x="0" y="0"/>
+          <a:chExt cx="0" cy="0"/>
+        </a:xfrm>
+      </p:grpSpPr>
       <p:sp>
         <p:nvSpPr>
           <p:cNvPr id="2" name="幻灯片图像占位符 1"/>
-          <p:cNvSpPr/>
+          <p:cNvSpPr>
+            <a:spLocks noGrp="1" noRot="1" noChangeAspect="1"/>
+          </p:cNvSpPr>
           <p:nvPr>
             <p:ph type="sldImg" idx="2"/>
           </p:nvPr>
@@ -570,7 +592,9 @@
       <p:sp>
         <p:nvSpPr>
           <p:cNvPr id="3" name="文本占位符 2"/>
-          <p:cNvSpPr/>
+          <p:cNvSpPr>
+            <a:spLocks noGrp="1"/>
+          </p:cNvSpPr>
           <p:nvPr>
             <p:ph type="body" idx="3"/>
           </p:nvPr>
@@ -578,6 +602,7 @@
         <p:spPr/>
         <p:txBody>
           <a:bodyPr/>
+          <a:lstStyle/>
           <a:p>
             <a:r>
               <a:rPr>
@@ -585,9 +610,6 @@
               </a:rPr>
               <a:t>&lt;!DOCTYPE&gt;声明有助于浏览器中正确显示网页。</a:t>
             </a:r>
-            <a:endParaRPr>
-              <a:sym typeface="+mn-ea"/>
-            </a:endParaRPr>
           </a:p>
           <a:p>
             <a:r>
@@ -596,9 +618,6 @@
               </a:rPr>
               <a:t>网络上有很多不同的文件，如果能够正确声明HTML的版本，浏览器就能正确显示网页内容。</a:t>
             </a:r>
-            <a:endParaRPr>
-              <a:sym typeface="+mn-ea"/>
-            </a:endParaRPr>
           </a:p>
           <a:p>
             <a:endParaRPr>
@@ -612,9 +631,6 @@
               </a:rPr>
               <a:t>&lt;title&gt; 元素可定义文档的标题。</a:t>
             </a:r>
-            <a:endParaRPr>
-              <a:sym typeface="+mn-ea"/>
-            </a:endParaRPr>
           </a:p>
           <a:p>
             <a:r>
@@ -623,9 +639,6 @@
               </a:rPr>
               <a:t>浏览器会以特殊的方式来使用标题，并且通常把它放置在浏览器窗口的标题栏或状态栏上。</a:t>
             </a:r>
-            <a:endParaRPr>
-              <a:sym typeface="+mn-ea"/>
-            </a:endParaRPr>
           </a:p>
           <a:p>
             <a:r>
@@ -634,9 +647,6 @@
               </a:rPr>
               <a:t>同样，当把文档加入用户的链接列表或者收藏夹或书签列表时，标题将成为该文档链接的默认名称。</a:t>
             </a:r>
-            <a:endParaRPr>
-              <a:sym typeface="+mn-ea"/>
-            </a:endParaRPr>
           </a:p>
         </p:txBody>
       </p:sp>
@@ -693,7 +703,6 @@
               <a:rPr lang="zh-CN" altLang="en-US"/>
               <a:t>单击此处编辑母版标题样式</a:t>
             </a:r>
-            <a:endParaRPr lang="zh-CN" altLang="en-US"/>
           </a:p>
         </p:txBody>
       </p:sp>
@@ -758,7 +767,6 @@
               <a:rPr lang="zh-CN" altLang="en-US"/>
               <a:t>单击此处编辑母版副标题样式</a:t>
             </a:r>
-            <a:endParaRPr lang="zh-CN" altLang="en-US"/>
           </a:p>
         </p:txBody>
       </p:sp>
@@ -779,6 +787,7 @@
           <a:p>
             <a:fld id="{C87C0710-1941-4207-AFC4-70422DBD405E}" type="datetimeFigureOut">
               <a:rPr lang="zh-CN" altLang="en-US" smtClean="0"/>
+              <a:t>2019/2/20</a:t>
             </a:fld>
             <a:endParaRPr lang="zh-CN" altLang="en-US"/>
           </a:p>
@@ -820,6 +829,7 @@
           <a:p>
             <a:fld id="{5BD3F7A2-AB4B-46DB-92F9-EC6C90760ED0}" type="slidenum">
               <a:rPr lang="zh-CN" altLang="en-US" smtClean="0"/>
+              <a:t>‹#›</a:t>
             </a:fld>
             <a:endParaRPr lang="zh-CN" altLang="en-US"/>
           </a:p>
@@ -830,11 +840,11 @@
   <p:clrMapOvr>
     <a:masterClrMapping/>
   </p:clrMapOvr>
-  <mc:AlternateContent xmlns:mc="http://schemas.openxmlformats.org/markup-compatibility/2006">
-    <mc:Choice xmlns:p14="http://schemas.microsoft.com/office/powerpoint/2010/main" Requires="p14">
+  <mc:AlternateContent xmlns:mc="http://schemas.openxmlformats.org/markup-compatibility/2006" xmlns:p14="http://schemas.microsoft.com/office/powerpoint/2010/main">
+    <mc:Choice Requires="p14">
       <p:transition spd="slow" p14:dur="1600"/>
     </mc:Choice>
-    <mc:Fallback>
+    <mc:Fallback xmlns="">
       <p:transition spd="slow"/>
     </mc:Fallback>
   </mc:AlternateContent>
@@ -877,7 +887,6 @@
               <a:rPr lang="zh-CN" altLang="en-US" dirty="0"/>
               <a:t>单击此处编辑母版标题样式</a:t>
             </a:r>
-            <a:endParaRPr lang="zh-CN" altLang="en-US" dirty="0"/>
           </a:p>
         </p:txBody>
       </p:sp>
@@ -901,7 +910,6 @@
               <a:rPr lang="zh-CN" altLang="en-US"/>
               <a:t>单击此处编辑母版文本样式</a:t>
             </a:r>
-            <a:endParaRPr lang="zh-CN" altLang="en-US"/>
           </a:p>
           <a:p>
             <a:pPr lvl="1"/>
@@ -909,7 +917,6 @@
               <a:rPr lang="zh-CN" altLang="en-US"/>
               <a:t>第二级</a:t>
             </a:r>
-            <a:endParaRPr lang="zh-CN" altLang="en-US"/>
           </a:p>
           <a:p>
             <a:pPr lvl="2"/>
@@ -917,7 +924,6 @@
               <a:rPr lang="zh-CN" altLang="en-US"/>
               <a:t>第三级</a:t>
             </a:r>
-            <a:endParaRPr lang="zh-CN" altLang="en-US"/>
           </a:p>
           <a:p>
             <a:pPr lvl="3"/>
@@ -925,7 +931,6 @@
               <a:rPr lang="zh-CN" altLang="en-US"/>
               <a:t>第四级</a:t>
             </a:r>
-            <a:endParaRPr lang="zh-CN" altLang="en-US"/>
           </a:p>
           <a:p>
             <a:pPr lvl="4"/>
@@ -933,7 +938,6 @@
               <a:rPr lang="zh-CN" altLang="en-US"/>
               <a:t>第五级</a:t>
             </a:r>
-            <a:endParaRPr lang="zh-CN" altLang="en-US"/>
           </a:p>
         </p:txBody>
       </p:sp>
@@ -954,6 +958,7 @@
           <a:p>
             <a:fld id="{C87C0710-1941-4207-AFC4-70422DBD405E}" type="datetimeFigureOut">
               <a:rPr lang="zh-CN" altLang="en-US" smtClean="0"/>
+              <a:t>2019/2/20</a:t>
             </a:fld>
             <a:endParaRPr lang="zh-CN" altLang="en-US"/>
           </a:p>
@@ -995,6 +1000,7 @@
           <a:p>
             <a:fld id="{5BD3F7A2-AB4B-46DB-92F9-EC6C90760ED0}" type="slidenum">
               <a:rPr lang="zh-CN" altLang="en-US" smtClean="0"/>
+              <a:t>‹#›</a:t>
             </a:fld>
             <a:endParaRPr lang="zh-CN" altLang="en-US"/>
           </a:p>
@@ -1005,11 +1011,11 @@
   <p:clrMapOvr>
     <a:masterClrMapping/>
   </p:clrMapOvr>
-  <mc:AlternateContent xmlns:mc="http://schemas.openxmlformats.org/markup-compatibility/2006">
-    <mc:Choice xmlns:p14="http://schemas.microsoft.com/office/powerpoint/2010/main" Requires="p14">
+  <mc:AlternateContent xmlns:mc="http://schemas.openxmlformats.org/markup-compatibility/2006" xmlns:p14="http://schemas.microsoft.com/office/powerpoint/2010/main">
+    <mc:Choice Requires="p14">
       <p:transition spd="slow" p14:dur="1600"/>
     </mc:Choice>
-    <mc:Fallback>
+    <mc:Fallback xmlns="">
       <p:transition spd="slow"/>
     </mc:Fallback>
   </mc:AlternateContent>
@@ -1057,7 +1063,6 @@
               <a:rPr lang="zh-CN" altLang="en-US"/>
               <a:t>单击此处编辑母版标题样式</a:t>
             </a:r>
-            <a:endParaRPr lang="zh-CN" altLang="en-US"/>
           </a:p>
         </p:txBody>
       </p:sp>
@@ -1086,7 +1091,6 @@
               <a:rPr lang="zh-CN" altLang="en-US"/>
               <a:t>单击此处编辑母版文本样式</a:t>
             </a:r>
-            <a:endParaRPr lang="zh-CN" altLang="en-US"/>
           </a:p>
           <a:p>
             <a:pPr lvl="1"/>
@@ -1094,7 +1098,6 @@
               <a:rPr lang="zh-CN" altLang="en-US"/>
               <a:t>第二级</a:t>
             </a:r>
-            <a:endParaRPr lang="zh-CN" altLang="en-US"/>
           </a:p>
           <a:p>
             <a:pPr lvl="2"/>
@@ -1102,7 +1105,6 @@
               <a:rPr lang="zh-CN" altLang="en-US"/>
               <a:t>第三级</a:t>
             </a:r>
-            <a:endParaRPr lang="zh-CN" altLang="en-US"/>
           </a:p>
           <a:p>
             <a:pPr lvl="3"/>
@@ -1110,7 +1112,6 @@
               <a:rPr lang="zh-CN" altLang="en-US"/>
               <a:t>第四级</a:t>
             </a:r>
-            <a:endParaRPr lang="zh-CN" altLang="en-US"/>
           </a:p>
           <a:p>
             <a:pPr lvl="4"/>
@@ -1118,7 +1119,6 @@
               <a:rPr lang="zh-CN" altLang="en-US"/>
               <a:t>第五级</a:t>
             </a:r>
-            <a:endParaRPr lang="zh-CN" altLang="en-US"/>
           </a:p>
         </p:txBody>
       </p:sp>
@@ -1139,6 +1139,7 @@
           <a:p>
             <a:fld id="{C87C0710-1941-4207-AFC4-70422DBD405E}" type="datetimeFigureOut">
               <a:rPr lang="zh-CN" altLang="en-US" smtClean="0"/>
+              <a:t>2019/2/20</a:t>
             </a:fld>
             <a:endParaRPr lang="zh-CN" altLang="en-US"/>
           </a:p>
@@ -1180,6 +1181,7 @@
           <a:p>
             <a:fld id="{5BD3F7A2-AB4B-46DB-92F9-EC6C90760ED0}" type="slidenum">
               <a:rPr lang="zh-CN" altLang="en-US" smtClean="0"/>
+              <a:t>‹#›</a:t>
             </a:fld>
             <a:endParaRPr lang="zh-CN" altLang="en-US"/>
           </a:p>
@@ -1190,11 +1192,11 @@
   <p:clrMapOvr>
     <a:masterClrMapping/>
   </p:clrMapOvr>
-  <mc:AlternateContent xmlns:mc="http://schemas.openxmlformats.org/markup-compatibility/2006">
-    <mc:Choice xmlns:p14="http://schemas.microsoft.com/office/powerpoint/2010/main" Requires="p14">
+  <mc:AlternateContent xmlns:mc="http://schemas.openxmlformats.org/markup-compatibility/2006" xmlns:p14="http://schemas.microsoft.com/office/powerpoint/2010/main">
+    <mc:Choice Requires="p14">
       <p:transition spd="slow" p14:dur="1600"/>
     </mc:Choice>
-    <mc:Fallback>
+    <mc:Fallback xmlns="">
       <p:transition spd="slow"/>
     </mc:Fallback>
   </mc:AlternateContent>
@@ -1254,11 +1256,11 @@
   <p:clrMapOvr>
     <a:masterClrMapping/>
   </p:clrMapOvr>
-  <mc:AlternateContent xmlns:mc="http://schemas.openxmlformats.org/markup-compatibility/2006">
-    <mc:Choice xmlns:p14="http://schemas.microsoft.com/office/powerpoint/2010/main" Requires="p14">
+  <mc:AlternateContent xmlns:mc="http://schemas.openxmlformats.org/markup-compatibility/2006" xmlns:p14="http://schemas.microsoft.com/office/powerpoint/2010/main">
+    <mc:Choice Requires="p14">
       <p:transition spd="slow" p14:dur="1600"/>
     </mc:Choice>
-    <mc:Fallback>
+    <mc:Fallback xmlns="">
       <p:transition spd="slow"/>
     </mc:Fallback>
   </mc:AlternateContent>
@@ -1538,11 +1540,11 @@
   <p:clrMapOvr>
     <a:masterClrMapping/>
   </p:clrMapOvr>
-  <mc:AlternateContent xmlns:mc="http://schemas.openxmlformats.org/markup-compatibility/2006">
-    <mc:Choice xmlns:p14="http://schemas.microsoft.com/office/powerpoint/2010/main" Requires="p14">
+  <mc:AlternateContent xmlns:mc="http://schemas.openxmlformats.org/markup-compatibility/2006" xmlns:p14="http://schemas.microsoft.com/office/powerpoint/2010/main">
+    <mc:Choice Requires="p14">
       <p:transition spd="slow" p14:dur="1600"/>
     </mc:Choice>
-    <mc:Fallback>
+    <mc:Fallback xmlns="">
       <p:transition spd="slow"/>
     </mc:Fallback>
   </mc:AlternateContent>
@@ -1583,6 +1585,7 @@
           <a:p>
             <a:fld id="{C87C0710-1941-4207-AFC4-70422DBD405E}" type="datetimeFigureOut">
               <a:rPr lang="zh-CN" altLang="en-US" smtClean="0"/>
+              <a:t>2019/2/20</a:t>
             </a:fld>
             <a:endParaRPr lang="zh-CN" altLang="en-US"/>
           </a:p>
@@ -1624,6 +1627,7 @@
           <a:p>
             <a:fld id="{5BD3F7A2-AB4B-46DB-92F9-EC6C90760ED0}" type="slidenum">
               <a:rPr lang="zh-CN" altLang="en-US" smtClean="0"/>
+              <a:t>‹#›</a:t>
             </a:fld>
             <a:endParaRPr lang="zh-CN" altLang="en-US"/>
           </a:p>
@@ -1634,11 +1638,11 @@
   <p:clrMapOvr>
     <a:masterClrMapping/>
   </p:clrMapOvr>
-  <mc:AlternateContent xmlns:mc="http://schemas.openxmlformats.org/markup-compatibility/2006">
-    <mc:Choice xmlns:p14="http://schemas.microsoft.com/office/powerpoint/2010/main" Requires="p14">
+  <mc:AlternateContent xmlns:mc="http://schemas.openxmlformats.org/markup-compatibility/2006" xmlns:p14="http://schemas.microsoft.com/office/powerpoint/2010/main">
+    <mc:Choice Requires="p14">
       <p:transition spd="slow" p14:dur="1600"/>
     </mc:Choice>
-    <mc:Fallback>
+    <mc:Fallback xmlns="">
       <p:transition spd="slow"/>
     </mc:Fallback>
   </mc:AlternateContent>
@@ -1906,7 +1910,6 @@
               <a:rPr lang="zh-CN" altLang="en-US" dirty="0"/>
               <a:t>单击此处编辑母版标题样式</a:t>
             </a:r>
-            <a:endParaRPr lang="zh-CN" altLang="en-US" dirty="0"/>
           </a:p>
         </p:txBody>
       </p:sp>
@@ -1915,11 +1918,11 @@
   <p:clrMapOvr>
     <a:masterClrMapping/>
   </p:clrMapOvr>
-  <mc:AlternateContent xmlns:mc="http://schemas.openxmlformats.org/markup-compatibility/2006">
-    <mc:Choice xmlns:p14="http://schemas.microsoft.com/office/powerpoint/2010/main" Requires="p14">
+  <mc:AlternateContent xmlns:mc="http://schemas.openxmlformats.org/markup-compatibility/2006" xmlns:p14="http://schemas.microsoft.com/office/powerpoint/2010/main">
+    <mc:Choice Requires="p14">
       <p:transition spd="slow" p14:dur="1600"/>
     </mc:Choice>
-    <mc:Fallback>
+    <mc:Fallback xmlns="">
       <p:transition spd="slow"/>
     </mc:Fallback>
   </mc:AlternateContent>
@@ -1971,7 +1974,6 @@
               <a:rPr lang="zh-CN" altLang="en-US"/>
               <a:t>单击此处编辑母版标题样式</a:t>
             </a:r>
-            <a:endParaRPr lang="zh-CN" altLang="en-US"/>
           </a:p>
         </p:txBody>
       </p:sp>
@@ -2091,7 +2093,6 @@
               <a:rPr lang="zh-CN" altLang="en-US"/>
               <a:t>单击此处编辑母版文本样式</a:t>
             </a:r>
-            <a:endParaRPr lang="zh-CN" altLang="en-US"/>
           </a:p>
         </p:txBody>
       </p:sp>
@@ -2112,6 +2113,7 @@
           <a:p>
             <a:fld id="{C87C0710-1941-4207-AFC4-70422DBD405E}" type="datetimeFigureOut">
               <a:rPr lang="zh-CN" altLang="en-US" smtClean="0"/>
+              <a:t>2019/2/20</a:t>
             </a:fld>
             <a:endParaRPr lang="zh-CN" altLang="en-US"/>
           </a:p>
@@ -2153,6 +2155,7 @@
           <a:p>
             <a:fld id="{5BD3F7A2-AB4B-46DB-92F9-EC6C90760ED0}" type="slidenum">
               <a:rPr lang="zh-CN" altLang="en-US" smtClean="0"/>
+              <a:t>‹#›</a:t>
             </a:fld>
             <a:endParaRPr lang="zh-CN" altLang="en-US"/>
           </a:p>
@@ -2163,11 +2166,11 @@
   <p:clrMapOvr>
     <a:masterClrMapping/>
   </p:clrMapOvr>
-  <mc:AlternateContent xmlns:mc="http://schemas.openxmlformats.org/markup-compatibility/2006">
-    <mc:Choice xmlns:p14="http://schemas.microsoft.com/office/powerpoint/2010/main" Requires="p14">
+  <mc:AlternateContent xmlns:mc="http://schemas.openxmlformats.org/markup-compatibility/2006" xmlns:p14="http://schemas.microsoft.com/office/powerpoint/2010/main">
+    <mc:Choice Requires="p14">
       <p:transition spd="slow" p14:dur="1600"/>
     </mc:Choice>
-    <mc:Fallback>
+    <mc:Fallback xmlns="">
       <p:transition spd="slow"/>
     </mc:Fallback>
   </mc:AlternateContent>
@@ -2210,7 +2213,6 @@
               <a:rPr lang="zh-CN" altLang="en-US"/>
               <a:t>单击此处编辑母版标题样式</a:t>
             </a:r>
-            <a:endParaRPr lang="zh-CN" altLang="en-US"/>
           </a:p>
         </p:txBody>
       </p:sp>
@@ -2239,7 +2241,6 @@
               <a:rPr lang="zh-CN" altLang="en-US" dirty="0"/>
               <a:t>单击此处编辑母版文本样式</a:t>
             </a:r>
-            <a:endParaRPr lang="zh-CN" altLang="en-US" dirty="0"/>
           </a:p>
           <a:p>
             <a:pPr lvl="1"/>
@@ -2247,7 +2248,6 @@
               <a:rPr lang="zh-CN" altLang="en-US" dirty="0"/>
               <a:t>第二级</a:t>
             </a:r>
-            <a:endParaRPr lang="zh-CN" altLang="en-US" dirty="0"/>
           </a:p>
           <a:p>
             <a:pPr lvl="2"/>
@@ -2255,7 +2255,6 @@
               <a:rPr lang="zh-CN" altLang="en-US" dirty="0"/>
               <a:t>第三级</a:t>
             </a:r>
-            <a:endParaRPr lang="zh-CN" altLang="en-US" dirty="0"/>
           </a:p>
           <a:p>
             <a:pPr lvl="3"/>
@@ -2263,7 +2262,6 @@
               <a:rPr lang="zh-CN" altLang="en-US" dirty="0"/>
               <a:t>第四级</a:t>
             </a:r>
-            <a:endParaRPr lang="zh-CN" altLang="en-US" dirty="0"/>
           </a:p>
           <a:p>
             <a:pPr lvl="4"/>
@@ -2271,7 +2269,6 @@
               <a:rPr lang="zh-CN" altLang="en-US" dirty="0"/>
               <a:t>第五级</a:t>
             </a:r>
-            <a:endParaRPr lang="zh-CN" altLang="en-US" dirty="0"/>
           </a:p>
         </p:txBody>
       </p:sp>
@@ -2300,7 +2297,6 @@
               <a:rPr lang="zh-CN" altLang="en-US"/>
               <a:t>单击此处编辑母版文本样式</a:t>
             </a:r>
-            <a:endParaRPr lang="zh-CN" altLang="en-US"/>
           </a:p>
           <a:p>
             <a:pPr lvl="1"/>
@@ -2308,7 +2304,6 @@
               <a:rPr lang="zh-CN" altLang="en-US"/>
               <a:t>第二级</a:t>
             </a:r>
-            <a:endParaRPr lang="zh-CN" altLang="en-US"/>
           </a:p>
           <a:p>
             <a:pPr lvl="2"/>
@@ -2316,7 +2311,6 @@
               <a:rPr lang="zh-CN" altLang="en-US"/>
               <a:t>第三级</a:t>
             </a:r>
-            <a:endParaRPr lang="zh-CN" altLang="en-US"/>
           </a:p>
           <a:p>
             <a:pPr lvl="3"/>
@@ -2324,7 +2318,6 @@
               <a:rPr lang="zh-CN" altLang="en-US"/>
               <a:t>第四级</a:t>
             </a:r>
-            <a:endParaRPr lang="zh-CN" altLang="en-US"/>
           </a:p>
           <a:p>
             <a:pPr lvl="4"/>
@@ -2332,7 +2325,6 @@
               <a:rPr lang="zh-CN" altLang="en-US"/>
               <a:t>第五级</a:t>
             </a:r>
-            <a:endParaRPr lang="zh-CN" altLang="en-US"/>
           </a:p>
         </p:txBody>
       </p:sp>
@@ -2353,6 +2345,7 @@
           <a:p>
             <a:fld id="{C87C0710-1941-4207-AFC4-70422DBD405E}" type="datetimeFigureOut">
               <a:rPr lang="zh-CN" altLang="en-US" smtClean="0"/>
+              <a:t>2019/2/20</a:t>
             </a:fld>
             <a:endParaRPr lang="zh-CN" altLang="en-US"/>
           </a:p>
@@ -2394,6 +2387,7 @@
           <a:p>
             <a:fld id="{5BD3F7A2-AB4B-46DB-92F9-EC6C90760ED0}" type="slidenum">
               <a:rPr lang="zh-CN" altLang="en-US" smtClean="0"/>
+              <a:t>‹#›</a:t>
             </a:fld>
             <a:endParaRPr lang="zh-CN" altLang="en-US"/>
           </a:p>
@@ -2404,11 +2398,11 @@
   <p:clrMapOvr>
     <a:masterClrMapping/>
   </p:clrMapOvr>
-  <mc:AlternateContent xmlns:mc="http://schemas.openxmlformats.org/markup-compatibility/2006">
-    <mc:Choice xmlns:p14="http://schemas.microsoft.com/office/powerpoint/2010/main" Requires="p14">
+  <mc:AlternateContent xmlns:mc="http://schemas.openxmlformats.org/markup-compatibility/2006" xmlns:p14="http://schemas.microsoft.com/office/powerpoint/2010/main">
+    <mc:Choice Requires="p14">
       <p:transition spd="slow" p14:dur="1600"/>
     </mc:Choice>
-    <mc:Fallback>
+    <mc:Fallback xmlns="">
       <p:transition spd="slow"/>
     </mc:Fallback>
   </mc:AlternateContent>
@@ -2456,7 +2450,6 @@
               <a:rPr lang="zh-CN" altLang="en-US" dirty="0"/>
               <a:t>单击此处编辑母版标题样式</a:t>
             </a:r>
-            <a:endParaRPr lang="zh-CN" altLang="en-US" dirty="0"/>
           </a:p>
         </p:txBody>
       </p:sp>
@@ -2522,7 +2515,6 @@
               <a:rPr lang="zh-CN" altLang="en-US"/>
               <a:t>单击此处编辑母版文本样式</a:t>
             </a:r>
-            <a:endParaRPr lang="zh-CN" altLang="en-US"/>
           </a:p>
         </p:txBody>
       </p:sp>
@@ -2551,7 +2543,6 @@
               <a:rPr lang="zh-CN" altLang="en-US"/>
               <a:t>单击此处编辑母版文本样式</a:t>
             </a:r>
-            <a:endParaRPr lang="zh-CN" altLang="en-US"/>
           </a:p>
           <a:p>
             <a:pPr lvl="1"/>
@@ -2559,7 +2550,6 @@
               <a:rPr lang="zh-CN" altLang="en-US"/>
               <a:t>第二级</a:t>
             </a:r>
-            <a:endParaRPr lang="zh-CN" altLang="en-US"/>
           </a:p>
           <a:p>
             <a:pPr lvl="2"/>
@@ -2567,7 +2557,6 @@
               <a:rPr lang="zh-CN" altLang="en-US"/>
               <a:t>第三级</a:t>
             </a:r>
-            <a:endParaRPr lang="zh-CN" altLang="en-US"/>
           </a:p>
           <a:p>
             <a:pPr lvl="3"/>
@@ -2575,7 +2564,6 @@
               <a:rPr lang="zh-CN" altLang="en-US"/>
               <a:t>第四级</a:t>
             </a:r>
-            <a:endParaRPr lang="zh-CN" altLang="en-US"/>
           </a:p>
           <a:p>
             <a:pPr lvl="4"/>
@@ -2583,7 +2571,6 @@
               <a:rPr lang="zh-CN" altLang="en-US"/>
               <a:t>第五级</a:t>
             </a:r>
-            <a:endParaRPr lang="zh-CN" altLang="en-US"/>
           </a:p>
         </p:txBody>
       </p:sp>
@@ -2649,7 +2636,6 @@
               <a:rPr lang="zh-CN" altLang="en-US"/>
               <a:t>单击此处编辑母版文本样式</a:t>
             </a:r>
-            <a:endParaRPr lang="zh-CN" altLang="en-US"/>
           </a:p>
         </p:txBody>
       </p:sp>
@@ -2678,7 +2664,6 @@
               <a:rPr lang="zh-CN" altLang="en-US"/>
               <a:t>单击此处编辑母版文本样式</a:t>
             </a:r>
-            <a:endParaRPr lang="zh-CN" altLang="en-US"/>
           </a:p>
           <a:p>
             <a:pPr lvl="1"/>
@@ -2686,7 +2671,6 @@
               <a:rPr lang="zh-CN" altLang="en-US"/>
               <a:t>第二级</a:t>
             </a:r>
-            <a:endParaRPr lang="zh-CN" altLang="en-US"/>
           </a:p>
           <a:p>
             <a:pPr lvl="2"/>
@@ -2694,7 +2678,6 @@
               <a:rPr lang="zh-CN" altLang="en-US"/>
               <a:t>第三级</a:t>
             </a:r>
-            <a:endParaRPr lang="zh-CN" altLang="en-US"/>
           </a:p>
           <a:p>
             <a:pPr lvl="3"/>
@@ -2702,7 +2685,6 @@
               <a:rPr lang="zh-CN" altLang="en-US"/>
               <a:t>第四级</a:t>
             </a:r>
-            <a:endParaRPr lang="zh-CN" altLang="en-US"/>
           </a:p>
           <a:p>
             <a:pPr lvl="4"/>
@@ -2710,7 +2692,6 @@
               <a:rPr lang="zh-CN" altLang="en-US"/>
               <a:t>第五级</a:t>
             </a:r>
-            <a:endParaRPr lang="zh-CN" altLang="en-US"/>
           </a:p>
         </p:txBody>
       </p:sp>
@@ -2731,6 +2712,7 @@
           <a:p>
             <a:fld id="{C87C0710-1941-4207-AFC4-70422DBD405E}" type="datetimeFigureOut">
               <a:rPr lang="zh-CN" altLang="en-US" smtClean="0"/>
+              <a:t>2019/2/20</a:t>
             </a:fld>
             <a:endParaRPr lang="zh-CN" altLang="en-US"/>
           </a:p>
@@ -2772,6 +2754,7 @@
           <a:p>
             <a:fld id="{5BD3F7A2-AB4B-46DB-92F9-EC6C90760ED0}" type="slidenum">
               <a:rPr lang="zh-CN" altLang="en-US" smtClean="0"/>
+              <a:t>‹#›</a:t>
             </a:fld>
             <a:endParaRPr lang="zh-CN" altLang="en-US"/>
           </a:p>
@@ -2782,11 +2765,11 @@
   <p:clrMapOvr>
     <a:masterClrMapping/>
   </p:clrMapOvr>
-  <mc:AlternateContent xmlns:mc="http://schemas.openxmlformats.org/markup-compatibility/2006">
-    <mc:Choice xmlns:p14="http://schemas.microsoft.com/office/powerpoint/2010/main" Requires="p14">
+  <mc:AlternateContent xmlns:mc="http://schemas.openxmlformats.org/markup-compatibility/2006" xmlns:p14="http://schemas.microsoft.com/office/powerpoint/2010/main">
+    <mc:Choice Requires="p14">
       <p:transition spd="slow" p14:dur="1600"/>
     </mc:Choice>
-    <mc:Fallback>
+    <mc:Fallback xmlns="">
       <p:transition spd="slow"/>
     </mc:Fallback>
   </mc:AlternateContent>
@@ -2829,7 +2812,6 @@
               <a:rPr lang="zh-CN" altLang="en-US"/>
               <a:t>单击此处编辑母版标题样式</a:t>
             </a:r>
-            <a:endParaRPr lang="zh-CN" altLang="en-US"/>
           </a:p>
         </p:txBody>
       </p:sp>
@@ -2850,6 +2832,7 @@
           <a:p>
             <a:fld id="{C87C0710-1941-4207-AFC4-70422DBD405E}" type="datetimeFigureOut">
               <a:rPr lang="zh-CN" altLang="en-US" smtClean="0"/>
+              <a:t>2019/2/20</a:t>
             </a:fld>
             <a:endParaRPr lang="zh-CN" altLang="en-US"/>
           </a:p>
@@ -2891,6 +2874,7 @@
           <a:p>
             <a:fld id="{5BD3F7A2-AB4B-46DB-92F9-EC6C90760ED0}" type="slidenum">
               <a:rPr lang="zh-CN" altLang="en-US" smtClean="0"/>
+              <a:t>‹#›</a:t>
             </a:fld>
             <a:endParaRPr lang="zh-CN" altLang="en-US"/>
           </a:p>
@@ -2901,11 +2885,11 @@
   <p:clrMapOvr>
     <a:masterClrMapping/>
   </p:clrMapOvr>
-  <mc:AlternateContent xmlns:mc="http://schemas.openxmlformats.org/markup-compatibility/2006">
-    <mc:Choice xmlns:p14="http://schemas.microsoft.com/office/powerpoint/2010/main" Requires="p14">
+  <mc:AlternateContent xmlns:mc="http://schemas.openxmlformats.org/markup-compatibility/2006" xmlns:p14="http://schemas.microsoft.com/office/powerpoint/2010/main">
+    <mc:Choice Requires="p14">
       <p:transition spd="slow" p14:dur="1600"/>
     </mc:Choice>
-    <mc:Fallback>
+    <mc:Fallback xmlns="">
       <p:transition spd="slow"/>
     </mc:Fallback>
   </mc:AlternateContent>
@@ -2946,6 +2930,7 @@
           <a:p>
             <a:fld id="{C87C0710-1941-4207-AFC4-70422DBD405E}" type="datetimeFigureOut">
               <a:rPr lang="zh-CN" altLang="en-US" smtClean="0"/>
+              <a:t>2019/2/20</a:t>
             </a:fld>
             <a:endParaRPr lang="zh-CN" altLang="en-US"/>
           </a:p>
@@ -2987,6 +2972,7 @@
           <a:p>
             <a:fld id="{5BD3F7A2-AB4B-46DB-92F9-EC6C90760ED0}" type="slidenum">
               <a:rPr lang="zh-CN" altLang="en-US" smtClean="0"/>
+              <a:t>‹#›</a:t>
             </a:fld>
             <a:endParaRPr lang="zh-CN" altLang="en-US"/>
           </a:p>
@@ -3240,7 +3226,6 @@
               <a:rPr lang="zh-CN" altLang="en-US" dirty="0"/>
               <a:t>单击此处编辑母版标题样式</a:t>
             </a:r>
-            <a:endParaRPr lang="zh-CN" altLang="en-US" dirty="0"/>
           </a:p>
         </p:txBody>
       </p:sp>
@@ -3343,7 +3328,6 @@
               <a:rPr lang="zh-CN" altLang="en-US" dirty="0"/>
               <a:t>单击此处编辑母版文本样式</a:t>
             </a:r>
-            <a:endParaRPr lang="zh-CN" altLang="en-US" dirty="0"/>
           </a:p>
           <a:p>
             <a:pPr lvl="1"/>
@@ -3351,7 +3335,6 @@
               <a:rPr lang="zh-CN" altLang="en-US" dirty="0"/>
               <a:t> 第二级</a:t>
             </a:r>
-            <a:endParaRPr lang="zh-CN" altLang="en-US" dirty="0"/>
           </a:p>
           <a:p>
             <a:pPr lvl="2"/>
@@ -3359,7 +3342,6 @@
               <a:rPr lang="zh-CN" altLang="en-US" dirty="0"/>
               <a:t>第三级</a:t>
             </a:r>
-            <a:endParaRPr lang="zh-CN" altLang="en-US" dirty="0"/>
           </a:p>
         </p:txBody>
       </p:sp>
@@ -3368,11 +3350,11 @@
   <p:clrMapOvr>
     <a:masterClrMapping/>
   </p:clrMapOvr>
-  <mc:AlternateContent xmlns:mc="http://schemas.openxmlformats.org/markup-compatibility/2006">
-    <mc:Choice xmlns:p14="http://schemas.microsoft.com/office/powerpoint/2010/main" Requires="p14">
+  <mc:AlternateContent xmlns:mc="http://schemas.openxmlformats.org/markup-compatibility/2006" xmlns:p14="http://schemas.microsoft.com/office/powerpoint/2010/main">
+    <mc:Choice Requires="p14">
       <p:transition spd="slow" p14:dur="1600"/>
     </mc:Choice>
-    <mc:Fallback>
+    <mc:Fallback xmlns="">
       <p:transition spd="slow"/>
     </mc:Fallback>
   </mc:AlternateContent>
@@ -3431,7 +3413,6 @@
               <a:rPr lang="zh-CN" altLang="en-US"/>
               <a:t>单击此处编辑母版标题样式</a:t>
             </a:r>
-            <a:endParaRPr lang="zh-CN" altLang="en-US"/>
           </a:p>
         </p:txBody>
       </p:sp>
@@ -3488,7 +3469,6 @@
               <a:rPr lang="zh-CN" altLang="en-US"/>
               <a:t>单击此处编辑母版文本样式</a:t>
             </a:r>
-            <a:endParaRPr lang="zh-CN" altLang="en-US"/>
           </a:p>
           <a:p>
             <a:pPr lvl="1"/>
@@ -3496,7 +3476,6 @@
               <a:rPr lang="zh-CN" altLang="en-US"/>
               <a:t>第二级</a:t>
             </a:r>
-            <a:endParaRPr lang="zh-CN" altLang="en-US"/>
           </a:p>
           <a:p>
             <a:pPr lvl="2"/>
@@ -3504,7 +3483,6 @@
               <a:rPr lang="zh-CN" altLang="en-US"/>
               <a:t>第三级</a:t>
             </a:r>
-            <a:endParaRPr lang="zh-CN" altLang="en-US"/>
           </a:p>
           <a:p>
             <a:pPr lvl="3"/>
@@ -3512,7 +3490,6 @@
               <a:rPr lang="zh-CN" altLang="en-US"/>
               <a:t>第四级</a:t>
             </a:r>
-            <a:endParaRPr lang="zh-CN" altLang="en-US"/>
           </a:p>
           <a:p>
             <a:pPr lvl="4"/>
@@ -3520,7 +3497,6 @@
               <a:rPr lang="zh-CN" altLang="en-US"/>
               <a:t>第五级</a:t>
             </a:r>
-            <a:endParaRPr lang="zh-CN" altLang="en-US"/>
           </a:p>
         </p:txBody>
       </p:sp>
@@ -3586,7 +3562,6 @@
               <a:rPr lang="zh-CN" altLang="en-US"/>
               <a:t>单击此处编辑母版文本样式</a:t>
             </a:r>
-            <a:endParaRPr lang="zh-CN" altLang="en-US"/>
           </a:p>
         </p:txBody>
       </p:sp>
@@ -3607,6 +3582,7 @@
           <a:p>
             <a:fld id="{C87C0710-1941-4207-AFC4-70422DBD405E}" type="datetimeFigureOut">
               <a:rPr lang="zh-CN" altLang="en-US" smtClean="0"/>
+              <a:t>2019/2/20</a:t>
             </a:fld>
             <a:endParaRPr lang="zh-CN" altLang="en-US"/>
           </a:p>
@@ -3648,6 +3624,7 @@
           <a:p>
             <a:fld id="{5BD3F7A2-AB4B-46DB-92F9-EC6C90760ED0}" type="slidenum">
               <a:rPr lang="zh-CN" altLang="en-US" smtClean="0"/>
+              <a:t>‹#›</a:t>
             </a:fld>
             <a:endParaRPr lang="zh-CN" altLang="en-US"/>
           </a:p>
@@ -3658,11 +3635,11 @@
   <p:clrMapOvr>
     <a:masterClrMapping/>
   </p:clrMapOvr>
-  <mc:AlternateContent xmlns:mc="http://schemas.openxmlformats.org/markup-compatibility/2006">
-    <mc:Choice xmlns:p14="http://schemas.microsoft.com/office/powerpoint/2010/main" Requires="p14">
+  <mc:AlternateContent xmlns:mc="http://schemas.openxmlformats.org/markup-compatibility/2006" xmlns:p14="http://schemas.microsoft.com/office/powerpoint/2010/main">
+    <mc:Choice Requires="p14">
       <p:transition spd="slow" p14:dur="1600"/>
     </mc:Choice>
-    <mc:Fallback>
+    <mc:Fallback xmlns="">
       <p:transition spd="slow"/>
     </mc:Fallback>
   </mc:AlternateContent>
@@ -3714,7 +3691,6 @@
               <a:rPr lang="zh-CN" altLang="en-US"/>
               <a:t>单击此处编辑母版标题样式</a:t>
             </a:r>
-            <a:endParaRPr lang="zh-CN" altLang="en-US"/>
           </a:p>
         </p:txBody>
       </p:sp>
@@ -3841,7 +3817,6 @@
               <a:rPr lang="zh-CN" altLang="en-US"/>
               <a:t>单击此处编辑母版文本样式</a:t>
             </a:r>
-            <a:endParaRPr lang="zh-CN" altLang="en-US"/>
           </a:p>
         </p:txBody>
       </p:sp>
@@ -3862,6 +3837,7 @@
           <a:p>
             <a:fld id="{C87C0710-1941-4207-AFC4-70422DBD405E}" type="datetimeFigureOut">
               <a:rPr lang="zh-CN" altLang="en-US" smtClean="0"/>
+              <a:t>2019/2/20</a:t>
             </a:fld>
             <a:endParaRPr lang="zh-CN" altLang="en-US"/>
           </a:p>
@@ -3903,6 +3879,7 @@
           <a:p>
             <a:fld id="{5BD3F7A2-AB4B-46DB-92F9-EC6C90760ED0}" type="slidenum">
               <a:rPr lang="zh-CN" altLang="en-US" smtClean="0"/>
+              <a:t>‹#›</a:t>
             </a:fld>
             <a:endParaRPr lang="zh-CN" altLang="en-US"/>
           </a:p>
@@ -3913,11 +3890,11 @@
   <p:clrMapOvr>
     <a:masterClrMapping/>
   </p:clrMapOvr>
-  <mc:AlternateContent xmlns:mc="http://schemas.openxmlformats.org/markup-compatibility/2006">
-    <mc:Choice xmlns:p14="http://schemas.microsoft.com/office/powerpoint/2010/main" Requires="p14">
+  <mc:AlternateContent xmlns:mc="http://schemas.openxmlformats.org/markup-compatibility/2006" xmlns:p14="http://schemas.microsoft.com/office/powerpoint/2010/main">
+    <mc:Choice Requires="p14">
       <p:transition spd="slow" p14:dur="1600"/>
     </mc:Choice>
-    <mc:Fallback>
+    <mc:Fallback xmlns="">
       <p:transition spd="slow"/>
     </mc:Fallback>
   </mc:AlternateContent>
@@ -3978,7 +3955,6 @@
               <a:rPr lang="zh-CN" altLang="en-US"/>
               <a:t>单击此处编辑母版标题样式</a:t>
             </a:r>
-            <a:endParaRPr lang="zh-CN" altLang="en-US"/>
           </a:p>
         </p:txBody>
       </p:sp>
@@ -4012,7 +3988,6 @@
               <a:rPr lang="zh-CN" altLang="en-US"/>
               <a:t>单击此处编辑母版文本样式</a:t>
             </a:r>
-            <a:endParaRPr lang="zh-CN" altLang="en-US"/>
           </a:p>
           <a:p>
             <a:pPr lvl="1"/>
@@ -4020,7 +3995,6 @@
               <a:rPr lang="zh-CN" altLang="en-US"/>
               <a:t>第二级</a:t>
             </a:r>
-            <a:endParaRPr lang="zh-CN" altLang="en-US"/>
           </a:p>
           <a:p>
             <a:pPr lvl="2"/>
@@ -4028,7 +4002,6 @@
               <a:rPr lang="zh-CN" altLang="en-US"/>
               <a:t>第三级</a:t>
             </a:r>
-            <a:endParaRPr lang="zh-CN" altLang="en-US"/>
           </a:p>
           <a:p>
             <a:pPr lvl="3"/>
@@ -4036,7 +4009,6 @@
               <a:rPr lang="zh-CN" altLang="en-US"/>
               <a:t>第四级</a:t>
             </a:r>
-            <a:endParaRPr lang="zh-CN" altLang="en-US"/>
           </a:p>
           <a:p>
             <a:pPr lvl="4"/>
@@ -4044,7 +4016,6 @@
               <a:rPr lang="zh-CN" altLang="en-US"/>
               <a:t>第五级</a:t>
             </a:r>
-            <a:endParaRPr lang="zh-CN" altLang="en-US"/>
           </a:p>
         </p:txBody>
       </p:sp>
@@ -4083,6 +4054,7 @@
           <a:p>
             <a:fld id="{C87C0710-1941-4207-AFC4-70422DBD405E}" type="datetimeFigureOut">
               <a:rPr lang="zh-CN" altLang="en-US" smtClean="0"/>
+              <a:t>2019/2/20</a:t>
             </a:fld>
             <a:endParaRPr lang="zh-CN" altLang="en-US"/>
           </a:p>
@@ -4160,6 +4132,7 @@
           <a:p>
             <a:fld id="{5BD3F7A2-AB4B-46DB-92F9-EC6C90760ED0}" type="slidenum">
               <a:rPr lang="zh-CN" altLang="en-US" smtClean="0"/>
+              <a:t>‹#›</a:t>
             </a:fld>
             <a:endParaRPr lang="zh-CN" altLang="en-US"/>
           </a:p>
@@ -4184,11 +4157,11 @@
     <p:sldLayoutId id="2147483661" r:id="rId13"/>
     <p:sldLayoutId id="2147483662" r:id="rId14"/>
   </p:sldLayoutIdLst>
-  <mc:AlternateContent xmlns:mc="http://schemas.openxmlformats.org/markup-compatibility/2006">
-    <mc:Choice xmlns:p14="http://schemas.microsoft.com/office/powerpoint/2010/main" Requires="p14">
+  <mc:AlternateContent xmlns:mc="http://schemas.openxmlformats.org/markup-compatibility/2006" xmlns:p14="http://schemas.microsoft.com/office/powerpoint/2010/main">
+    <mc:Choice Requires="p14">
       <p:transition spd="slow" p14:dur="1600"/>
     </mc:Choice>
-    <mc:Fallback>
+    <mc:Fallback xmlns="">
       <p:transition spd="slow"/>
     </mc:Fallback>
   </mc:AlternateContent>
@@ -4690,13 +4663,6 @@
               </a:rPr>
               <a:t>基础（一）</a:t>
             </a:r>
-            <a:endParaRPr lang="zh-CN" altLang="en-US" sz="3200" dirty="0" smtClean="0">
-              <a:solidFill>
-                <a:srgbClr val="595E64"/>
-              </a:solidFill>
-              <a:latin typeface="微软雅黑" panose="020B0503020204020204" pitchFamily="34" charset="-122"/>
-              <a:ea typeface="微软雅黑" panose="020B0503020204020204" pitchFamily="34" charset="-122"/>
-            </a:endParaRPr>
           </a:p>
         </p:txBody>
       </p:sp>
@@ -5675,7 +5641,14 @@
         <p:cNvGrpSpPr/>
         <p:nvPr/>
       </p:nvGrpSpPr>
-      <p:grpSpPr/>
+      <p:grpSpPr>
+        <a:xfrm>
+          <a:off x="0" y="0"/>
+          <a:ext cx="0" cy="0"/>
+          <a:chOff x="0" y="0"/>
+          <a:chExt cx="0" cy="0"/>
+        </a:xfrm>
+      </p:grpSpPr>
       <p:sp>
         <p:nvSpPr>
           <p:cNvPr id="2" name="标题 1"/>
@@ -5689,6 +5662,7 @@
         <p:spPr/>
         <p:txBody>
           <a:bodyPr/>
+          <a:lstStyle/>
           <a:p>
             <a:r>
               <a:rPr lang="en-US" altLang="zh-CN"/>
@@ -5698,7 +5672,6 @@
               <a:rPr lang="zh-CN" altLang="en-US"/>
               <a:t>标签三要素</a:t>
             </a:r>
-            <a:endParaRPr lang="zh-CN" altLang="en-US"/>
           </a:p>
         </p:txBody>
       </p:sp>
@@ -5715,6 +5688,7 @@
         <p:spPr/>
         <p:txBody>
           <a:bodyPr/>
+          <a:lstStyle/>
           <a:p>
             <a:r>
               <a:rPr lang="zh-CN" altLang="en-US"/>
@@ -5727,7 +5701,6 @@
               <a:rPr lang="zh-CN" altLang="en-US"/>
               <a:t>标签的三个要点</a:t>
             </a:r>
-            <a:endParaRPr lang="zh-CN" altLang="en-US"/>
           </a:p>
           <a:p>
             <a:pPr lvl="1"/>
@@ -5743,7 +5716,6 @@
               <a:rPr lang="zh-CN" altLang="en-US"/>
               <a:t>（标签）</a:t>
             </a:r>
-            <a:endParaRPr lang="zh-CN" altLang="en-US"/>
           </a:p>
           <a:p>
             <a:pPr lvl="1"/>
@@ -5759,7 +5731,6 @@
               <a:rPr lang="zh-CN" altLang="en-US"/>
               <a:t>（标签的使用规定）</a:t>
             </a:r>
-            <a:endParaRPr lang="zh-CN" altLang="en-US"/>
           </a:p>
           <a:p>
             <a:pPr lvl="1"/>
@@ -5789,7 +5760,6 @@
               <a:rPr lang="zh-CN" altLang="en-US"/>
               <a:t>的标签含义）</a:t>
             </a:r>
-            <a:endParaRPr lang="zh-CN" altLang="en-US"/>
           </a:p>
         </p:txBody>
       </p:sp>
@@ -5802,7 +5772,7 @@
           <p:nvPr/>
         </p:nvPicPr>
         <p:blipFill>
-          <a:blip r:embed="rId1" cstate="print">
+          <a:blip r:embed="rId2" cstate="print">
             <a:extLst>
               <a:ext uri="{28A0092B-C50C-407E-A947-70E740481C1C}">
                 <a14:useLocalDpi xmlns:a14="http://schemas.microsoft.com/office/drawing/2010/main" val="0"/>
@@ -5862,11 +5832,11 @@
   <p:clrMapOvr>
     <a:masterClrMapping/>
   </p:clrMapOvr>
-  <mc:AlternateContent xmlns:mc="http://schemas.openxmlformats.org/markup-compatibility/2006">
-    <mc:Choice xmlns:p14="http://schemas.microsoft.com/office/powerpoint/2010/main" Requires="p14">
+  <mc:AlternateContent xmlns:mc="http://schemas.openxmlformats.org/markup-compatibility/2006" xmlns:p14="http://schemas.microsoft.com/office/powerpoint/2010/main">
+    <mc:Choice Requires="p14">
       <p:transition spd="slow" p14:dur="1600"/>
     </mc:Choice>
-    <mc:Fallback>
+    <mc:Fallback xmlns="">
       <p:transition spd="slow"/>
     </mc:Fallback>
   </mc:AlternateContent>
@@ -6014,7 +5984,14 @@
         <p:cNvGrpSpPr/>
         <p:nvPr/>
       </p:nvGrpSpPr>
-      <p:grpSpPr/>
+      <p:grpSpPr>
+        <a:xfrm>
+          <a:off x="0" y="0"/>
+          <a:ext cx="0" cy="0"/>
+          <a:chOff x="0" y="0"/>
+          <a:chExt cx="0" cy="0"/>
+        </a:xfrm>
+      </p:grpSpPr>
       <p:sp>
         <p:nvSpPr>
           <p:cNvPr id="2" name="标题 1"/>
@@ -6028,6 +6005,7 @@
         <p:spPr/>
         <p:txBody>
           <a:bodyPr/>
+          <a:lstStyle/>
           <a:p>
             <a:r>
               <a:rPr lang="en-US" altLang="zh-CN"/>
@@ -6037,7 +6015,6 @@
               <a:rPr lang="zh-CN" altLang="en-US"/>
               <a:t>基本结构</a:t>
             </a:r>
-            <a:endParaRPr lang="zh-CN" altLang="en-US"/>
           </a:p>
         </p:txBody>
       </p:sp>
@@ -6054,6 +6031,7 @@
         <p:spPr/>
         <p:txBody>
           <a:bodyPr/>
+          <a:lstStyle/>
           <a:p>
             <a:endParaRPr lang="zh-CN" altLang="en-US"/>
           </a:p>
@@ -6436,11 +6414,6 @@
               </a:rPr>
               <a:t>&gt;</a:t>
             </a:r>
-            <a:endParaRPr lang="en-US" altLang="zh-CN" sz="3200" b="1" dirty="0" smtClean="0">
-              <a:solidFill>
-                <a:srgbClr val="382E92"/>
-              </a:solidFill>
-            </a:endParaRPr>
           </a:p>
           <a:p>
             <a:pPr>
@@ -6463,6 +6436,188 @@
                 </a:solidFill>
               </a:rPr>
               <a:t>html&gt;</a:t>
+            </a:r>
+          </a:p>
+          <a:p>
+            <a:pPr>
+              <a:lnSpc>
+                <a:spcPts val="4000"/>
+              </a:lnSpc>
+            </a:pPr>
+            <a:r>
+              <a:rPr lang="en-US" altLang="zh-CN" sz="3200" b="1" dirty="0">
+                <a:solidFill>
+                  <a:srgbClr val="382E92"/>
+                </a:solidFill>
+              </a:rPr>
+              <a:t>	&lt;head</a:t>
+            </a:r>
+            <a:r>
+              <a:rPr lang="en-US" altLang="zh-CN" sz="3200" b="1" dirty="0" smtClean="0">
+                <a:solidFill>
+                  <a:srgbClr val="382E92"/>
+                </a:solidFill>
+              </a:rPr>
+              <a:t>&gt;</a:t>
+            </a:r>
+          </a:p>
+          <a:p>
+            <a:pPr>
+              <a:lnSpc>
+                <a:spcPts val="4000"/>
+              </a:lnSpc>
+            </a:pPr>
+            <a:r>
+              <a:rPr lang="en-US" altLang="zh-CN" sz="3200" b="1" dirty="0">
+                <a:solidFill>
+                  <a:srgbClr val="382E92"/>
+                </a:solidFill>
+              </a:rPr>
+              <a:t>	</a:t>
+            </a:r>
+            <a:r>
+              <a:rPr lang="en-US" altLang="zh-CN" sz="3200" b="1" dirty="0" smtClean="0">
+                <a:solidFill>
+                  <a:srgbClr val="382E92"/>
+                </a:solidFill>
+              </a:rPr>
+              <a:t>    &lt;</a:t>
+            </a:r>
+            <a:r>
+              <a:rPr lang="en-US" altLang="zh-CN" sz="3200" b="1" dirty="0">
+                <a:solidFill>
+                  <a:srgbClr val="382E92"/>
+                </a:solidFill>
+              </a:rPr>
+              <a:t>meta charset="UTF-8"</a:t>
+            </a:r>
+            <a:r>
+              <a:rPr lang="en-US" altLang="zh-CN" sz="3200" b="1" dirty="0">
+                <a:solidFill>
+                  <a:srgbClr val="FF0000"/>
+                </a:solidFill>
+              </a:rPr>
+              <a:t>/</a:t>
+            </a:r>
+            <a:r>
+              <a:rPr lang="en-US" altLang="zh-CN" sz="3200" b="1" dirty="0">
+                <a:solidFill>
+                  <a:srgbClr val="382E92"/>
+                </a:solidFill>
+              </a:rPr>
+              <a:t>&gt;</a:t>
+            </a:r>
+          </a:p>
+          <a:p>
+            <a:pPr>
+              <a:lnSpc>
+                <a:spcPts val="4000"/>
+              </a:lnSpc>
+            </a:pPr>
+            <a:r>
+              <a:rPr lang="en-US" altLang="zh-CN" sz="3200" dirty="0"/>
+              <a:t>	</a:t>
+            </a:r>
+            <a:r>
+              <a:rPr lang="en-US" altLang="zh-CN" sz="3200" dirty="0" smtClean="0"/>
+              <a:t>    </a:t>
+            </a:r>
+            <a:r>
+              <a:rPr lang="en-US" altLang="zh-CN" sz="3200" b="1" dirty="0" smtClean="0">
+                <a:solidFill>
+                  <a:srgbClr val="382E92"/>
+                </a:solidFill>
+              </a:rPr>
+              <a:t>&lt;title&gt;</a:t>
+            </a:r>
+            <a:r>
+              <a:rPr lang="en-US" altLang="zh-CN" sz="3200" b="1" dirty="0" smtClean="0"/>
+              <a:t>demo</a:t>
+            </a:r>
+            <a:r>
+              <a:rPr lang="en-US" altLang="zh-CN" sz="3200" b="1" dirty="0" smtClean="0">
+                <a:solidFill>
+                  <a:srgbClr val="382E92"/>
+                </a:solidFill>
+              </a:rPr>
+              <a:t>&lt;</a:t>
+            </a:r>
+            <a:r>
+              <a:rPr lang="en-US" altLang="zh-CN" sz="3200" b="1" dirty="0">
+                <a:solidFill>
+                  <a:srgbClr val="FF0000"/>
+                </a:solidFill>
+              </a:rPr>
+              <a:t>/</a:t>
+            </a:r>
+            <a:r>
+              <a:rPr lang="en-US" altLang="zh-CN" sz="3200" b="1" dirty="0">
+                <a:solidFill>
+                  <a:srgbClr val="382E92"/>
+                </a:solidFill>
+              </a:rPr>
+              <a:t>title&gt;</a:t>
+            </a:r>
+          </a:p>
+          <a:p>
+            <a:pPr>
+              <a:lnSpc>
+                <a:spcPts val="4000"/>
+              </a:lnSpc>
+            </a:pPr>
+            <a:r>
+              <a:rPr lang="en-US" altLang="zh-CN" sz="3200" b="1" dirty="0">
+                <a:solidFill>
+                  <a:srgbClr val="382E92"/>
+                </a:solidFill>
+              </a:rPr>
+              <a:t>	&lt;</a:t>
+            </a:r>
+            <a:r>
+              <a:rPr lang="en-US" altLang="zh-CN" sz="3200" b="1" dirty="0">
+                <a:solidFill>
+                  <a:srgbClr val="FF0000"/>
+                </a:solidFill>
+              </a:rPr>
+              <a:t>/</a:t>
+            </a:r>
+            <a:r>
+              <a:rPr lang="en-US" altLang="zh-CN" sz="3200" b="1" dirty="0">
+                <a:solidFill>
+                  <a:srgbClr val="382E92"/>
+                </a:solidFill>
+              </a:rPr>
+              <a:t>head&gt;</a:t>
+            </a:r>
+          </a:p>
+          <a:p>
+            <a:pPr>
+              <a:lnSpc>
+                <a:spcPts val="4000"/>
+              </a:lnSpc>
+            </a:pPr>
+            <a:r>
+              <a:rPr lang="en-US" altLang="zh-CN" sz="3200" b="1" dirty="0">
+                <a:solidFill>
+                  <a:srgbClr val="382E92"/>
+                </a:solidFill>
+              </a:rPr>
+              <a:t>	&lt;body&gt;</a:t>
+            </a:r>
+          </a:p>
+          <a:p>
+            <a:pPr>
+              <a:lnSpc>
+                <a:spcPts val="4000"/>
+              </a:lnSpc>
+            </a:pPr>
+            <a:r>
+              <a:rPr lang="en-US" altLang="zh-CN" sz="3200" dirty="0"/>
+              <a:t>		</a:t>
+            </a:r>
+            <a:r>
+              <a:rPr lang="en-US" altLang="zh-CN" sz="3200" b="1" dirty="0" smtClean="0"/>
+              <a:t>Hello World！</a:t>
             </a:r>
             <a:endParaRPr lang="en-US" altLang="zh-CN" sz="3200" b="1" dirty="0">
               <a:solidFill>
@@ -6482,241 +6637,24 @@
                   <a:srgbClr val="382E92"/>
                 </a:solidFill>
               </a:rPr>
-              <a:t>	&lt;head</a:t>
-            </a:r>
-            <a:r>
-              <a:rPr lang="en-US" altLang="zh-CN" sz="3200" b="1" dirty="0" smtClean="0">
+              <a:t>	&lt;</a:t>
+            </a:r>
+            <a:r>
+              <a:rPr lang="en-US" altLang="zh-CN" sz="3200" b="1" dirty="0">
+                <a:solidFill>
+                  <a:srgbClr val="FF0000"/>
+                </a:solidFill>
+              </a:rPr>
+              <a:t>/</a:t>
+            </a:r>
+            <a:r>
+              <a:rPr lang="en-US" altLang="zh-CN" sz="3200" b="1" dirty="0">
                 <a:solidFill>
                   <a:srgbClr val="382E92"/>
                 </a:solidFill>
               </a:rPr>
-              <a:t>&gt;</a:t>
-            </a:r>
-            <a:endParaRPr lang="en-US" altLang="zh-CN" sz="3200" b="1" dirty="0" smtClean="0">
-              <a:solidFill>
-                <a:srgbClr val="382E92"/>
-              </a:solidFill>
-            </a:endParaRPr>
-          </a:p>
-          <a:p>
-            <a:pPr>
-              <a:lnSpc>
-                <a:spcPts val="4000"/>
-              </a:lnSpc>
-            </a:pPr>
-            <a:r>
-              <a:rPr lang="en-US" altLang="zh-CN" sz="3200" b="1" dirty="0">
-                <a:solidFill>
-                  <a:srgbClr val="382E92"/>
-                </a:solidFill>
-              </a:rPr>
-              <a:t>	</a:t>
-            </a:r>
-            <a:r>
-              <a:rPr lang="en-US" altLang="zh-CN" sz="3200" b="1" dirty="0" smtClean="0">
-                <a:solidFill>
-                  <a:srgbClr val="382E92"/>
-                </a:solidFill>
-              </a:rPr>
-              <a:t>    &lt;</a:t>
-            </a:r>
-            <a:r>
-              <a:rPr lang="en-US" altLang="zh-CN" sz="3200" b="1" dirty="0">
-                <a:solidFill>
-                  <a:srgbClr val="382E92"/>
-                </a:solidFill>
-              </a:rPr>
-              <a:t>meta charset="UTF-8"</a:t>
-            </a:r>
-            <a:r>
-              <a:rPr lang="en-US" altLang="zh-CN" sz="3200" b="1" dirty="0">
-                <a:solidFill>
-                  <a:srgbClr val="FF0000"/>
-                </a:solidFill>
-              </a:rPr>
-              <a:t>/</a:t>
-            </a:r>
-            <a:r>
-              <a:rPr lang="en-US" altLang="zh-CN" sz="3200" b="1" dirty="0">
-                <a:solidFill>
-                  <a:srgbClr val="382E92"/>
-                </a:solidFill>
-              </a:rPr>
-              <a:t>&gt;</a:t>
-            </a:r>
-            <a:endParaRPr lang="en-US" altLang="zh-CN" sz="3200" b="1" dirty="0">
-              <a:solidFill>
-                <a:srgbClr val="382E92"/>
-              </a:solidFill>
-            </a:endParaRPr>
-          </a:p>
-          <a:p>
-            <a:pPr>
-              <a:lnSpc>
-                <a:spcPts val="4000"/>
-              </a:lnSpc>
-            </a:pPr>
-            <a:r>
-              <a:rPr lang="en-US" altLang="zh-CN" sz="3200" dirty="0"/>
-              <a:t>	</a:t>
-            </a:r>
-            <a:r>
-              <a:rPr lang="en-US" altLang="zh-CN" sz="3200" dirty="0" smtClean="0"/>
-              <a:t>    </a:t>
-            </a:r>
-            <a:r>
-              <a:rPr lang="en-US" altLang="zh-CN" sz="3200" b="1" dirty="0" smtClean="0">
-                <a:solidFill>
-                  <a:srgbClr val="382E92"/>
-                </a:solidFill>
-              </a:rPr>
-              <a:t>&lt;title&gt;</a:t>
-            </a:r>
-            <a:r>
-              <a:rPr lang="en-US" altLang="zh-CN" sz="3200" b="1" dirty="0" smtClean="0"/>
-              <a:t>demo</a:t>
-            </a:r>
-            <a:r>
-              <a:rPr lang="en-US" altLang="zh-CN" sz="3200" b="1" dirty="0" smtClean="0">
-                <a:solidFill>
-                  <a:srgbClr val="382E92"/>
-                </a:solidFill>
-              </a:rPr>
-              <a:t>&lt;</a:t>
-            </a:r>
-            <a:r>
-              <a:rPr lang="en-US" altLang="zh-CN" sz="3200" b="1" dirty="0">
-                <a:solidFill>
-                  <a:srgbClr val="FF0000"/>
-                </a:solidFill>
-              </a:rPr>
-              <a:t>/</a:t>
-            </a:r>
-            <a:r>
-              <a:rPr lang="en-US" altLang="zh-CN" sz="3200" b="1" dirty="0">
-                <a:solidFill>
-                  <a:srgbClr val="382E92"/>
-                </a:solidFill>
-              </a:rPr>
-              <a:t>title&gt;</a:t>
-            </a:r>
-            <a:endParaRPr lang="en-US" altLang="zh-CN" sz="3200" b="1" dirty="0">
-              <a:solidFill>
-                <a:srgbClr val="382E92"/>
-              </a:solidFill>
-            </a:endParaRPr>
-          </a:p>
-          <a:p>
-            <a:pPr>
-              <a:lnSpc>
-                <a:spcPts val="4000"/>
-              </a:lnSpc>
-            </a:pPr>
-            <a:r>
-              <a:rPr lang="en-US" altLang="zh-CN" sz="3200" b="1" dirty="0">
-                <a:solidFill>
-                  <a:srgbClr val="382E92"/>
-                </a:solidFill>
-              </a:rPr>
-              <a:t>	&lt;</a:t>
-            </a:r>
-            <a:r>
-              <a:rPr lang="en-US" altLang="zh-CN" sz="3200" b="1" dirty="0">
-                <a:solidFill>
-                  <a:srgbClr val="FF0000"/>
-                </a:solidFill>
-              </a:rPr>
-              <a:t>/</a:t>
-            </a:r>
-            <a:r>
-              <a:rPr lang="en-US" altLang="zh-CN" sz="3200" b="1" dirty="0">
-                <a:solidFill>
-                  <a:srgbClr val="382E92"/>
-                </a:solidFill>
-              </a:rPr>
-              <a:t>head&gt;</a:t>
-            </a:r>
-            <a:endParaRPr lang="en-US" altLang="zh-CN" sz="3200" b="1" dirty="0">
-              <a:solidFill>
-                <a:srgbClr val="382E92"/>
-              </a:solidFill>
-            </a:endParaRPr>
-          </a:p>
-          <a:p>
-            <a:pPr>
-              <a:lnSpc>
-                <a:spcPts val="4000"/>
-              </a:lnSpc>
-            </a:pPr>
-            <a:r>
-              <a:rPr lang="en-US" altLang="zh-CN" sz="3200" b="1" dirty="0">
-                <a:solidFill>
-                  <a:srgbClr val="382E92"/>
-                </a:solidFill>
-              </a:rPr>
-              <a:t>	&lt;body&gt;</a:t>
-            </a:r>
-            <a:endParaRPr lang="en-US" altLang="zh-CN" sz="3200" b="1" dirty="0">
-              <a:solidFill>
-                <a:srgbClr val="382E92"/>
-              </a:solidFill>
-            </a:endParaRPr>
-          </a:p>
-          <a:p>
-            <a:pPr>
-              <a:lnSpc>
-                <a:spcPts val="4000"/>
-              </a:lnSpc>
-            </a:pPr>
-            <a:r>
-              <a:rPr lang="en-US" altLang="zh-CN" sz="3200" dirty="0"/>
-              <a:t>		</a:t>
-            </a:r>
-            <a:r>
-              <a:rPr lang="en-US" altLang="zh-CN" sz="3200" b="1" dirty="0" smtClean="0"/>
-              <a:t>Hello World！</a:t>
-            </a:r>
-            <a:endParaRPr lang="en-US" altLang="zh-CN" sz="3200" b="1" dirty="0">
-              <a:solidFill>
-                <a:srgbClr val="382E92"/>
-              </a:solidFill>
-            </a:endParaRPr>
-          </a:p>
-          <a:p>
-            <a:pPr>
-              <a:lnSpc>
-                <a:spcPts val="4000"/>
-              </a:lnSpc>
-            </a:pPr>
-            <a:r>
-              <a:rPr lang="en-US" altLang="zh-CN" sz="3200" b="1" dirty="0">
-                <a:solidFill>
-                  <a:srgbClr val="382E92"/>
-                </a:solidFill>
-              </a:rPr>
-              <a:t>	&lt;</a:t>
-            </a:r>
-            <a:r>
-              <a:rPr lang="en-US" altLang="zh-CN" sz="3200" b="1" dirty="0">
-                <a:solidFill>
-                  <a:srgbClr val="FF0000"/>
-                </a:solidFill>
-              </a:rPr>
-              <a:t>/</a:t>
-            </a:r>
-            <a:r>
-              <a:rPr lang="en-US" altLang="zh-CN" sz="3200" b="1" dirty="0">
-                <a:solidFill>
-                  <a:srgbClr val="382E92"/>
-                </a:solidFill>
-              </a:rPr>
               <a:t>body&gt;</a:t>
             </a:r>
-            <a:endParaRPr lang="en-US" altLang="zh-CN" sz="3200" b="1" dirty="0">
-              <a:solidFill>
-                <a:srgbClr val="382E92"/>
-              </a:solidFill>
-            </a:endParaRPr>
           </a:p>
           <a:p>
             <a:pPr>
@@ -7072,12 +7010,6 @@
                 </a:rPr>
                 <a:t>头部</a:t>
               </a:r>
-              <a:endParaRPr lang="zh-CN" altLang="en-US" sz="2800" b="1" dirty="0">
-                <a:solidFill>
-                  <a:srgbClr val="FF0000"/>
-                </a:solidFill>
-                <a:ea typeface="宋体" panose="02010600030101010101" pitchFamily="2" charset="-122"/>
-              </a:endParaRPr>
             </a:p>
           </p:txBody>
         </p:sp>
@@ -7395,12 +7327,6 @@
                 </a:rPr>
                 <a:t>体部</a:t>
               </a:r>
-              <a:endParaRPr lang="zh-CN" altLang="en-US" sz="2800" b="1" dirty="0">
-                <a:solidFill>
-                  <a:srgbClr val="FF0000"/>
-                </a:solidFill>
-                <a:ea typeface="宋体" panose="02010600030101010101" pitchFamily="2" charset="-122"/>
-              </a:endParaRPr>
             </a:p>
           </p:txBody>
         </p:sp>
@@ -7600,6 +7526,7 @@
           <a:bodyPr wrap="none" lIns="108850" tIns="54425" rIns="108850" bIns="54425" rtlCol="0">
             <a:spAutoFit/>
           </a:bodyPr>
+          <a:lstStyle/>
           <a:p>
             <a:r>
               <a:rPr lang="en-US" altLang="zh-CN" sz="2600" dirty="0" smtClean="0">
@@ -7620,11 +7547,11 @@
   <p:clrMapOvr>
     <a:masterClrMapping/>
   </p:clrMapOvr>
-  <mc:AlternateContent xmlns:mc="http://schemas.openxmlformats.org/markup-compatibility/2006">
-    <mc:Choice xmlns:p14="http://schemas.microsoft.com/office/powerpoint/2010/main" Requires="p14">
+  <mc:AlternateContent xmlns:mc="http://schemas.openxmlformats.org/markup-compatibility/2006" xmlns:p14="http://schemas.microsoft.com/office/powerpoint/2010/main">
+    <mc:Choice Requires="p14">
       <p:transition spd="slow" p14:dur="1600"/>
     </mc:Choice>
-    <mc:Fallback>
+    <mc:Fallback xmlns="">
       <p:transition spd="slow"/>
     </mc:Fallback>
   </mc:AlternateContent>
@@ -8051,7 +7978,14 @@
         <p:cNvGrpSpPr/>
         <p:nvPr/>
       </p:nvGrpSpPr>
-      <p:grpSpPr/>
+      <p:grpSpPr>
+        <a:xfrm>
+          <a:off x="0" y="0"/>
+          <a:ext cx="0" cy="0"/>
+          <a:chOff x="0" y="0"/>
+          <a:chExt cx="0" cy="0"/>
+        </a:xfrm>
+      </p:grpSpPr>
       <p:graphicFrame>
         <p:nvGraphicFramePr>
           <p:cNvPr id="25" name="内容占位符 3"/>
@@ -8060,7 +7994,7 @@
         </p:nvGraphicFramePr>
         <p:xfrm>
           <a:off x="541740" y="902622"/>
-          <a:ext cx="11106150" cy="5441315"/>
+          <a:ext cx="11106150" cy="1472808"/>
         </p:xfrm>
         <a:graphic>
           <a:graphicData uri="http://schemas.openxmlformats.org/drawingml/2006/table">
@@ -8077,6 +8011,7 @@
                 <a:tc>
                   <a:txBody>
                     <a:bodyPr/>
+                    <a:lstStyle/>
                     <a:p>
                       <a:pPr>
                         <a:lnSpc>
@@ -8107,6 +8042,7 @@
                 <a:tc>
                   <a:txBody>
                     <a:bodyPr/>
+                    <a:lstStyle/>
                     <a:p>
                       <a:pPr>
                         <a:lnSpc>
@@ -8137,6 +8073,7 @@
                 <a:tc>
                   <a:txBody>
                     <a:bodyPr/>
+                    <a:lstStyle/>
                     <a:p>
                       <a:pPr>
                         <a:lnSpc>
@@ -8169,6 +8106,7 @@
                 <a:tc>
                   <a:txBody>
                     <a:bodyPr/>
+                    <a:lstStyle/>
                     <a:p>
                       <a:r>
                         <a:rPr lang="en-US" altLang="zh-CN" sz="2200" dirty="0" smtClean="0">
@@ -8177,10 +8115,6 @@
                         </a:rPr>
                         <a:t>&lt;html&gt;</a:t>
                       </a:r>
-                      <a:endParaRPr lang="en-US" altLang="zh-CN" sz="2200" dirty="0" smtClean="0">
-                        <a:latin typeface="微软雅黑" panose="020B0503020204020204" pitchFamily="34" charset="-122"/>
-                        <a:ea typeface="微软雅黑" panose="020B0503020204020204" pitchFamily="34" charset="-122"/>
-                      </a:endParaRPr>
                     </a:p>
                     <a:p>
                       <a:r>
@@ -8218,6 +8152,7 @@
                 <a:tc>
                   <a:txBody>
                     <a:bodyPr/>
+                    <a:lstStyle/>
                     <a:p>
                       <a:r>
                         <a:rPr lang="en-US" altLang="zh-CN" sz="2200" dirty="0" smtClean="0">
@@ -8244,6 +8179,7 @@
                 <a:tc>
                   <a:txBody>
                     <a:bodyPr/>
+                    <a:lstStyle/>
                     <a:p>
                       <a:pPr eaLnBrk="1" hangingPunct="1"/>
                       <a:r>
@@ -8325,6 +8261,7 @@
         <p:spPr/>
         <p:txBody>
           <a:bodyPr/>
+          <a:lstStyle/>
           <a:p>
             <a:r>
               <a:rPr lang="en-US" altLang="zh-CN"/>
@@ -8334,7 +8271,6 @@
               <a:rPr lang="zh-CN" altLang="en-US"/>
               <a:t>基本结构</a:t>
             </a:r>
-            <a:endParaRPr lang="zh-CN" altLang="en-US"/>
           </a:p>
         </p:txBody>
       </p:sp>
@@ -8363,6 +8299,7 @@
                 <a:tc>
                   <a:txBody>
                     <a:bodyPr/>
+                    <a:lstStyle/>
                     <a:p>
                       <a:pPr>
                         <a:lnSpc>
@@ -8393,6 +8330,7 @@
                 <a:tc>
                   <a:txBody>
                     <a:bodyPr/>
+                    <a:lstStyle/>
                     <a:p>
                       <a:pPr>
                         <a:lnSpc>
@@ -8423,6 +8361,7 @@
                 <a:tc>
                   <a:txBody>
                     <a:bodyPr/>
+                    <a:lstStyle/>
                     <a:p>
                       <a:pPr>
                         <a:lnSpc>
@@ -8463,7 +8402,7 @@
         </p:nvGraphicFramePr>
         <p:xfrm>
           <a:off x="541740" y="902622"/>
-          <a:ext cx="11106150" cy="2676525"/>
+          <a:ext cx="11106150" cy="2676746"/>
         </p:xfrm>
         <a:graphic>
           <a:graphicData uri="http://schemas.openxmlformats.org/drawingml/2006/table">
@@ -8480,6 +8419,7 @@
                 <a:tc>
                   <a:txBody>
                     <a:bodyPr/>
+                    <a:lstStyle/>
                     <a:p>
                       <a:pPr>
                         <a:lnSpc>
@@ -8510,6 +8450,7 @@
                 <a:tc>
                   <a:txBody>
                     <a:bodyPr/>
+                    <a:lstStyle/>
                     <a:p>
                       <a:pPr>
                         <a:lnSpc>
@@ -8540,6 +8481,7 @@
                 <a:tc>
                   <a:txBody>
                     <a:bodyPr/>
+                    <a:lstStyle/>
                     <a:p>
                       <a:pPr>
                         <a:lnSpc>
@@ -8572,6 +8514,7 @@
                 <a:tc>
                   <a:txBody>
                     <a:bodyPr/>
+                    <a:lstStyle/>
                     <a:p>
                       <a:r>
                         <a:rPr lang="en-US" altLang="zh-CN" sz="2200" dirty="0" smtClean="0">
@@ -8580,10 +8523,6 @@
                         </a:rPr>
                         <a:t>&lt;html&gt;</a:t>
                       </a:r>
-                      <a:endParaRPr lang="en-US" altLang="zh-CN" sz="2200" dirty="0" smtClean="0">
-                        <a:latin typeface="微软雅黑" panose="020B0503020204020204" pitchFamily="34" charset="-122"/>
-                        <a:ea typeface="微软雅黑" panose="020B0503020204020204" pitchFamily="34" charset="-122"/>
-                      </a:endParaRPr>
                     </a:p>
                     <a:p>
                       <a:r>
@@ -8621,6 +8560,7 @@
                 <a:tc>
                   <a:txBody>
                     <a:bodyPr/>
+                    <a:lstStyle/>
                     <a:p>
                       <a:r>
                         <a:rPr lang="en-US" altLang="zh-CN" sz="2200" dirty="0" smtClean="0">
@@ -8647,6 +8587,7 @@
                 <a:tc>
                   <a:txBody>
                     <a:bodyPr/>
+                    <a:lstStyle/>
                     <a:p>
                       <a:pPr eaLnBrk="1" hangingPunct="1"/>
                       <a:r>
@@ -8715,6 +8656,7 @@
                 <a:tc>
                   <a:txBody>
                     <a:bodyPr/>
+                    <a:lstStyle/>
                     <a:p>
                       <a:r>
                         <a:rPr lang="en-US" altLang="zh-CN" sz="2200" dirty="0" smtClean="0">
@@ -8723,10 +8665,6 @@
                         </a:rPr>
                         <a:t>&lt;head&gt;</a:t>
                       </a:r>
-                      <a:endParaRPr lang="en-US" altLang="zh-CN" sz="2200" dirty="0" smtClean="0">
-                        <a:latin typeface="微软雅黑" panose="020B0503020204020204" pitchFamily="34" charset="-122"/>
-                        <a:ea typeface="微软雅黑" panose="020B0503020204020204" pitchFamily="34" charset="-122"/>
-                      </a:endParaRPr>
                     </a:p>
                     <a:p>
                       <a:r>
@@ -8764,6 +8702,7 @@
                 <a:tc>
                   <a:txBody>
                     <a:bodyPr/>
+                    <a:lstStyle/>
                     <a:p>
                       <a:r>
                         <a:rPr lang="zh-CN" altLang="en-US" sz="2200" dirty="0" smtClean="0">
@@ -8783,6 +8722,7 @@
                 <a:tc>
                   <a:txBody>
                     <a:bodyPr/>
+                    <a:lstStyle/>
                     <a:p>
                       <a:r>
                         <a:rPr lang="en-US" altLang="zh-CN" sz="2200" dirty="0" smtClean="0">
@@ -8894,7 +8834,7 @@
         </p:nvGraphicFramePr>
         <p:xfrm>
           <a:off x="541740" y="902622"/>
-          <a:ext cx="11106150" cy="3536315"/>
+          <a:ext cx="11106150" cy="3536536"/>
         </p:xfrm>
         <a:graphic>
           <a:graphicData uri="http://schemas.openxmlformats.org/drawingml/2006/table">
@@ -8911,6 +8851,7 @@
                 <a:tc>
                   <a:txBody>
                     <a:bodyPr/>
+                    <a:lstStyle/>
                     <a:p>
                       <a:pPr>
                         <a:lnSpc>
@@ -8941,6 +8882,7 @@
                 <a:tc>
                   <a:txBody>
                     <a:bodyPr/>
+                    <a:lstStyle/>
                     <a:p>
                       <a:pPr>
                         <a:lnSpc>
@@ -8971,6 +8913,7 @@
                 <a:tc>
                   <a:txBody>
                     <a:bodyPr/>
+                    <a:lstStyle/>
                     <a:p>
                       <a:pPr>
                         <a:lnSpc>
@@ -9003,6 +8946,7 @@
                 <a:tc>
                   <a:txBody>
                     <a:bodyPr/>
+                    <a:lstStyle/>
                     <a:p>
                       <a:r>
                         <a:rPr lang="en-US" altLang="zh-CN" sz="2200" dirty="0" smtClean="0">
@@ -9011,10 +8955,6 @@
                         </a:rPr>
                         <a:t>&lt;html&gt;</a:t>
                       </a:r>
-                      <a:endParaRPr lang="en-US" altLang="zh-CN" sz="2200" dirty="0" smtClean="0">
-                        <a:latin typeface="微软雅黑" panose="020B0503020204020204" pitchFamily="34" charset="-122"/>
-                        <a:ea typeface="微软雅黑" panose="020B0503020204020204" pitchFamily="34" charset="-122"/>
-                      </a:endParaRPr>
                     </a:p>
                     <a:p>
                       <a:r>
@@ -9052,6 +8992,7 @@
                 <a:tc>
                   <a:txBody>
                     <a:bodyPr/>
+                    <a:lstStyle/>
                     <a:p>
                       <a:r>
                         <a:rPr lang="en-US" altLang="zh-CN" sz="2200" dirty="0" smtClean="0">
@@ -9078,6 +9019,7 @@
                 <a:tc>
                   <a:txBody>
                     <a:bodyPr/>
+                    <a:lstStyle/>
                     <a:p>
                       <a:pPr eaLnBrk="1" hangingPunct="1"/>
                       <a:r>
@@ -9146,6 +9088,7 @@
                 <a:tc>
                   <a:txBody>
                     <a:bodyPr/>
+                    <a:lstStyle/>
                     <a:p>
                       <a:r>
                         <a:rPr lang="en-US" altLang="zh-CN" sz="2200" dirty="0" smtClean="0">
@@ -9154,10 +9097,6 @@
                         </a:rPr>
                         <a:t>&lt;head&gt;</a:t>
                       </a:r>
-                      <a:endParaRPr lang="en-US" altLang="zh-CN" sz="2200" dirty="0" smtClean="0">
-                        <a:latin typeface="微软雅黑" panose="020B0503020204020204" pitchFamily="34" charset="-122"/>
-                        <a:ea typeface="微软雅黑" panose="020B0503020204020204" pitchFamily="34" charset="-122"/>
-                      </a:endParaRPr>
                     </a:p>
                     <a:p>
                       <a:r>
@@ -9195,6 +9134,7 @@
                 <a:tc>
                   <a:txBody>
                     <a:bodyPr/>
+                    <a:lstStyle/>
                     <a:p>
                       <a:r>
                         <a:rPr lang="zh-CN" altLang="en-US" sz="2200" dirty="0" smtClean="0">
@@ -9214,6 +9154,7 @@
                 <a:tc>
                   <a:txBody>
                     <a:bodyPr/>
+                    <a:lstStyle/>
                     <a:p>
                       <a:r>
                         <a:rPr lang="en-US" altLang="zh-CN" sz="2200" dirty="0" smtClean="0">
@@ -9317,6 +9258,7 @@
                 <a:tc>
                   <a:txBody>
                     <a:bodyPr/>
+                    <a:lstStyle/>
                     <a:p>
                       <a:pPr marL="0" marR="0" indent="0" algn="l" defTabSz="914400" rtl="0" eaLnBrk="1" fontAlgn="auto" latinLnBrk="0" hangingPunct="1">
                         <a:lnSpc>
@@ -9369,6 +9311,7 @@
                 <a:tc>
                   <a:txBody>
                     <a:bodyPr/>
+                    <a:lstStyle/>
                     <a:p>
                       <a:r>
                         <a:rPr lang="zh-CN" altLang="en-US" sz="2200" dirty="0" smtClean="0">
@@ -9388,6 +9331,7 @@
                 <a:tc>
                   <a:txBody>
                     <a:bodyPr/>
+                    <a:lstStyle/>
                     <a:p>
                       <a:r>
                         <a:rPr lang="en-US" altLang="zh-CN" sz="2200" baseline="0" dirty="0" smtClean="0">
@@ -9474,7 +9418,7 @@
         </p:nvGraphicFramePr>
         <p:xfrm>
           <a:off x="541740" y="902622"/>
-          <a:ext cx="11106150" cy="4344035"/>
+          <a:ext cx="11106150" cy="4344256"/>
         </p:xfrm>
         <a:graphic>
           <a:graphicData uri="http://schemas.openxmlformats.org/drawingml/2006/table">
@@ -9491,6 +9435,7 @@
                 <a:tc>
                   <a:txBody>
                     <a:bodyPr/>
+                    <a:lstStyle/>
                     <a:p>
                       <a:pPr>
                         <a:lnSpc>
@@ -9521,6 +9466,7 @@
                 <a:tc>
                   <a:txBody>
                     <a:bodyPr/>
+                    <a:lstStyle/>
                     <a:p>
                       <a:pPr>
                         <a:lnSpc>
@@ -9551,6 +9497,7 @@
                 <a:tc>
                   <a:txBody>
                     <a:bodyPr/>
+                    <a:lstStyle/>
                     <a:p>
                       <a:pPr>
                         <a:lnSpc>
@@ -9583,6 +9530,7 @@
                 <a:tc>
                   <a:txBody>
                     <a:bodyPr/>
+                    <a:lstStyle/>
                     <a:p>
                       <a:r>
                         <a:rPr lang="en-US" altLang="zh-CN" sz="2200" dirty="0" smtClean="0">
@@ -9591,10 +9539,6 @@
                         </a:rPr>
                         <a:t>&lt;html&gt;</a:t>
                       </a:r>
-                      <a:endParaRPr lang="en-US" altLang="zh-CN" sz="2200" dirty="0" smtClean="0">
-                        <a:latin typeface="微软雅黑" panose="020B0503020204020204" pitchFamily="34" charset="-122"/>
-                        <a:ea typeface="微软雅黑" panose="020B0503020204020204" pitchFamily="34" charset="-122"/>
-                      </a:endParaRPr>
                     </a:p>
                     <a:p>
                       <a:r>
@@ -9632,6 +9576,7 @@
                 <a:tc>
                   <a:txBody>
                     <a:bodyPr/>
+                    <a:lstStyle/>
                     <a:p>
                       <a:r>
                         <a:rPr lang="en-US" altLang="zh-CN" sz="2200" dirty="0" smtClean="0">
@@ -9658,6 +9603,7 @@
                 <a:tc>
                   <a:txBody>
                     <a:bodyPr/>
+                    <a:lstStyle/>
                     <a:p>
                       <a:pPr eaLnBrk="1" hangingPunct="1"/>
                       <a:r>
@@ -9726,6 +9672,7 @@
                 <a:tc>
                   <a:txBody>
                     <a:bodyPr/>
+                    <a:lstStyle/>
                     <a:p>
                       <a:r>
                         <a:rPr lang="en-US" altLang="zh-CN" sz="2200" dirty="0" smtClean="0">
@@ -9734,10 +9681,6 @@
                         </a:rPr>
                         <a:t>&lt;head&gt;</a:t>
                       </a:r>
-                      <a:endParaRPr lang="en-US" altLang="zh-CN" sz="2200" dirty="0" smtClean="0">
-                        <a:latin typeface="微软雅黑" panose="020B0503020204020204" pitchFamily="34" charset="-122"/>
-                        <a:ea typeface="微软雅黑" panose="020B0503020204020204" pitchFamily="34" charset="-122"/>
-                      </a:endParaRPr>
                     </a:p>
                     <a:p>
                       <a:r>
@@ -9775,6 +9718,7 @@
                 <a:tc>
                   <a:txBody>
                     <a:bodyPr/>
+                    <a:lstStyle/>
                     <a:p>
                       <a:r>
                         <a:rPr lang="zh-CN" altLang="en-US" sz="2200" dirty="0" smtClean="0">
@@ -9794,6 +9738,7 @@
                 <a:tc>
                   <a:txBody>
                     <a:bodyPr/>
+                    <a:lstStyle/>
                     <a:p>
                       <a:r>
                         <a:rPr lang="en-US" altLang="zh-CN" sz="2200" dirty="0" smtClean="0">
@@ -9897,6 +9842,7 @@
                 <a:tc>
                   <a:txBody>
                     <a:bodyPr/>
+                    <a:lstStyle/>
                     <a:p>
                       <a:pPr marL="0" marR="0" indent="0" algn="l" defTabSz="914400" rtl="0" eaLnBrk="1" fontAlgn="auto" latinLnBrk="0" hangingPunct="1">
                         <a:lnSpc>
@@ -9949,6 +9895,7 @@
                 <a:tc>
                   <a:txBody>
                     <a:bodyPr/>
+                    <a:lstStyle/>
                     <a:p>
                       <a:r>
                         <a:rPr lang="zh-CN" altLang="en-US" sz="2200" dirty="0" smtClean="0">
@@ -9968,6 +9915,7 @@
                 <a:tc>
                   <a:txBody>
                     <a:bodyPr/>
+                    <a:lstStyle/>
                     <a:p>
                       <a:r>
                         <a:rPr lang="en-US" altLang="zh-CN" sz="2200" baseline="0" dirty="0" smtClean="0">
@@ -10046,6 +9994,7 @@
                 <a:tc>
                   <a:txBody>
                     <a:bodyPr/>
+                    <a:lstStyle/>
                     <a:p>
                       <a:pPr marL="0" marR="0" indent="0" algn="l" defTabSz="914400" rtl="0" eaLnBrk="1" fontAlgn="auto" latinLnBrk="0" hangingPunct="1">
                         <a:lnSpc>
@@ -10070,10 +10019,6 @@
                         </a:rPr>
                         <a:t>&lt;title&gt;</a:t>
                       </a:r>
-                      <a:endParaRPr lang="en-US" altLang="zh-CN" sz="2200" dirty="0" smtClean="0">
-                        <a:latin typeface="微软雅黑" panose="020B0503020204020204" pitchFamily="34" charset="-122"/>
-                        <a:ea typeface="微软雅黑" panose="020B0503020204020204" pitchFamily="34" charset="-122"/>
-                      </a:endParaRPr>
                     </a:p>
                     <a:p>
                       <a:pPr marL="0" marR="0" indent="0" algn="l" defTabSz="914400" rtl="0" eaLnBrk="1" fontAlgn="auto" latinLnBrk="0" hangingPunct="1">
@@ -10116,10 +10061,6 @@
                         </a:rPr>
                         <a:t>title&gt;</a:t>
                       </a:r>
-                      <a:endParaRPr lang="en-US" altLang="zh-CN" sz="2200" dirty="0" smtClean="0">
-                        <a:latin typeface="微软雅黑" panose="020B0503020204020204" pitchFamily="34" charset="-122"/>
-                        <a:ea typeface="微软雅黑" panose="020B0503020204020204" pitchFamily="34" charset="-122"/>
-                      </a:endParaRPr>
                     </a:p>
                   </a:txBody>
                   <a:tcPr marT="45706" marB="45706"/>
@@ -10127,6 +10068,7 @@
                 <a:tc>
                   <a:txBody>
                     <a:bodyPr/>
+                    <a:lstStyle/>
                     <a:p>
                       <a:r>
                         <a:rPr lang="zh-CN" altLang="en-US" sz="2200" dirty="0" smtClean="0">
@@ -10146,6 +10088,7 @@
                 <a:tc>
                   <a:txBody>
                     <a:bodyPr/>
+                    <a:lstStyle/>
                     <a:p>
                       <a:r>
                         <a:rPr lang="en-US" altLang="zh-CN" sz="2200" dirty="0" smtClean="0">
@@ -10223,7 +10166,7 @@
         </p:nvGraphicFramePr>
         <p:xfrm>
           <a:off x="541740" y="902622"/>
-          <a:ext cx="11106150" cy="5441315"/>
+          <a:ext cx="11106150" cy="5441508"/>
         </p:xfrm>
         <a:graphic>
           <a:graphicData uri="http://schemas.openxmlformats.org/drawingml/2006/table">
@@ -10240,6 +10183,7 @@
                 <a:tc>
                   <a:txBody>
                     <a:bodyPr/>
+                    <a:lstStyle/>
                     <a:p>
                       <a:pPr>
                         <a:lnSpc>
@@ -10270,6 +10214,7 @@
                 <a:tc>
                   <a:txBody>
                     <a:bodyPr/>
+                    <a:lstStyle/>
                     <a:p>
                       <a:pPr>
                         <a:lnSpc>
@@ -10300,6 +10245,7 @@
                 <a:tc>
                   <a:txBody>
                     <a:bodyPr/>
+                    <a:lstStyle/>
                     <a:p>
                       <a:pPr>
                         <a:lnSpc>
@@ -10332,6 +10278,7 @@
                 <a:tc>
                   <a:txBody>
                     <a:bodyPr/>
+                    <a:lstStyle/>
                     <a:p>
                       <a:r>
                         <a:rPr lang="en-US" altLang="zh-CN" sz="2200" dirty="0" smtClean="0">
@@ -10340,10 +10287,6 @@
                         </a:rPr>
                         <a:t>&lt;html&gt;</a:t>
                       </a:r>
-                      <a:endParaRPr lang="en-US" altLang="zh-CN" sz="2200" dirty="0" smtClean="0">
-                        <a:latin typeface="微软雅黑" panose="020B0503020204020204" pitchFamily="34" charset="-122"/>
-                        <a:ea typeface="微软雅黑" panose="020B0503020204020204" pitchFamily="34" charset="-122"/>
-                      </a:endParaRPr>
                     </a:p>
                     <a:p>
                       <a:r>
@@ -10381,6 +10324,7 @@
                 <a:tc>
                   <a:txBody>
                     <a:bodyPr/>
+                    <a:lstStyle/>
                     <a:p>
                       <a:r>
                         <a:rPr lang="en-US" altLang="zh-CN" sz="2200" dirty="0" smtClean="0">
@@ -10407,6 +10351,7 @@
                 <a:tc>
                   <a:txBody>
                     <a:bodyPr/>
+                    <a:lstStyle/>
                     <a:p>
                       <a:pPr eaLnBrk="1" hangingPunct="1"/>
                       <a:r>
@@ -10475,6 +10420,7 @@
                 <a:tc>
                   <a:txBody>
                     <a:bodyPr/>
+                    <a:lstStyle/>
                     <a:p>
                       <a:r>
                         <a:rPr lang="en-US" altLang="zh-CN" sz="2200" dirty="0" smtClean="0">
@@ -10483,10 +10429,6 @@
                         </a:rPr>
                         <a:t>&lt;head&gt;</a:t>
                       </a:r>
-                      <a:endParaRPr lang="en-US" altLang="zh-CN" sz="2200" dirty="0" smtClean="0">
-                        <a:latin typeface="微软雅黑" panose="020B0503020204020204" pitchFamily="34" charset="-122"/>
-                        <a:ea typeface="微软雅黑" panose="020B0503020204020204" pitchFamily="34" charset="-122"/>
-                      </a:endParaRPr>
                     </a:p>
                     <a:p>
                       <a:r>
@@ -10524,6 +10466,7 @@
                 <a:tc>
                   <a:txBody>
                     <a:bodyPr/>
+                    <a:lstStyle/>
                     <a:p>
                       <a:r>
                         <a:rPr lang="zh-CN" altLang="en-US" sz="2200" dirty="0" smtClean="0">
@@ -10543,6 +10486,7 @@
                 <a:tc>
                   <a:txBody>
                     <a:bodyPr/>
+                    <a:lstStyle/>
                     <a:p>
                       <a:r>
                         <a:rPr lang="en-US" altLang="zh-CN" sz="2200" dirty="0" smtClean="0">
@@ -10646,6 +10590,7 @@
                 <a:tc>
                   <a:txBody>
                     <a:bodyPr/>
+                    <a:lstStyle/>
                     <a:p>
                       <a:pPr marL="0" marR="0" indent="0" algn="l" defTabSz="914400" rtl="0" eaLnBrk="1" fontAlgn="auto" latinLnBrk="0" hangingPunct="1">
                         <a:lnSpc>
@@ -10698,6 +10643,7 @@
                 <a:tc>
                   <a:txBody>
                     <a:bodyPr/>
+                    <a:lstStyle/>
                     <a:p>
                       <a:r>
                         <a:rPr lang="zh-CN" altLang="en-US" sz="2200" dirty="0" smtClean="0">
@@ -10717,6 +10663,7 @@
                 <a:tc>
                   <a:txBody>
                     <a:bodyPr/>
+                    <a:lstStyle/>
                     <a:p>
                       <a:r>
                         <a:rPr lang="en-US" altLang="zh-CN" sz="2200" baseline="0" dirty="0" smtClean="0">
@@ -10795,6 +10742,7 @@
                 <a:tc>
                   <a:txBody>
                     <a:bodyPr/>
+                    <a:lstStyle/>
                     <a:p>
                       <a:pPr marL="0" marR="0" indent="0" algn="l" defTabSz="914400" rtl="0" eaLnBrk="1" fontAlgn="auto" latinLnBrk="0" hangingPunct="1">
                         <a:lnSpc>
@@ -10819,10 +10767,6 @@
                         </a:rPr>
                         <a:t>&lt;title&gt;</a:t>
                       </a:r>
-                      <a:endParaRPr lang="en-US" altLang="zh-CN" sz="2200" dirty="0" smtClean="0">
-                        <a:latin typeface="微软雅黑" panose="020B0503020204020204" pitchFamily="34" charset="-122"/>
-                        <a:ea typeface="微软雅黑" panose="020B0503020204020204" pitchFamily="34" charset="-122"/>
-                      </a:endParaRPr>
                     </a:p>
                     <a:p>
                       <a:pPr marL="0" marR="0" indent="0" algn="l" defTabSz="914400" rtl="0" eaLnBrk="1" fontAlgn="auto" latinLnBrk="0" hangingPunct="1">
@@ -10865,10 +10809,6 @@
                         </a:rPr>
                         <a:t>title&gt;</a:t>
                       </a:r>
-                      <a:endParaRPr lang="en-US" altLang="zh-CN" sz="2200" dirty="0" smtClean="0">
-                        <a:latin typeface="微软雅黑" panose="020B0503020204020204" pitchFamily="34" charset="-122"/>
-                        <a:ea typeface="微软雅黑" panose="020B0503020204020204" pitchFamily="34" charset="-122"/>
-                      </a:endParaRPr>
                     </a:p>
                   </a:txBody>
                   <a:tcPr marT="45706" marB="45706"/>
@@ -10876,6 +10816,7 @@
                 <a:tc>
                   <a:txBody>
                     <a:bodyPr/>
+                    <a:lstStyle/>
                     <a:p>
                       <a:r>
                         <a:rPr lang="zh-CN" altLang="en-US" sz="2200" dirty="0" smtClean="0">
@@ -10895,6 +10836,7 @@
                 <a:tc>
                   <a:txBody>
                     <a:bodyPr/>
+                    <a:lstStyle/>
                     <a:p>
                       <a:r>
                         <a:rPr lang="en-US" altLang="zh-CN" sz="2200" dirty="0" smtClean="0">
@@ -10964,6 +10906,7 @@
                 <a:tc>
                   <a:txBody>
                     <a:bodyPr/>
+                    <a:lstStyle/>
                     <a:p>
                       <a:r>
                         <a:rPr lang="en-US" altLang="zh-CN" sz="2200" dirty="0" smtClean="0">
@@ -10972,10 +10915,6 @@
                         </a:rPr>
                         <a:t>&lt;body&gt;</a:t>
                       </a:r>
-                      <a:endParaRPr lang="en-US" altLang="zh-CN" sz="2200" dirty="0" smtClean="0">
-                        <a:latin typeface="微软雅黑" panose="020B0503020204020204" pitchFamily="34" charset="-122"/>
-                        <a:ea typeface="微软雅黑" panose="020B0503020204020204" pitchFamily="34" charset="-122"/>
-                      </a:endParaRPr>
                     </a:p>
                     <a:p>
                       <a:r>
@@ -11013,6 +10952,7 @@
                 <a:tc>
                   <a:txBody>
                     <a:bodyPr/>
+                    <a:lstStyle/>
                     <a:p>
                       <a:r>
                         <a:rPr lang="zh-CN" altLang="en-US" sz="2200" dirty="0" smtClean="0">
@@ -11032,6 +10972,7 @@
                 <a:tc>
                   <a:txBody>
                     <a:bodyPr/>
+                    <a:lstStyle/>
                     <a:p>
                       <a:r>
                         <a:rPr lang="en-US" altLang="zh-CN" sz="2200" dirty="0" smtClean="0">
@@ -11140,11 +11081,11 @@
   <p:clrMapOvr>
     <a:masterClrMapping/>
   </p:clrMapOvr>
-  <mc:AlternateContent xmlns:mc="http://schemas.openxmlformats.org/markup-compatibility/2006">
-    <mc:Choice xmlns:p14="http://schemas.microsoft.com/office/powerpoint/2010/main" Requires="p14">
+  <mc:AlternateContent xmlns:mc="http://schemas.openxmlformats.org/markup-compatibility/2006" xmlns:p14="http://schemas.microsoft.com/office/powerpoint/2010/main">
+    <mc:Choice Requires="p14">
       <p:transition spd="slow" p14:dur="1600"/>
     </mc:Choice>
-    <mc:Fallback>
+    <mc:Fallback xmlns="">
       <p:transition spd="slow"/>
     </mc:Fallback>
   </mc:AlternateContent>
@@ -11595,7 +11536,14 @@
         <p:cNvGrpSpPr/>
         <p:nvPr/>
       </p:nvGrpSpPr>
-      <p:grpSpPr/>
+      <p:grpSpPr>
+        <a:xfrm>
+          <a:off x="0" y="0"/>
+          <a:ext cx="0" cy="0"/>
+          <a:chOff x="0" y="0"/>
+          <a:chExt cx="0" cy="0"/>
+        </a:xfrm>
+      </p:grpSpPr>
       <p:sp>
         <p:nvSpPr>
           <p:cNvPr id="2" name="标题 1"/>
@@ -11609,12 +11557,12 @@
         <p:spPr/>
         <p:txBody>
           <a:bodyPr/>
+          <a:lstStyle/>
           <a:p>
             <a:r>
               <a:rPr lang="zh-CN" altLang="en-US"/>
               <a:t>标签分类</a:t>
             </a:r>
-            <a:endParaRPr lang="zh-CN" altLang="en-US"/>
           </a:p>
         </p:txBody>
       </p:sp>
@@ -11631,6 +11579,7 @@
         <p:spPr/>
         <p:txBody>
           <a:bodyPr/>
+          <a:lstStyle/>
           <a:p>
             <a:r>
               <a:rPr lang="zh-CN" altLang="en-US">
@@ -11638,9 +11587,6 @@
               </a:rPr>
               <a:t>标签的分类</a:t>
             </a:r>
-            <a:endParaRPr lang="zh-CN" altLang="en-US">
-              <a:sym typeface="+mn-ea"/>
-            </a:endParaRPr>
           </a:p>
           <a:p>
             <a:pPr lvl="1"/>
@@ -11776,9 +11722,6 @@
               </a:rPr>
               <a:t>。</a:t>
             </a:r>
-            <a:endParaRPr lang="zh-CN" altLang="en-US">
-              <a:sym typeface="+mn-ea"/>
-            </a:endParaRPr>
           </a:p>
           <a:p>
             <a:pPr lvl="1"/>
@@ -11824,9 +11767,6 @@
               </a:rPr>
               <a:t>）。</a:t>
             </a:r>
-            <a:endParaRPr lang="zh-CN" altLang="en-US">
-              <a:sym typeface="+mn-ea"/>
-            </a:endParaRPr>
           </a:p>
           <a:p>
             <a:pPr marL="0" indent="0">
@@ -11841,14 +11781,21 @@
   <p:clrMapOvr>
     <a:masterClrMapping/>
   </p:clrMapOvr>
-  <mc:AlternateContent xmlns:mc="http://schemas.openxmlformats.org/markup-compatibility/2006">
-    <mc:Choice xmlns:p14="http://schemas.microsoft.com/office/powerpoint/2010/main" Requires="p14">
+  <mc:AlternateContent xmlns:mc="http://schemas.openxmlformats.org/markup-compatibility/2006" xmlns:p14="http://schemas.microsoft.com/office/powerpoint/2010/main">
+    <mc:Choice Requires="p14">
       <p:transition spd="slow" p14:dur="1600"/>
     </mc:Choice>
-    <mc:Fallback>
+    <mc:Fallback xmlns="">
       <p:transition spd="slow"/>
     </mc:Fallback>
   </mc:AlternateContent>
+  <p:timing>
+    <p:tnLst>
+      <p:par>
+        <p:cTn id="1" dur="indefinite" restart="never" nodeType="tmRoot"/>
+      </p:par>
+    </p:tnLst>
+  </p:timing>
 </p:sld>
 </file>
 
@@ -11861,7 +11808,14 @@
         <p:cNvGrpSpPr/>
         <p:nvPr/>
       </p:nvGrpSpPr>
-      <p:grpSpPr/>
+      <p:grpSpPr>
+        <a:xfrm>
+          <a:off x="0" y="0"/>
+          <a:ext cx="0" cy="0"/>
+          <a:chOff x="0" y="0"/>
+          <a:chExt cx="0" cy="0"/>
+        </a:xfrm>
+      </p:grpSpPr>
       <p:sp>
         <p:nvSpPr>
           <p:cNvPr id="2" name="标题 1"/>
@@ -11875,12 +11829,12 @@
         <p:spPr/>
         <p:txBody>
           <a:bodyPr/>
+          <a:lstStyle/>
           <a:p>
             <a:r>
               <a:rPr lang="zh-CN" altLang="en-US"/>
               <a:t>思考</a:t>
             </a:r>
-            <a:endParaRPr lang="zh-CN" altLang="en-US"/>
           </a:p>
         </p:txBody>
       </p:sp>
@@ -11897,6 +11851,7 @@
         <p:spPr/>
         <p:txBody>
           <a:bodyPr/>
+          <a:lstStyle/>
           <a:p>
             <a:r>
               <a:rPr lang="zh-CN" altLang="en-US">
@@ -11922,9 +11877,6 @@
               </a:rPr>
               <a:t>?</a:t>
             </a:r>
-            <a:endParaRPr>
-              <a:sym typeface="+mn-ea"/>
-            </a:endParaRPr>
           </a:p>
           <a:p>
             <a:pPr lvl="1"/>
@@ -11943,12 +11895,6 @@
               </a:rPr>
               <a:t>范围</a:t>
             </a:r>
-            <a:endParaRPr lang="zh-CN" altLang="en-US" sz="2400">
-              <a:solidFill>
-                <a:srgbClr val="C00000"/>
-              </a:solidFill>
-              <a:sym typeface="+mn-ea"/>
-            </a:endParaRPr>
           </a:p>
           <a:p>
             <a:pPr lvl="1"/>
@@ -11958,9 +11904,6 @@
               </a:rPr>
               <a:t>单标签：无需表达范围，仅在标签出现处有效</a:t>
             </a:r>
-            <a:endParaRPr lang="zh-CN" altLang="en-US">
-              <a:sym typeface="+mn-ea"/>
-            </a:endParaRPr>
           </a:p>
           <a:p>
             <a:pPr lvl="1"/>
@@ -11970,7 +11913,13 @@
               </a:solidFill>
             </a:endParaRPr>
           </a:p>
-          <a:p/>
+          <a:p>
+            <a:endParaRPr lang="zh-CN" altLang="en-US" sz="2400">
+              <a:solidFill>
+                <a:srgbClr val="FF0000"/>
+              </a:solidFill>
+            </a:endParaRPr>
+          </a:p>
         </p:txBody>
       </p:sp>
       <p:pic>
@@ -11982,7 +11931,7 @@
           <p:nvPr/>
         </p:nvPicPr>
         <p:blipFill>
-          <a:blip r:embed="rId1" cstate="print">
+          <a:blip r:embed="rId2" cstate="print">
             <a:extLst>
               <a:ext uri="{28A0092B-C50C-407E-A947-70E740481C1C}">
                 <a14:useLocalDpi xmlns:a14="http://schemas.microsoft.com/office/drawing/2010/main" val="0"/>
@@ -12008,11 +11957,11 @@
   <p:clrMapOvr>
     <a:masterClrMapping/>
   </p:clrMapOvr>
-  <mc:AlternateContent xmlns:mc="http://schemas.openxmlformats.org/markup-compatibility/2006">
-    <mc:Choice xmlns:p14="http://schemas.microsoft.com/office/powerpoint/2010/main" Requires="p14">
+  <mc:AlternateContent xmlns:mc="http://schemas.openxmlformats.org/markup-compatibility/2006" xmlns:p14="http://schemas.microsoft.com/office/powerpoint/2010/main">
+    <mc:Choice Requires="p14">
       <p:transition spd="slow" p14:dur="1600"/>
     </mc:Choice>
-    <mc:Fallback>
+    <mc:Fallback xmlns="">
       <p:transition spd="slow"/>
     </mc:Fallback>
   </mc:AlternateContent>
@@ -12246,7 +12195,14 @@
         <p:cNvGrpSpPr/>
         <p:nvPr/>
       </p:nvGrpSpPr>
-      <p:grpSpPr/>
+      <p:grpSpPr>
+        <a:xfrm>
+          <a:off x="0" y="0"/>
+          <a:ext cx="0" cy="0"/>
+          <a:chOff x="0" y="0"/>
+          <a:chExt cx="0" cy="0"/>
+        </a:xfrm>
+      </p:grpSpPr>
       <p:sp>
         <p:nvSpPr>
           <p:cNvPr id="2" name="标题 1"/>
@@ -12260,6 +12216,7 @@
         <p:spPr/>
         <p:txBody>
           <a:bodyPr/>
+          <a:lstStyle/>
           <a:p>
             <a:r>
               <a:rPr lang="en-US" altLang="zh-CN"/>
@@ -12269,7 +12226,6 @@
               <a:rPr lang="zh-CN" altLang="en-US"/>
               <a:t>元素</a:t>
             </a:r>
-            <a:endParaRPr lang="zh-CN" altLang="en-US"/>
           </a:p>
         </p:txBody>
       </p:sp>
@@ -12286,6 +12242,7 @@
         <p:spPr/>
         <p:txBody>
           <a:bodyPr/>
+          <a:lstStyle/>
           <a:p>
             <a:endParaRPr lang="zh-CN" altLang="en-US"/>
           </a:p>
@@ -12317,7 +12274,6 @@
               <a:rPr lang="zh-CN" altLang="en-US"/>
               <a:t>指的是从开始标签到结束标签的所有代码。</a:t>
             </a:r>
-            <a:endParaRPr lang="zh-CN" altLang="en-US"/>
           </a:p>
         </p:txBody>
       </p:sp>
@@ -12425,14 +12381,6 @@
               </a:rPr>
               <a:t>&gt;</a:t>
             </a:r>
-            <a:endParaRPr lang="en-US" altLang="zh-CN" sz="3200" b="1" dirty="0" smtClean="0">
-              <a:solidFill>
-                <a:srgbClr val="FF0000"/>
-              </a:solidFill>
-              <a:latin typeface="Arial Unicode MS" panose="020B0604020202020204" charset="-122"/>
-              <a:ea typeface="Arial Unicode MS" panose="020B0604020202020204" charset="-122"/>
-              <a:cs typeface="Arial Unicode MS" panose="020B0604020202020204" charset="-122"/>
-            </a:endParaRPr>
           </a:p>
           <a:p>
             <a:r>
@@ -12468,14 +12416,6 @@
               </a:rPr>
               <a:t> /&gt;</a:t>
             </a:r>
-            <a:endParaRPr lang="en-US" altLang="zh-CN" sz="3200" b="1" dirty="0" smtClean="0">
-              <a:solidFill>
-                <a:srgbClr val="FF0000"/>
-              </a:solidFill>
-              <a:latin typeface="Arial Unicode MS" panose="020B0604020202020204" charset="-122"/>
-              <a:ea typeface="Arial Unicode MS" panose="020B0604020202020204" charset="-122"/>
-              <a:cs typeface="Arial Unicode MS" panose="020B0604020202020204" charset="-122"/>
-            </a:endParaRPr>
           </a:p>
           <a:p>
             <a:r>
@@ -12544,14 +12484,6 @@
               </a:rPr>
               <a:t>&gt;</a:t>
             </a:r>
-            <a:endParaRPr lang="en-US" altLang="zh-CN" sz="3200" b="1" dirty="0" smtClean="0">
-              <a:solidFill>
-                <a:srgbClr val="382E92"/>
-              </a:solidFill>
-              <a:latin typeface="Arial Unicode MS" panose="020B0604020202020204" charset="-122"/>
-              <a:ea typeface="Arial Unicode MS" panose="020B0604020202020204" charset="-122"/>
-              <a:cs typeface="Arial Unicode MS" panose="020B0604020202020204" charset="-122"/>
-            </a:endParaRPr>
           </a:p>
         </p:txBody>
       </p:sp>
@@ -12734,10 +12666,6 @@
               </a:rPr>
               <a:t>呈现“</a:t>
             </a:r>
-            <a:endParaRPr lang="zh-CN" altLang="en-US" sz="2800" dirty="0">
-              <a:latin typeface="微软雅黑" panose="020B0503020204020204" pitchFamily="34" charset="-122"/>
-              <a:ea typeface="微软雅黑" panose="020B0503020204020204" pitchFamily="34" charset="-122"/>
-            </a:endParaRPr>
           </a:p>
         </p:txBody>
       </p:sp>
@@ -12750,7 +12678,7 @@
           <p:nvPr/>
         </p:nvPicPr>
         <p:blipFill>
-          <a:blip r:embed="rId1">
+          <a:blip r:embed="rId2">
             <a:extLst>
               <a:ext uri="{28A0092B-C50C-407E-A947-70E740481C1C}">
                 <a14:useLocalDpi xmlns:a14="http://schemas.microsoft.com/office/drawing/2010/main" val="0"/>
@@ -13055,6 +12983,7 @@
           <a:bodyPr wrap="none" lIns="108850" tIns="54425" rIns="108850" bIns="54425" rtlCol="0">
             <a:spAutoFit/>
           </a:bodyPr>
+          <a:lstStyle/>
           <a:p>
             <a:r>
               <a:rPr lang="en-US" altLang="zh-CN" sz="2600" dirty="0" smtClean="0">
@@ -13075,11 +13004,11 @@
   <p:clrMapOvr>
     <a:masterClrMapping/>
   </p:clrMapOvr>
-  <mc:AlternateContent xmlns:mc="http://schemas.openxmlformats.org/markup-compatibility/2006">
-    <mc:Choice xmlns:p14="http://schemas.microsoft.com/office/powerpoint/2010/main" Requires="p14">
+  <mc:AlternateContent xmlns:mc="http://schemas.openxmlformats.org/markup-compatibility/2006" xmlns:p14="http://schemas.microsoft.com/office/powerpoint/2010/main">
+    <mc:Choice Requires="p14">
       <p:transition spd="slow" p14:dur="1600"/>
     </mc:Choice>
-    <mc:Fallback>
+    <mc:Fallback xmlns="">
       <p:transition spd="slow"/>
     </mc:Fallback>
   </mc:AlternateContent>
@@ -13277,7 +13206,14 @@
         <p:cNvGrpSpPr/>
         <p:nvPr/>
       </p:nvGrpSpPr>
-      <p:grpSpPr/>
+      <p:grpSpPr>
+        <a:xfrm>
+          <a:off x="0" y="0"/>
+          <a:ext cx="0" cy="0"/>
+          <a:chOff x="0" y="0"/>
+          <a:chExt cx="0" cy="0"/>
+        </a:xfrm>
+      </p:grpSpPr>
       <p:sp>
         <p:nvSpPr>
           <p:cNvPr id="2" name="标题 1"/>
@@ -13291,12 +13227,12 @@
         <p:spPr/>
         <p:txBody>
           <a:bodyPr/>
+          <a:lstStyle/>
           <a:p>
             <a:r>
               <a:rPr lang="zh-CN" altLang="en-US"/>
               <a:t>标签书写规范</a:t>
             </a:r>
-            <a:endParaRPr lang="zh-CN" altLang="en-US"/>
           </a:p>
         </p:txBody>
       </p:sp>
@@ -13315,6 +13251,7 @@
           <a:bodyPr>
             <a:normAutofit/>
           </a:bodyPr>
+          <a:lstStyle/>
           <a:p>
             <a:r>
               <a:rPr lang="zh-CN" altLang="en-US">
@@ -13337,9 +13274,6 @@
               </a:rPr>
               <a:t>的，但先后书序必须保持一致</a:t>
             </a:r>
-            <a:endParaRPr lang="zh-CN" altLang="en-US">
-              <a:sym typeface="+mn-ea"/>
-            </a:endParaRPr>
           </a:p>
           <a:p>
             <a:pPr lvl="1"/>
@@ -13427,9 +13361,6 @@
               </a:rPr>
               <a:t>的前面。</a:t>
             </a:r>
-            <a:endParaRPr lang="zh-CN" altLang="en-US">
-              <a:sym typeface="+mn-ea"/>
-            </a:endParaRPr>
           </a:p>
           <a:p>
             <a:endParaRPr lang="zh-CN" altLang="en-US">
@@ -13454,9 +13385,6 @@
               </a:rPr>
               <a:t>标签对大小写不敏感</a:t>
             </a:r>
-            <a:endParaRPr lang="zh-CN" altLang="en-US">
-              <a:sym typeface="+mn-ea"/>
-            </a:endParaRPr>
           </a:p>
           <a:p>
             <a:pPr lvl="1"/>
@@ -13528,6 +13456,7 @@
           <a:bodyPr wrap="square" rtlCol="0">
             <a:spAutoFit/>
           </a:bodyPr>
+          <a:lstStyle/>
           <a:p>
             <a:r>
               <a:rPr lang="en-US" altLang="zh-CN" sz="3000" dirty="0">
@@ -13636,14 +13565,21 @@
   <p:clrMapOvr>
     <a:masterClrMapping/>
   </p:clrMapOvr>
-  <mc:AlternateContent xmlns:mc="http://schemas.openxmlformats.org/markup-compatibility/2006">
-    <mc:Choice xmlns:p14="http://schemas.microsoft.com/office/powerpoint/2010/main" Requires="p14">
+  <mc:AlternateContent xmlns:mc="http://schemas.openxmlformats.org/markup-compatibility/2006" xmlns:p14="http://schemas.microsoft.com/office/powerpoint/2010/main">
+    <mc:Choice Requires="p14">
       <p:transition spd="slow" p14:dur="1600"/>
     </mc:Choice>
-    <mc:Fallback>
+    <mc:Fallback xmlns="">
       <p:transition spd="slow"/>
     </mc:Fallback>
   </mc:AlternateContent>
+  <p:timing>
+    <p:tnLst>
+      <p:par>
+        <p:cTn id="1" dur="indefinite" restart="never" nodeType="tmRoot"/>
+      </p:par>
+    </p:tnLst>
+  </p:timing>
 </p:sld>
 </file>
 
@@ -13656,7 +13592,14 @@
         <p:cNvGrpSpPr/>
         <p:nvPr/>
       </p:nvGrpSpPr>
-      <p:grpSpPr/>
+      <p:grpSpPr>
+        <a:xfrm>
+          <a:off x="0" y="0"/>
+          <a:ext cx="0" cy="0"/>
+          <a:chOff x="0" y="0"/>
+          <a:chExt cx="0" cy="0"/>
+        </a:xfrm>
+      </p:grpSpPr>
       <p:sp>
         <p:nvSpPr>
           <p:cNvPr id="2" name="标题 1"/>
@@ -13670,12 +13613,12 @@
         <p:spPr/>
         <p:txBody>
           <a:bodyPr/>
+          <a:lstStyle/>
           <a:p>
             <a:r>
               <a:rPr lang="zh-CN" altLang="en-US"/>
               <a:t>标签属性</a:t>
             </a:r>
-            <a:endParaRPr lang="zh-CN" altLang="en-US"/>
           </a:p>
         </p:txBody>
       </p:sp>
@@ -13692,6 +13635,7 @@
         <p:spPr/>
         <p:txBody>
           <a:bodyPr/>
+          <a:lstStyle/>
           <a:p>
             <a:pPr algn="l"/>
             <a:r>
@@ -13728,11 +13672,6 @@
               </a:rPr>
               <a:t>更多信息</a:t>
             </a:r>
-            <a:endParaRPr lang="zh-CN" altLang="en-US">
-              <a:solidFill>
-                <a:srgbClr val="FF0000"/>
-              </a:solidFill>
-            </a:endParaRPr>
           </a:p>
           <a:p>
             <a:pPr lvl="1" algn="l"/>
@@ -13778,12 +13717,6 @@
               </a:rPr>
               <a:t>"</a:t>
             </a:r>
-            <a:endParaRPr>
-              <a:solidFill>
-                <a:srgbClr val="C00000"/>
-              </a:solidFill>
-              <a:sym typeface="+mn-ea"/>
-            </a:endParaRPr>
           </a:p>
           <a:p>
             <a:pPr lvl="1" algn="l"/>
@@ -13803,11 +13736,6 @@
               </a:rPr>
               <a:t>开始标签</a:t>
             </a:r>
-            <a:endParaRPr lang="zh-CN" altLang="en-US">
-              <a:solidFill>
-                <a:srgbClr val="C00000"/>
-              </a:solidFill>
-            </a:endParaRPr>
           </a:p>
           <a:p>
             <a:pPr lvl="1" algn="l"/>
@@ -13827,11 +13755,6 @@
               </a:rPr>
               <a:t>不同属性</a:t>
             </a:r>
-            <a:endParaRPr lang="zh-CN" altLang="en-US">
-              <a:solidFill>
-                <a:srgbClr val="C00000"/>
-              </a:solidFill>
-            </a:endParaRPr>
           </a:p>
         </p:txBody>
       </p:sp>
@@ -14015,17 +13938,6 @@
                         </a:rPr>
                         <a:t>标签的可选属性</a:t>
                       </a:r>
-                      <a:endParaRPr kumimoji="0" lang="zh-CN" altLang="en-US" sz="2600" b="1" i="0" u="none" strike="noStrike" cap="none" normalizeH="0" baseline="0" dirty="0" smtClean="0">
-                        <a:ln>
-                          <a:noFill/>
-                        </a:ln>
-                        <a:solidFill>
-                          <a:schemeClr val="bg1"/>
-                        </a:solidFill>
-                        <a:effectLst/>
-                        <a:latin typeface="微软雅黑" panose="020B0503020204020204" pitchFamily="34" charset="-122"/>
-                        <a:ea typeface="微软雅黑" panose="020B0503020204020204" pitchFamily="34" charset="-122"/>
-                      </a:endParaRPr>
                     </a:p>
                   </a:txBody>
                   <a:tcPr anchor="ctr" horzOverflow="overflow">
@@ -14077,9 +13989,23 @@
                   </a:tcPr>
                 </a:tc>
                 <a:tc hMerge="1">
+                  <a:txBody>
+                    <a:bodyPr/>
+                    <a:lstStyle/>
+                    <a:p>
+                      <a:endParaRPr lang="zh-CN"/>
+                    </a:p>
+                  </a:txBody>
                   <a:tcPr/>
                 </a:tc>
                 <a:tc hMerge="1">
+                  <a:txBody>
+                    <a:bodyPr/>
+                    <a:lstStyle/>
+                    <a:p>
+                      <a:endParaRPr lang="zh-CN"/>
+                    </a:p>
+                  </a:txBody>
                   <a:tcPr/>
                 </a:tc>
               </a:tr>
@@ -14230,17 +14156,6 @@
                         </a:rPr>
                         <a:t>属性</a:t>
                       </a:r>
-                      <a:endParaRPr kumimoji="0" lang="zh-CN" altLang="en-US" sz="2600" b="1" i="0" u="none" strike="noStrike" cap="none" normalizeH="0" baseline="0" dirty="0" smtClean="0">
-                        <a:ln>
-                          <a:noFill/>
-                        </a:ln>
-                        <a:solidFill>
-                          <a:schemeClr val="bg1"/>
-                        </a:solidFill>
-                        <a:effectLst/>
-                        <a:latin typeface="微软雅黑" panose="020B0503020204020204" pitchFamily="34" charset="-122"/>
-                        <a:ea typeface="微软雅黑" panose="020B0503020204020204" pitchFamily="34" charset="-122"/>
-                      </a:endParaRPr>
                     </a:p>
                   </a:txBody>
                   <a:tcPr anchor="ctr" horzOverflow="overflow">
@@ -14437,17 +14352,6 @@
                         </a:rPr>
                         <a:t>值</a:t>
                       </a:r>
-                      <a:endParaRPr kumimoji="0" lang="zh-CN" altLang="en-US" sz="2600" b="1" i="0" u="none" strike="noStrike" cap="none" normalizeH="0" baseline="0" dirty="0" smtClean="0">
-                        <a:ln>
-                          <a:noFill/>
-                        </a:ln>
-                        <a:solidFill>
-                          <a:schemeClr val="bg1"/>
-                        </a:solidFill>
-                        <a:effectLst/>
-                        <a:latin typeface="微软雅黑" panose="020B0503020204020204" pitchFamily="34" charset="-122"/>
-                        <a:ea typeface="微软雅黑" panose="020B0503020204020204" pitchFamily="34" charset="-122"/>
-                      </a:endParaRPr>
                     </a:p>
                   </a:txBody>
                   <a:tcPr anchor="ctr" horzOverflow="overflow">
@@ -14644,17 +14548,6 @@
                         </a:rPr>
                         <a:t>描述</a:t>
                       </a:r>
-                      <a:endParaRPr kumimoji="0" lang="zh-CN" altLang="en-US" sz="2600" b="1" i="0" u="none" strike="noStrike" cap="none" normalizeH="0" baseline="0" dirty="0" smtClean="0">
-                        <a:ln>
-                          <a:noFill/>
-                        </a:ln>
-                        <a:solidFill>
-                          <a:schemeClr val="bg1"/>
-                        </a:solidFill>
-                        <a:effectLst/>
-                        <a:latin typeface="微软雅黑" panose="020B0503020204020204" pitchFamily="34" charset="-122"/>
-                        <a:ea typeface="微软雅黑" panose="020B0503020204020204" pitchFamily="34" charset="-122"/>
-                      </a:endParaRPr>
                     </a:p>
                   </a:txBody>
                   <a:tcPr anchor="ctr" horzOverflow="overflow">
@@ -14867,17 +14760,6 @@
                         </a:rPr>
                         <a:t> </a:t>
                       </a:r>
-                      <a:endParaRPr kumimoji="0" lang="en-US" altLang="zh-CN" sz="2600" b="0" i="0" u="none" strike="noStrike" cap="none" normalizeH="0" baseline="0" dirty="0" smtClean="0">
-                        <a:ln>
-                          <a:noFill/>
-                        </a:ln>
-                        <a:solidFill>
-                          <a:schemeClr val="tx1"/>
-                        </a:solidFill>
-                        <a:effectLst/>
-                        <a:latin typeface="Arial" panose="020B0604020202020204" pitchFamily="34" charset="0"/>
-                        <a:ea typeface="宋体" panose="02010600030101010101" pitchFamily="2" charset="-122"/>
-                      </a:endParaRPr>
                     </a:p>
                   </a:txBody>
                   <a:tcPr anchor="ctr" horzOverflow="overflow">
@@ -15281,17 +15163,6 @@
                         </a:rPr>
                         <a:t>规定文档的背景颜色。</a:t>
                       </a:r>
-                      <a:endParaRPr kumimoji="0" lang="zh-CN" altLang="en-US" sz="2000" b="0" i="0" u="none" strike="noStrike" cap="none" normalizeH="0" baseline="0" dirty="0" smtClean="0">
-                        <a:ln>
-                          <a:noFill/>
-                        </a:ln>
-                        <a:solidFill>
-                          <a:schemeClr val="tx1"/>
-                        </a:solidFill>
-                        <a:effectLst/>
-                        <a:latin typeface="微软雅黑" panose="020B0503020204020204" pitchFamily="34" charset="-122"/>
-                        <a:ea typeface="微软雅黑" panose="020B0503020204020204" pitchFamily="34" charset="-122"/>
-                      </a:endParaRPr>
                     </a:p>
                   </a:txBody>
                   <a:tcPr anchor="ctr" horzOverflow="overflow">
@@ -15491,18 +15362,6 @@
                         </a:rPr>
                         <a:t>text</a:t>
                       </a:r>
-                      <a:endParaRPr kumimoji="0" lang="en-US" altLang="zh-CN" sz="2600" b="0" i="0" u="none" strike="noStrike" kern="1200" cap="none" normalizeH="0" baseline="0" dirty="0" smtClean="0">
-                        <a:ln>
-                          <a:noFill/>
-                        </a:ln>
-                        <a:solidFill>
-                          <a:srgbClr val="0070C0"/>
-                        </a:solidFill>
-                        <a:effectLst/>
-                        <a:latin typeface="Arial" panose="020B0604020202020204" pitchFamily="34" charset="0"/>
-                        <a:ea typeface="宋体" panose="02010600030101010101" pitchFamily="2" charset="-122"/>
-                        <a:cs typeface="+mn-cs"/>
-                      </a:endParaRPr>
                     </a:p>
                   </a:txBody>
                   <a:tcPr anchor="ctr" horzOverflow="overflow">
@@ -15906,17 +15765,6 @@
                         </a:rPr>
                         <a:t>规定文档中所有文本的颜色。</a:t>
                       </a:r>
-                      <a:endParaRPr kumimoji="0" lang="zh-CN" altLang="en-US" sz="2000" b="0" i="0" u="none" strike="noStrike" cap="none" normalizeH="0" baseline="0" dirty="0" smtClean="0">
-                        <a:ln>
-                          <a:noFill/>
-                        </a:ln>
-                        <a:solidFill>
-                          <a:srgbClr val="000000"/>
-                        </a:solidFill>
-                        <a:effectLst/>
-                        <a:latin typeface="微软雅黑" panose="020B0503020204020204" pitchFamily="34" charset="-122"/>
-                        <a:ea typeface="微软雅黑" panose="020B0503020204020204" pitchFamily="34" charset="-122"/>
-                      </a:endParaRPr>
                     </a:p>
                   </a:txBody>
                   <a:tcPr anchor="ctr" horzOverflow="overflow">
@@ -16207,10 +16055,6 @@
               </a:rPr>
               <a:t>&gt;</a:t>
             </a:r>
-            <a:endParaRPr lang="en-US" altLang="zh-CN" sz="2400" dirty="0" smtClean="0">
-              <a:latin typeface="微软雅黑" panose="020B0503020204020204" pitchFamily="34" charset="-122"/>
-              <a:ea typeface="微软雅黑" panose="020B0503020204020204" pitchFamily="34" charset="-122"/>
-            </a:endParaRPr>
           </a:p>
           <a:p>
             <a:pPr marL="0" indent="0">
@@ -16252,11 +16096,11 @@
   <p:clrMapOvr>
     <a:masterClrMapping/>
   </p:clrMapOvr>
-  <mc:AlternateContent xmlns:mc="http://schemas.openxmlformats.org/markup-compatibility/2006">
-    <mc:Choice xmlns:p14="http://schemas.microsoft.com/office/powerpoint/2010/main" Requires="p14">
+  <mc:AlternateContent xmlns:mc="http://schemas.openxmlformats.org/markup-compatibility/2006" xmlns:p14="http://schemas.microsoft.com/office/powerpoint/2010/main">
+    <mc:Choice Requires="p14">
       <p:transition spd="slow" p14:dur="1600"/>
     </mc:Choice>
-    <mc:Fallback>
+    <mc:Fallback xmlns="">
       <p:transition spd="slow"/>
     </mc:Fallback>
   </mc:AlternateContent>
@@ -16557,13 +16401,6 @@
                 </a:rPr>
                 <a:t>本节内容</a:t>
               </a:r>
-              <a:endParaRPr lang="zh-CN" altLang="en-US" sz="4800" b="1" dirty="0">
-                <a:solidFill>
-                  <a:schemeClr val="bg1"/>
-                </a:solidFill>
-                <a:latin typeface="微软雅黑" panose="020B0503020204020204" pitchFamily="34" charset="-122"/>
-                <a:ea typeface="微软雅黑" panose="020B0503020204020204" pitchFamily="34" charset="-122"/>
-              </a:endParaRPr>
             </a:p>
           </p:txBody>
         </p:sp>
@@ -16622,6 +16459,7 @@
           </p:style>
           <p:txBody>
             <a:bodyPr rtlCol="0" anchor="ctr"/>
+            <a:lstStyle/>
             <a:p>
               <a:pPr algn="ctr"/>
               <a:endParaRPr lang="zh-CN" altLang="en-US"/>
@@ -16665,6 +16503,7 @@
           </p:style>
           <p:txBody>
             <a:bodyPr rtlCol="0" anchor="ctr"/>
+            <a:lstStyle/>
             <a:p>
               <a:pPr algn="ctr"/>
               <a:endParaRPr lang="zh-CN" altLang="en-US"/>
@@ -16708,6 +16547,7 @@
           </p:style>
           <p:txBody>
             <a:bodyPr rtlCol="0" anchor="ctr"/>
+            <a:lstStyle/>
             <a:p>
               <a:pPr algn="ctr"/>
               <a:endParaRPr lang="zh-CN" altLang="en-US"/>
@@ -16896,13 +16736,6 @@
                 </a:rPr>
                 <a:t>标签</a:t>
               </a:r>
-              <a:endParaRPr lang="zh-CN" altLang="en-US" sz="2800" dirty="0" smtClean="0">
-                <a:solidFill>
-                  <a:srgbClr val="FF0000"/>
-                </a:solidFill>
-                <a:latin typeface="微软雅黑" panose="020B0503020204020204" pitchFamily="34" charset="-122"/>
-                <a:ea typeface="微软雅黑" panose="020B0503020204020204" pitchFamily="34" charset="-122"/>
-              </a:endParaRPr>
             </a:p>
           </p:txBody>
         </p:sp>
@@ -17261,7 +17094,6 @@
                 <a:rPr lang="zh-CN" altLang="en-US" dirty="0" smtClean="0"/>
                 <a:t>HTML语法基础</a:t>
               </a:r>
-              <a:endParaRPr lang="zh-CN" altLang="en-US" dirty="0" smtClean="0"/>
             </a:p>
           </p:txBody>
         </p:sp>
@@ -17407,13 +17239,6 @@
                 </a:rPr>
                 <a:t>无序列表标签和有序列表标签</a:t>
               </a:r>
-              <a:endParaRPr lang="zh-CN" altLang="en-US" sz="2800" dirty="0">
-                <a:solidFill>
-                  <a:srgbClr val="595E64"/>
-                </a:solidFill>
-                <a:latin typeface="微软雅黑" panose="020B0503020204020204" pitchFamily="34" charset="-122"/>
-                <a:ea typeface="微软雅黑" panose="020B0503020204020204" pitchFamily="34" charset="-122"/>
-              </a:endParaRPr>
             </a:p>
           </p:txBody>
         </p:sp>
@@ -17481,7 +17306,14 @@
         <p:cNvGrpSpPr/>
         <p:nvPr/>
       </p:nvGrpSpPr>
-      <p:grpSpPr/>
+      <p:grpSpPr>
+        <a:xfrm>
+          <a:off x="0" y="0"/>
+          <a:ext cx="0" cy="0"/>
+          <a:chOff x="0" y="0"/>
+          <a:chExt cx="0" cy="0"/>
+        </a:xfrm>
+      </p:grpSpPr>
       <p:sp>
         <p:nvSpPr>
           <p:cNvPr id="2" name="标题 1"/>
@@ -17495,12 +17327,12 @@
         <p:spPr/>
         <p:txBody>
           <a:bodyPr/>
+          <a:lstStyle/>
           <a:p>
             <a:r>
               <a:rPr lang="zh-CN" altLang="en-US"/>
               <a:t>网页元素</a:t>
             </a:r>
-            <a:endParaRPr lang="zh-CN" altLang="en-US"/>
           </a:p>
         </p:txBody>
       </p:sp>
@@ -17517,6 +17349,7 @@
         <p:spPr/>
         <p:txBody>
           <a:bodyPr/>
+          <a:lstStyle/>
           <a:p>
             <a:endParaRPr lang="zh-CN" altLang="en-US"/>
           </a:p>
@@ -17531,7 +17364,7 @@
           <p:nvPr/>
         </p:nvPicPr>
         <p:blipFill>
-          <a:blip r:embed="rId1">
+          <a:blip r:embed="rId2">
             <a:extLst>
               <a:ext uri="{28A0092B-C50C-407E-A947-70E740481C1C}">
                 <a14:useLocalDpi xmlns:a14="http://schemas.microsoft.com/office/drawing/2010/main" val="0"/>
@@ -17953,14 +17786,21 @@
   <p:clrMapOvr>
     <a:masterClrMapping/>
   </p:clrMapOvr>
-  <mc:AlternateContent xmlns:mc="http://schemas.openxmlformats.org/markup-compatibility/2006">
-    <mc:Choice xmlns:p14="http://schemas.microsoft.com/office/powerpoint/2010/main" Requires="p14">
+  <mc:AlternateContent xmlns:mc="http://schemas.openxmlformats.org/markup-compatibility/2006" xmlns:p14="http://schemas.microsoft.com/office/powerpoint/2010/main">
+    <mc:Choice Requires="p14">
       <p:transition spd="slow" p14:dur="1600"/>
     </mc:Choice>
-    <mc:Fallback>
+    <mc:Fallback xmlns="">
       <p:transition spd="slow"/>
     </mc:Fallback>
   </mc:AlternateContent>
+  <p:timing>
+    <p:tnLst>
+      <p:par>
+        <p:cTn id="1" dur="indefinite" restart="never" nodeType="tmRoot"/>
+      </p:par>
+    </p:tnLst>
+  </p:timing>
 </p:sld>
 </file>
 
@@ -18148,6 +17988,7 @@
           </p:style>
           <p:txBody>
             <a:bodyPr rtlCol="0" anchor="ctr"/>
+            <a:lstStyle/>
             <a:p>
               <a:pPr algn="ctr"/>
               <a:endParaRPr lang="zh-CN" altLang="en-US"/>
@@ -18191,6 +18032,7 @@
           </p:style>
           <p:txBody>
             <a:bodyPr rtlCol="0" anchor="ctr"/>
+            <a:lstStyle/>
             <a:p>
               <a:pPr algn="ctr"/>
               <a:endParaRPr lang="zh-CN" altLang="en-US"/>
@@ -18234,6 +18076,7 @@
           </p:style>
           <p:txBody>
             <a:bodyPr rtlCol="0" anchor="ctr"/>
+            <a:lstStyle/>
             <a:p>
               <a:pPr algn="ctr"/>
               <a:endParaRPr lang="zh-CN" altLang="en-US"/>
@@ -18294,6 +18137,7 @@
           </p:style>
           <p:txBody>
             <a:bodyPr rtlCol="0" anchor="ctr"/>
+            <a:lstStyle/>
             <a:p>
               <a:pPr algn="ctr"/>
               <a:endParaRPr lang="zh-CN" altLang="en-US"/>
@@ -18320,6 +18164,7 @@
             <a:bodyPr wrap="square" rtlCol="0">
               <a:spAutoFit/>
             </a:bodyPr>
+            <a:lstStyle/>
             <a:p>
               <a:r>
                 <a:rPr lang="zh-CN" altLang="en-US" sz="2800" dirty="0">
@@ -18371,6 +18216,7 @@
             <a:bodyPr wrap="square" rtlCol="0">
               <a:spAutoFit/>
             </a:bodyPr>
+            <a:lstStyle/>
             <a:p>
               <a:r>
                 <a:rPr lang="zh-CN" altLang="en-US" sz="2800" dirty="0">
@@ -18451,6 +18297,7 @@
           </p:style>
           <p:txBody>
             <a:bodyPr rtlCol="0" anchor="ctr"/>
+            <a:lstStyle/>
             <a:p>
               <a:pPr algn="ctr"/>
               <a:endParaRPr lang="zh-CN" altLang="en-US"/>
@@ -18477,6 +18324,7 @@
             <a:bodyPr wrap="square" rtlCol="0">
               <a:spAutoFit/>
             </a:bodyPr>
+            <a:lstStyle/>
             <a:p>
               <a:r>
                 <a:rPr lang="zh-CN" altLang="en-US" sz="2800" dirty="0" smtClean="0">
@@ -18567,6 +18415,7 @@
           </p:style>
           <p:txBody>
             <a:bodyPr rtlCol="0" anchor="ctr"/>
+            <a:lstStyle/>
             <a:p>
               <a:pPr algn="ctr"/>
               <a:endParaRPr lang="zh-CN" altLang="en-US"/>
@@ -18599,7 +18448,14 @@
         <p:cNvGrpSpPr/>
         <p:nvPr/>
       </p:nvGrpSpPr>
-      <p:grpSpPr/>
+      <p:grpSpPr>
+        <a:xfrm>
+          <a:off x="0" y="0"/>
+          <a:ext cx="0" cy="0"/>
+          <a:chOff x="0" y="0"/>
+          <a:chExt cx="0" cy="0"/>
+        </a:xfrm>
+      </p:grpSpPr>
       <p:pic>
         <p:nvPicPr>
           <p:cNvPr id="5" name="Picture 2"/>
@@ -18609,7 +18465,7 @@
           <p:nvPr/>
         </p:nvPicPr>
         <p:blipFill>
-          <a:blip r:embed="rId1">
+          <a:blip r:embed="rId2">
             <a:extLst>
               <a:ext uri="{28A0092B-C50C-407E-A947-70E740481C1C}">
                 <a14:useLocalDpi xmlns:a14="http://schemas.microsoft.com/office/drawing/2010/main" val="0"/>
@@ -18667,12 +18523,12 @@
         <p:spPr/>
         <p:txBody>
           <a:bodyPr/>
+          <a:lstStyle/>
           <a:p>
             <a:r>
               <a:rPr lang="zh-CN" altLang="en-US"/>
               <a:t>网页元素</a:t>
             </a:r>
-            <a:endParaRPr lang="zh-CN" altLang="en-US"/>
           </a:p>
         </p:txBody>
       </p:sp>
@@ -18714,6 +18570,7 @@
         </p:style>
         <p:txBody>
           <a:bodyPr/>
+          <a:lstStyle/>
           <a:p>
             <a:pPr algn="ctr">
               <a:defRPr/>
@@ -18747,7 +18604,7 @@
           <p:nvPr/>
         </p:nvPicPr>
         <p:blipFill>
-          <a:blip r:embed="rId2">
+          <a:blip r:embed="rId3">
             <a:extLst>
               <a:ext uri="{28A0092B-C50C-407E-A947-70E740481C1C}">
                 <a14:useLocalDpi xmlns:a14="http://schemas.microsoft.com/office/drawing/2010/main" val="0"/>
@@ -18830,6 +18687,7 @@
         </p:style>
         <p:txBody>
           <a:bodyPr/>
+          <a:lstStyle/>
           <a:p>
             <a:pPr algn="ctr">
               <a:defRPr/>
@@ -18844,13 +18702,6 @@
               </a:rPr>
               <a:t>文字</a:t>
             </a:r>
-            <a:endParaRPr lang="zh-CN" altLang="en-US" sz="2000" dirty="0">
-              <a:solidFill>
-                <a:srgbClr val="A50021"/>
-              </a:solidFill>
-              <a:latin typeface="微软雅黑" panose="020B0503020204020204" pitchFamily="34" charset="-122"/>
-              <a:ea typeface="微软雅黑" panose="020B0503020204020204" pitchFamily="34" charset="-122"/>
-            </a:endParaRPr>
           </a:p>
         </p:txBody>
       </p:sp>
@@ -18863,7 +18714,7 @@
           <p:nvPr/>
         </p:nvPicPr>
         <p:blipFill>
-          <a:blip r:embed="rId3">
+          <a:blip r:embed="rId4">
             <a:extLst>
               <a:ext uri="{28A0092B-C50C-407E-A947-70E740481C1C}">
                 <a14:useLocalDpi xmlns:a14="http://schemas.microsoft.com/office/drawing/2010/main" val="0"/>
@@ -18946,6 +18797,7 @@
         </p:style>
         <p:txBody>
           <a:bodyPr/>
+          <a:lstStyle/>
           <a:p>
             <a:pPr algn="ctr">
               <a:defRPr/>
@@ -18960,13 +18812,6 @@
               </a:rPr>
               <a:t>图片</a:t>
             </a:r>
-            <a:endParaRPr lang="zh-CN" altLang="en-US" sz="2000" dirty="0">
-              <a:solidFill>
-                <a:srgbClr val="A50021"/>
-              </a:solidFill>
-              <a:latin typeface="微软雅黑" panose="020B0503020204020204" pitchFamily="34" charset="-122"/>
-              <a:ea typeface="微软雅黑" panose="020B0503020204020204" pitchFamily="34" charset="-122"/>
-            </a:endParaRPr>
           </a:p>
         </p:txBody>
       </p:sp>
@@ -19008,6 +18853,7 @@
         </p:style>
         <p:txBody>
           <a:bodyPr/>
+          <a:lstStyle/>
           <a:p>
             <a:pPr algn="ctr">
               <a:defRPr/>
@@ -19022,13 +18868,6 @@
               </a:rPr>
               <a:t>超链接</a:t>
             </a:r>
-            <a:endParaRPr lang="zh-CN" altLang="en-US" sz="2000" dirty="0">
-              <a:solidFill>
-                <a:srgbClr val="A50021"/>
-              </a:solidFill>
-              <a:latin typeface="微软雅黑" panose="020B0503020204020204" pitchFamily="34" charset="-122"/>
-              <a:ea typeface="微软雅黑" panose="020B0503020204020204" pitchFamily="34" charset="-122"/>
-            </a:endParaRPr>
           </a:p>
         </p:txBody>
       </p:sp>
@@ -19037,11 +18876,11 @@
   <p:clrMapOvr>
     <a:masterClrMapping/>
   </p:clrMapOvr>
-  <mc:AlternateContent xmlns:mc="http://schemas.openxmlformats.org/markup-compatibility/2006">
-    <mc:Choice xmlns:p14="http://schemas.microsoft.com/office/powerpoint/2010/main" Requires="p14">
+  <mc:AlternateContent xmlns:mc="http://schemas.openxmlformats.org/markup-compatibility/2006" xmlns:p14="http://schemas.microsoft.com/office/powerpoint/2010/main">
+    <mc:Choice Requires="p14">
       <p:transition spd="slow" p14:dur="1600"/>
     </mc:Choice>
-    <mc:Fallback>
+    <mc:Fallback xmlns="">
       <p:transition spd="slow"/>
     </mc:Fallback>
   </mc:AlternateContent>
@@ -19326,7 +19165,14 @@
         <p:cNvGrpSpPr/>
         <p:nvPr/>
       </p:nvGrpSpPr>
-      <p:grpSpPr/>
+      <p:grpSpPr>
+        <a:xfrm>
+          <a:off x="0" y="0"/>
+          <a:ext cx="0" cy="0"/>
+          <a:chOff x="0" y="0"/>
+          <a:chExt cx="0" cy="0"/>
+        </a:xfrm>
+      </p:grpSpPr>
       <p:sp>
         <p:nvSpPr>
           <p:cNvPr id="2" name="标题 1"/>
@@ -19340,12 +19186,12 @@
         <p:spPr/>
         <p:txBody>
           <a:bodyPr/>
+          <a:lstStyle/>
           <a:p>
             <a:r>
               <a:rPr lang="zh-CN" altLang="en-US"/>
               <a:t>网页元素</a:t>
             </a:r>
-            <a:endParaRPr lang="zh-CN" altLang="en-US"/>
           </a:p>
         </p:txBody>
       </p:sp>
@@ -19362,6 +19208,7 @@
         <p:spPr/>
         <p:txBody>
           <a:bodyPr/>
+          <a:lstStyle/>
           <a:p>
             <a:endParaRPr lang="zh-CN" altLang="en-US"/>
           </a:p>
@@ -19828,13 +19675,6 @@
               </a:rPr>
               <a:t>. . .</a:t>
             </a:r>
-            <a:endParaRPr lang="en-US" altLang="zh-CN" sz="3200" b="1" dirty="0" smtClean="0">
-              <a:solidFill>
-                <a:srgbClr val="FF0000"/>
-              </a:solidFill>
-              <a:latin typeface="微软雅黑" panose="020B0503020204020204" pitchFamily="34" charset="-122"/>
-              <a:ea typeface="微软雅黑" panose="020B0503020204020204" pitchFamily="34" charset="-122"/>
-            </a:endParaRPr>
           </a:p>
         </p:txBody>
       </p:sp>
@@ -19843,11 +19683,11 @@
   <p:clrMapOvr>
     <a:masterClrMapping/>
   </p:clrMapOvr>
-  <mc:AlternateContent xmlns:mc="http://schemas.openxmlformats.org/markup-compatibility/2006">
-    <mc:Choice xmlns:p14="http://schemas.microsoft.com/office/powerpoint/2010/main" Requires="p14">
+  <mc:AlternateContent xmlns:mc="http://schemas.openxmlformats.org/markup-compatibility/2006" xmlns:p14="http://schemas.microsoft.com/office/powerpoint/2010/main">
+    <mc:Choice Requires="p14">
       <p:transition spd="slow" p14:dur="1600"/>
     </mc:Choice>
-    <mc:Fallback>
+    <mc:Fallback xmlns="">
       <p:transition spd="slow"/>
     </mc:Fallback>
   </mc:AlternateContent>
@@ -20169,7 +20009,14 @@
         <p:cNvGrpSpPr/>
         <p:nvPr/>
       </p:nvGrpSpPr>
-      <p:grpSpPr/>
+      <p:grpSpPr>
+        <a:xfrm>
+          <a:off x="0" y="0"/>
+          <a:ext cx="0" cy="0"/>
+          <a:chOff x="0" y="0"/>
+          <a:chExt cx="0" cy="0"/>
+        </a:xfrm>
+      </p:grpSpPr>
       <p:sp>
         <p:nvSpPr>
           <p:cNvPr id="2" name="标题 1"/>
@@ -20183,12 +20030,12 @@
         <p:spPr/>
         <p:txBody>
           <a:bodyPr/>
+          <a:lstStyle/>
           <a:p>
             <a:r>
               <a:rPr lang="zh-CN" altLang="en-US"/>
               <a:t>标题和段落</a:t>
             </a:r>
-            <a:endParaRPr lang="zh-CN" altLang="en-US"/>
           </a:p>
         </p:txBody>
       </p:sp>
@@ -20205,6 +20052,7 @@
         <p:spPr/>
         <p:txBody>
           <a:bodyPr/>
+          <a:lstStyle/>
           <a:p>
             <a:endParaRPr lang="zh-CN" altLang="en-US"/>
           </a:p>
@@ -20219,7 +20067,7 @@
           <p:nvPr/>
         </p:nvPicPr>
         <p:blipFill>
-          <a:blip r:embed="rId1">
+          <a:blip r:embed="rId2">
             <a:extLst>
               <a:ext uri="{28A0092B-C50C-407E-A947-70E740481C1C}">
                 <a14:useLocalDpi xmlns:a14="http://schemas.microsoft.com/office/drawing/2010/main" val="0"/>
@@ -20303,6 +20151,7 @@
         </p:style>
         <p:txBody>
           <a:bodyPr rtlCol="0" anchor="ctr"/>
+          <a:lstStyle/>
           <a:p>
             <a:pPr algn="ctr"/>
             <a:endParaRPr lang="zh-CN" altLang="en-US"/>
@@ -20348,6 +20197,7 @@
         </p:style>
         <p:txBody>
           <a:bodyPr rtlCol="0" anchor="ctr"/>
+          <a:lstStyle/>
           <a:p>
             <a:pPr algn="ctr"/>
             <a:endParaRPr lang="zh-CN" altLang="en-US"/>
@@ -20359,11 +20209,11 @@
   <p:clrMapOvr>
     <a:masterClrMapping/>
   </p:clrMapOvr>
-  <mc:AlternateContent xmlns:mc="http://schemas.openxmlformats.org/markup-compatibility/2006">
-    <mc:Choice xmlns:p14="http://schemas.microsoft.com/office/powerpoint/2010/main" Requires="p14">
+  <mc:AlternateContent xmlns:mc="http://schemas.openxmlformats.org/markup-compatibility/2006" xmlns:p14="http://schemas.microsoft.com/office/powerpoint/2010/main">
+    <mc:Choice Requires="p14">
       <p:transition spd="slow" p14:dur="1600"/>
     </mc:Choice>
-    <mc:Fallback>
+    <mc:Fallback xmlns="">
       <p:transition spd="slow"/>
     </mc:Fallback>
   </mc:AlternateContent>
@@ -20519,7 +20369,14 @@
         <p:cNvGrpSpPr/>
         <p:nvPr/>
       </p:nvGrpSpPr>
-      <p:grpSpPr/>
+      <p:grpSpPr>
+        <a:xfrm>
+          <a:off x="0" y="0"/>
+          <a:ext cx="0" cy="0"/>
+          <a:chOff x="0" y="0"/>
+          <a:chExt cx="0" cy="0"/>
+        </a:xfrm>
+      </p:grpSpPr>
       <p:sp>
         <p:nvSpPr>
           <p:cNvPr id="2" name="标题 1"/>
@@ -20533,12 +20390,12 @@
         <p:spPr/>
         <p:txBody>
           <a:bodyPr/>
+          <a:lstStyle/>
           <a:p>
             <a:r>
               <a:rPr lang="zh-CN" altLang="en-US"/>
               <a:t>标题标签</a:t>
             </a:r>
-            <a:endParaRPr lang="zh-CN" altLang="en-US"/>
           </a:p>
         </p:txBody>
       </p:sp>
@@ -20555,6 +20412,7 @@
         <p:spPr/>
         <p:txBody>
           <a:bodyPr/>
+          <a:lstStyle/>
           <a:p>
             <a:r>
               <a:rPr lang="zh-CN" altLang="en-US">
@@ -20600,11 +20458,6 @@
               </a:rPr>
               <a:t>文档中，一篇文章往往需要标题</a:t>
             </a:r>
-            <a:endParaRPr lang="zh-CN" altLang="en-US">
-              <a:solidFill>
-                <a:schemeClr val="tx1"/>
-              </a:solidFill>
-            </a:endParaRPr>
           </a:p>
           <a:p>
             <a:pPr lvl="1"/>
@@ -20654,11 +20507,6 @@
               </a:rPr>
               <a:t>代码：</a:t>
             </a:r>
-            <a:endParaRPr lang="zh-CN" altLang="en-US">
-              <a:solidFill>
-                <a:schemeClr val="tx1"/>
-              </a:solidFill>
-            </a:endParaRPr>
           </a:p>
         </p:txBody>
       </p:sp>
@@ -20884,6 +20732,47 @@
               <a:rPr lang="en-US" altLang="zh-CN" sz="2200" dirty="0" smtClean="0"/>
               <a:t>&gt;</a:t>
             </a:r>
+          </a:p>
+          <a:p>
+            <a:pPr marL="0" indent="0">
+              <a:lnSpc>
+                <a:spcPct val="100000"/>
+              </a:lnSpc>
+              <a:buFont typeface="Wingdings" panose="05000000000000000000" pitchFamily="2" charset="2"/>
+              <a:buNone/>
+            </a:pPr>
+            <a:r>
+              <a:rPr lang="en-US" altLang="zh-CN" sz="2200" dirty="0" smtClean="0"/>
+              <a:t>&lt;h</a:t>
+            </a:r>
+            <a:r>
+              <a:rPr lang="en-US" altLang="zh-CN" sz="2200" dirty="0" smtClean="0">
+                <a:solidFill>
+                  <a:srgbClr val="C00000"/>
+                </a:solidFill>
+              </a:rPr>
+              <a:t>2</a:t>
+            </a:r>
+            <a:r>
+              <a:rPr lang="en-US" altLang="zh-CN" sz="2200" dirty="0" smtClean="0"/>
+              <a:t>&gt;This is heading 2&lt;/h</a:t>
+            </a:r>
+            <a:r>
+              <a:rPr lang="en-US" altLang="zh-CN" sz="2200" dirty="0" smtClean="0">
+                <a:solidFill>
+                  <a:srgbClr val="C00000"/>
+                </a:solidFill>
+              </a:rPr>
+              <a:t>2</a:t>
+            </a:r>
+            <a:r>
+              <a:rPr lang="en-US" altLang="zh-CN" sz="2200" dirty="0" smtClean="0">
+                <a:solidFill>
+                  <a:srgbClr val="FF0000"/>
+                </a:solidFill>
+              </a:rPr>
+              <a:t>&gt;</a:t>
+            </a:r>
             <a:endParaRPr lang="en-US" altLang="zh-CN" sz="2200" dirty="0" smtClean="0"/>
           </a:p>
           <a:p>
@@ -20904,11 +20793,11 @@
                   <a:srgbClr val="C00000"/>
                 </a:solidFill>
               </a:rPr>
-              <a:t>2</a:t>
+              <a:t>3</a:t>
             </a:r>
             <a:r>
               <a:rPr lang="en-US" altLang="zh-CN" sz="2200" dirty="0" smtClean="0"/>
-              <a:t>&gt;This is heading 2&lt;/h</a:t>
+              <a:t>&gt;This is heading 3&lt;/h</a:t>
             </a:r>
             <a:r>
               <a:rPr lang="en-US" altLang="zh-CN" sz="2200" dirty="0" smtClean="0">
@@ -20916,17 +20805,12 @@
                   <a:srgbClr val="C00000"/>
                 </a:solidFill>
               </a:rPr>
-              <a:t>2</a:t>
-            </a:r>
-            <a:r>
-              <a:rPr lang="en-US" altLang="zh-CN" sz="2200" dirty="0" smtClean="0">
-                <a:solidFill>
-                  <a:srgbClr val="FF0000"/>
-                </a:solidFill>
-              </a:rPr>
+              <a:t>3</a:t>
+            </a:r>
+            <a:r>
+              <a:rPr lang="en-US" altLang="zh-CN" sz="2200" dirty="0" smtClean="0"/>
               <a:t>&gt;</a:t>
             </a:r>
-            <a:endParaRPr lang="en-US" altLang="zh-CN" sz="2200" dirty="0" smtClean="0"/>
           </a:p>
           <a:p>
             <a:pPr marL="0" indent="0">
@@ -20946,11 +20830,11 @@
                   <a:srgbClr val="C00000"/>
                 </a:solidFill>
               </a:rPr>
-              <a:t>3</a:t>
+              <a:t>4</a:t>
             </a:r>
             <a:r>
               <a:rPr lang="en-US" altLang="zh-CN" sz="2200" dirty="0" smtClean="0"/>
-              <a:t>&gt;This is heading 3&lt;/h</a:t>
+              <a:t>&gt;This is heading 4&lt;/h</a:t>
             </a:r>
             <a:r>
               <a:rPr lang="en-US" altLang="zh-CN" sz="2200" dirty="0" smtClean="0">
@@ -20958,13 +20842,12 @@
                   <a:srgbClr val="C00000"/>
                 </a:solidFill>
               </a:rPr>
-              <a:t>3</a:t>
+              <a:t>4</a:t>
             </a:r>
             <a:r>
               <a:rPr lang="en-US" altLang="zh-CN" sz="2200" dirty="0" smtClean="0"/>
               <a:t>&gt;</a:t>
             </a:r>
-            <a:endParaRPr lang="en-US" altLang="zh-CN" sz="2200" dirty="0" smtClean="0"/>
           </a:p>
           <a:p>
             <a:pPr marL="0" indent="0">
@@ -20984,11 +20867,11 @@
                   <a:srgbClr val="C00000"/>
                 </a:solidFill>
               </a:rPr>
-              <a:t>4</a:t>
+              <a:t>5</a:t>
             </a:r>
             <a:r>
               <a:rPr lang="en-US" altLang="zh-CN" sz="2200" dirty="0" smtClean="0"/>
-              <a:t>&gt;This is heading 4&lt;/h</a:t>
+              <a:t>&gt;This is heading 5&lt;/h</a:t>
             </a:r>
             <a:r>
               <a:rPr lang="en-US" altLang="zh-CN" sz="2200" dirty="0" smtClean="0">
@@ -20996,51 +20879,12 @@
                   <a:srgbClr val="C00000"/>
                 </a:solidFill>
               </a:rPr>
-              <a:t>4</a:t>
+              <a:t>5</a:t>
             </a:r>
             <a:r>
               <a:rPr lang="en-US" altLang="zh-CN" sz="2200" dirty="0" smtClean="0"/>
               <a:t>&gt;</a:t>
             </a:r>
-            <a:endParaRPr lang="en-US" altLang="zh-CN" sz="2200" dirty="0" smtClean="0"/>
-          </a:p>
-          <a:p>
-            <a:pPr marL="0" indent="0">
-              <a:lnSpc>
-                <a:spcPct val="100000"/>
-              </a:lnSpc>
-              <a:buFont typeface="Wingdings" panose="05000000000000000000" pitchFamily="2" charset="2"/>
-              <a:buNone/>
-            </a:pPr>
-            <a:r>
-              <a:rPr lang="en-US" altLang="zh-CN" sz="2200" dirty="0" smtClean="0"/>
-              <a:t>&lt;h</a:t>
-            </a:r>
-            <a:r>
-              <a:rPr lang="en-US" altLang="zh-CN" sz="2200" dirty="0" smtClean="0">
-                <a:solidFill>
-                  <a:srgbClr val="C00000"/>
-                </a:solidFill>
-              </a:rPr>
-              <a:t>5</a:t>
-            </a:r>
-            <a:r>
-              <a:rPr lang="en-US" altLang="zh-CN" sz="2200" dirty="0" smtClean="0"/>
-              <a:t>&gt;This is heading 5&lt;/h</a:t>
-            </a:r>
-            <a:r>
-              <a:rPr lang="en-US" altLang="zh-CN" sz="2200" dirty="0" smtClean="0">
-                <a:solidFill>
-                  <a:srgbClr val="C00000"/>
-                </a:solidFill>
-              </a:rPr>
-              <a:t>5</a:t>
-            </a:r>
-            <a:r>
-              <a:rPr lang="en-US" altLang="zh-CN" sz="2200" dirty="0" smtClean="0"/>
-              <a:t>&gt;</a:t>
-            </a:r>
-            <a:endParaRPr lang="en-US" altLang="zh-CN" sz="2200" dirty="0" smtClean="0"/>
           </a:p>
           <a:p>
             <a:pPr marL="0" indent="0">
@@ -21102,6 +20946,7 @@
           <a:bodyPr wrap="none" rtlCol="0">
             <a:spAutoFit/>
           </a:bodyPr>
+          <a:lstStyle/>
           <a:p>
             <a:r>
               <a:rPr lang="zh-CN" altLang="en-US" sz="2400" dirty="0" smtClean="0">
@@ -21153,6 +20998,7 @@
           <a:bodyPr wrap="none" rtlCol="0">
             <a:spAutoFit/>
           </a:bodyPr>
+          <a:lstStyle/>
           <a:p>
             <a:pPr algn="l"/>
             <a:r>
@@ -21187,13 +21033,6 @@
               </a:rPr>
               <a:t>标题独占一行。</a:t>
             </a:r>
-            <a:endParaRPr lang="zh-CN" altLang="en-US" sz="2400" dirty="0">
-              <a:solidFill>
-                <a:srgbClr val="C00000"/>
-              </a:solidFill>
-              <a:latin typeface="微软雅黑" panose="020B0503020204020204" pitchFamily="34" charset="-122"/>
-              <a:ea typeface="微软雅黑" panose="020B0503020204020204" pitchFamily="34" charset="-122"/>
-            </a:endParaRPr>
           </a:p>
         </p:txBody>
       </p:sp>
@@ -21206,7 +21045,7 @@
           <p:nvPr/>
         </p:nvPicPr>
         <p:blipFill>
-          <a:blip r:embed="rId1"/>
+          <a:blip r:embed="rId2"/>
           <a:stretch>
             <a:fillRect/>
           </a:stretch>
@@ -21241,6 +21080,7 @@
           <a:bodyPr wrap="none" lIns="108850" tIns="54425" rIns="108850" bIns="54425" rtlCol="0">
             <a:spAutoFit/>
           </a:bodyPr>
+          <a:lstStyle/>
           <a:p>
             <a:r>
               <a:rPr lang="en-US" altLang="zh-CN" sz="2600" dirty="0" smtClean="0">
@@ -21261,11 +21101,11 @@
   <p:clrMapOvr>
     <a:masterClrMapping/>
   </p:clrMapOvr>
-  <mc:AlternateContent xmlns:mc="http://schemas.openxmlformats.org/markup-compatibility/2006">
-    <mc:Choice xmlns:p14="http://schemas.microsoft.com/office/powerpoint/2010/main" Requires="p14">
+  <mc:AlternateContent xmlns:mc="http://schemas.openxmlformats.org/markup-compatibility/2006" xmlns:p14="http://schemas.microsoft.com/office/powerpoint/2010/main">
+    <mc:Choice Requires="p14">
       <p:transition spd="slow" p14:dur="1600"/>
     </mc:Choice>
-    <mc:Fallback>
+    <mc:Fallback xmlns="">
       <p:transition spd="slow"/>
     </mc:Fallback>
   </mc:AlternateContent>
@@ -21855,7 +21695,14 @@
         <p:cNvGrpSpPr/>
         <p:nvPr/>
       </p:nvGrpSpPr>
-      <p:grpSpPr/>
+      <p:grpSpPr>
+        <a:xfrm>
+          <a:off x="0" y="0"/>
+          <a:ext cx="0" cy="0"/>
+          <a:chOff x="0" y="0"/>
+          <a:chExt cx="0" cy="0"/>
+        </a:xfrm>
+      </p:grpSpPr>
       <p:sp>
         <p:nvSpPr>
           <p:cNvPr id="2" name="标题 1"/>
@@ -21869,12 +21716,12 @@
         <p:spPr/>
         <p:txBody>
           <a:bodyPr/>
+          <a:lstStyle/>
           <a:p>
             <a:r>
               <a:rPr lang="zh-CN" altLang="en-US"/>
               <a:t>段落标签</a:t>
             </a:r>
-            <a:endParaRPr lang="zh-CN" altLang="en-US"/>
           </a:p>
         </p:txBody>
       </p:sp>
@@ -21891,6 +21738,7 @@
         <p:spPr/>
         <p:txBody>
           <a:bodyPr/>
+          <a:lstStyle/>
           <a:p>
             <a:r>
               <a:rPr lang="zh-CN" altLang="en-US">
@@ -21920,11 +21768,6 @@
               </a:rPr>
               <a:t>网页中显示一段文字</a:t>
             </a:r>
-            <a:endParaRPr lang="zh-CN" altLang="en-US">
-              <a:solidFill>
-                <a:schemeClr val="tx1"/>
-              </a:solidFill>
-            </a:endParaRPr>
           </a:p>
           <a:p>
             <a:pPr lvl="1"/>
@@ -21968,11 +21811,6 @@
               </a:rPr>
               <a:t>p&gt;</a:t>
             </a:r>
-            <a:endParaRPr lang="en-US">
-              <a:solidFill>
-                <a:schemeClr val="tx1"/>
-              </a:solidFill>
-            </a:endParaRPr>
           </a:p>
           <a:p>
             <a:pPr lvl="1"/>
@@ -21984,11 +21822,6 @@
               </a:rPr>
               <a:t>代码：</a:t>
             </a:r>
-            <a:endParaRPr lang="zh-CN" altLang="en-US">
-              <a:solidFill>
-                <a:schemeClr val="tx1"/>
-              </a:solidFill>
-            </a:endParaRPr>
           </a:p>
           <a:p>
             <a:endParaRPr>
@@ -22008,7 +21841,7 @@
           <p:nvPr/>
         </p:nvPicPr>
         <p:blipFill>
-          <a:blip r:embed="rId1"/>
+          <a:blip r:embed="rId2"/>
           <a:stretch>
             <a:fillRect/>
           </a:stretch>
@@ -22032,7 +21865,7 @@
           <p:nvPr/>
         </p:nvPicPr>
         <p:blipFill>
-          <a:blip r:embed="rId2"/>
+          <a:blip r:embed="rId3"/>
           <a:stretch>
             <a:fillRect/>
           </a:stretch>
@@ -22060,11 +21893,11 @@
   <p:clrMapOvr>
     <a:masterClrMapping/>
   </p:clrMapOvr>
-  <mc:AlternateContent xmlns:mc="http://schemas.openxmlformats.org/markup-compatibility/2006">
-    <mc:Choice xmlns:p14="http://schemas.microsoft.com/office/powerpoint/2010/main" Requires="p14">
+  <mc:AlternateContent xmlns:mc="http://schemas.openxmlformats.org/markup-compatibility/2006" xmlns:p14="http://schemas.microsoft.com/office/powerpoint/2010/main">
+    <mc:Choice Requires="p14">
       <p:transition spd="slow" p14:dur="1600"/>
     </mc:Choice>
-    <mc:Fallback>
+    <mc:Fallback xmlns="">
       <p:transition spd="slow"/>
     </mc:Fallback>
   </mc:AlternateContent>
@@ -22392,13 +22225,6 @@
                 </a:rPr>
                 <a:t>本节内容</a:t>
               </a:r>
-              <a:endParaRPr lang="zh-CN" altLang="en-US" sz="4800" b="1" dirty="0">
-                <a:solidFill>
-                  <a:schemeClr val="bg1"/>
-                </a:solidFill>
-                <a:latin typeface="微软雅黑" panose="020B0503020204020204" pitchFamily="34" charset="-122"/>
-                <a:ea typeface="微软雅黑" panose="020B0503020204020204" pitchFamily="34" charset="-122"/>
-              </a:endParaRPr>
             </a:p>
           </p:txBody>
         </p:sp>
@@ -22457,6 +22283,7 @@
           </p:style>
           <p:txBody>
             <a:bodyPr rtlCol="0" anchor="ctr"/>
+            <a:lstStyle/>
             <a:p>
               <a:pPr algn="ctr"/>
               <a:endParaRPr lang="zh-CN" altLang="en-US"/>
@@ -22500,6 +22327,7 @@
           </p:style>
           <p:txBody>
             <a:bodyPr rtlCol="0" anchor="ctr"/>
+            <a:lstStyle/>
             <a:p>
               <a:pPr algn="ctr"/>
               <a:endParaRPr lang="zh-CN" altLang="en-US"/>
@@ -22543,6 +22371,7 @@
           </p:style>
           <p:txBody>
             <a:bodyPr rtlCol="0" anchor="ctr"/>
+            <a:lstStyle/>
             <a:p>
               <a:pPr algn="ctr"/>
               <a:endParaRPr lang="zh-CN" altLang="en-US"/>
@@ -22834,13 +22663,6 @@
                 </a:rPr>
                 <a:t>图片标签、相对路径和绝对路径</a:t>
               </a:r>
-              <a:endParaRPr lang="zh-CN" altLang="en-US" sz="2800" dirty="0" smtClean="0">
-                <a:solidFill>
-                  <a:srgbClr val="FF0000"/>
-                </a:solidFill>
-                <a:latin typeface="微软雅黑" panose="020B0503020204020204" pitchFamily="34" charset="-122"/>
-                <a:ea typeface="微软雅黑" panose="020B0503020204020204" pitchFamily="34" charset="-122"/>
-              </a:endParaRPr>
             </a:p>
           </p:txBody>
         </p:sp>
@@ -23096,7 +22918,6 @@
                 <a:rPr lang="zh-CN" altLang="en-US" dirty="0" smtClean="0"/>
                 <a:t>HTML语法基础</a:t>
               </a:r>
-              <a:endParaRPr lang="zh-CN" altLang="en-US" dirty="0" smtClean="0"/>
             </a:p>
           </p:txBody>
         </p:sp>
@@ -23242,13 +23063,6 @@
                 </a:rPr>
                 <a:t>无序列表标签和有序列表标签</a:t>
               </a:r>
-              <a:endParaRPr lang="zh-CN" altLang="en-US" sz="2800" dirty="0">
-                <a:solidFill>
-                  <a:srgbClr val="595E64"/>
-                </a:solidFill>
-                <a:latin typeface="微软雅黑" panose="020B0503020204020204" pitchFamily="34" charset="-122"/>
-                <a:ea typeface="微软雅黑" panose="020B0503020204020204" pitchFamily="34" charset="-122"/>
-              </a:endParaRPr>
             </a:p>
           </p:txBody>
         </p:sp>
@@ -23316,7 +23130,14 @@
         <p:cNvGrpSpPr/>
         <p:nvPr/>
       </p:nvGrpSpPr>
-      <p:grpSpPr/>
+      <p:grpSpPr>
+        <a:xfrm>
+          <a:off x="0" y="0"/>
+          <a:ext cx="0" cy="0"/>
+          <a:chOff x="0" y="0"/>
+          <a:chExt cx="0" cy="0"/>
+        </a:xfrm>
+      </p:grpSpPr>
       <p:sp>
         <p:nvSpPr>
           <p:cNvPr id="2" name="标题 1"/>
@@ -23330,12 +23151,12 @@
         <p:spPr/>
         <p:txBody>
           <a:bodyPr/>
+          <a:lstStyle/>
           <a:p>
             <a:r>
               <a:rPr lang="zh-CN" altLang="en-US"/>
               <a:t>图片</a:t>
             </a:r>
-            <a:endParaRPr lang="zh-CN" altLang="en-US"/>
           </a:p>
         </p:txBody>
       </p:sp>
@@ -23352,6 +23173,7 @@
         <p:spPr/>
         <p:txBody>
           <a:bodyPr/>
+          <a:lstStyle/>
           <a:p>
             <a:endParaRPr lang="zh-CN" altLang="en-US"/>
           </a:p>
@@ -23366,7 +23188,7 @@
           <p:nvPr/>
         </p:nvPicPr>
         <p:blipFill>
-          <a:blip r:embed="rId1">
+          <a:blip r:embed="rId2">
             <a:extLst>
               <a:ext uri="{28A0092B-C50C-407E-A947-70E740481C1C}">
                 <a14:useLocalDpi xmlns:a14="http://schemas.microsoft.com/office/drawing/2010/main" val="0"/>
@@ -23431,6 +23253,7 @@
           <a:bodyPr wrap="none" rtlCol="0">
             <a:spAutoFit/>
           </a:bodyPr>
+          <a:lstStyle/>
           <a:p>
             <a:r>
               <a:rPr lang="zh-CN" altLang="en-US" sz="2800" dirty="0" smtClean="0">
@@ -23442,13 +23265,6 @@
               </a:rPr>
               <a:t>我们如何将图片</a:t>
             </a:r>
-            <a:endParaRPr lang="zh-CN" altLang="en-US" sz="2800" dirty="0" smtClean="0">
-              <a:solidFill>
-                <a:srgbClr val="C00000"/>
-              </a:solidFill>
-              <a:latin typeface="微软雅黑" panose="020B0503020204020204" pitchFamily="34" charset="-122"/>
-              <a:ea typeface="微软雅黑" panose="020B0503020204020204" pitchFamily="34" charset="-122"/>
-            </a:endParaRPr>
           </a:p>
           <a:p>
             <a:pPr fontAlgn="auto">
@@ -23515,6 +23331,7 @@
         </p:style>
         <p:txBody>
           <a:bodyPr rtlCol="0" anchor="ctr"/>
+          <a:lstStyle/>
           <a:p>
             <a:pPr algn="ctr"/>
             <a:endParaRPr lang="zh-CN" altLang="en-US"/>
@@ -23526,11 +23343,11 @@
   <p:clrMapOvr>
     <a:masterClrMapping/>
   </p:clrMapOvr>
-  <mc:AlternateContent xmlns:mc="http://schemas.openxmlformats.org/markup-compatibility/2006">
-    <mc:Choice xmlns:p14="http://schemas.microsoft.com/office/powerpoint/2010/main" Requires="p14">
+  <mc:AlternateContent xmlns:mc="http://schemas.openxmlformats.org/markup-compatibility/2006" xmlns:p14="http://schemas.microsoft.com/office/powerpoint/2010/main">
+    <mc:Choice Requires="p14">
       <p:transition spd="slow" p14:dur="1600"/>
     </mc:Choice>
-    <mc:Fallback>
+    <mc:Fallback xmlns="">
       <p:transition spd="slow"/>
     </mc:Fallback>
   </mc:AlternateContent>
@@ -23715,7 +23532,14 @@
         <p:cNvGrpSpPr/>
         <p:nvPr/>
       </p:nvGrpSpPr>
-      <p:grpSpPr/>
+      <p:grpSpPr>
+        <a:xfrm>
+          <a:off x="0" y="0"/>
+          <a:ext cx="0" cy="0"/>
+          <a:chOff x="0" y="0"/>
+          <a:chExt cx="0" cy="0"/>
+        </a:xfrm>
+      </p:grpSpPr>
       <p:sp>
         <p:nvSpPr>
           <p:cNvPr id="2" name="标题 1"/>
@@ -23729,12 +23553,12 @@
         <p:spPr/>
         <p:txBody>
           <a:bodyPr/>
+          <a:lstStyle/>
           <a:p>
             <a:r>
               <a:rPr lang="zh-CN" altLang="en-US"/>
               <a:t>图片标签</a:t>
             </a:r>
-            <a:endParaRPr lang="zh-CN" altLang="en-US"/>
           </a:p>
         </p:txBody>
       </p:sp>
@@ -23751,6 +23575,7 @@
         <p:spPr/>
         <p:txBody>
           <a:bodyPr/>
+          <a:lstStyle/>
           <a:p>
             <a:r>
               <a:rPr lang="zh-CN" altLang="en-US">
@@ -23776,7 +23601,6 @@
               <a:rPr lang="zh-CN" altLang="en-US"/>
               <a:t>网页中显示一张图片</a:t>
             </a:r>
-            <a:endParaRPr lang="zh-CN" altLang="en-US"/>
           </a:p>
           <a:p>
             <a:pPr lvl="1"/>
@@ -23801,7 +23625,6 @@
               <a:rPr lang="zh-CN" altLang="en-US"/>
               <a:t>属性：</a:t>
             </a:r>
-            <a:endParaRPr lang="zh-CN" altLang="en-US"/>
           </a:p>
         </p:txBody>
       </p:sp>
@@ -23989,13 +23812,6 @@
               </a:rPr>
               <a:t>明存储图像的位置</a:t>
             </a:r>
-            <a:endParaRPr lang="zh-CN" altLang="en-US" sz="2400" dirty="0" smtClean="0">
-              <a:solidFill>
-                <a:schemeClr val="tx1"/>
-              </a:solidFill>
-              <a:latin typeface="微软雅黑" panose="020B0503020204020204" pitchFamily="34" charset="-122"/>
-              <a:ea typeface="微软雅黑" panose="020B0503020204020204" pitchFamily="34" charset="-122"/>
-            </a:endParaRPr>
           </a:p>
           <a:p>
             <a:pPr eaLnBrk="1" hangingPunct="1">
@@ -24376,13 +24192,6 @@
                 </a:rPr>
                 <a:t>&lt;img src="images/logo.gif"</a:t>
               </a:r>
-              <a:endParaRPr lang="en-US" altLang="zh-CN" sz="2400" b="1" dirty="0">
-                <a:solidFill>
-                  <a:srgbClr val="0070C0"/>
-                </a:solidFill>
-                <a:latin typeface="微软雅黑" panose="020B0503020204020204" pitchFamily="34" charset="-122"/>
-                <a:ea typeface="微软雅黑" panose="020B0503020204020204" pitchFamily="34" charset="-122"/>
-              </a:endParaRPr>
             </a:p>
             <a:p>
               <a:pPr eaLnBrk="1" hangingPunct="1"/>
@@ -24455,7 +24264,7 @@
             <p:nvPr/>
           </p:nvPicPr>
           <p:blipFill>
-            <a:blip r:embed="rId1">
+            <a:blip r:embed="rId2">
               <a:extLst>
                 <a:ext uri="{28A0092B-C50C-407E-A947-70E740481C1C}">
                   <a14:useLocalDpi xmlns:a14="http://schemas.microsoft.com/office/drawing/2010/main" val="0"/>
@@ -24523,6 +24332,7 @@
           <a:bodyPr wrap="none" lIns="108850" tIns="54425" rIns="108850" bIns="54425" rtlCol="0">
             <a:spAutoFit/>
           </a:bodyPr>
+          <a:lstStyle/>
           <a:p>
             <a:r>
               <a:rPr lang="en-US" altLang="zh-CN" sz="2600" dirty="0" smtClean="0">
@@ -24543,11 +24353,11 @@
   <p:clrMapOvr>
     <a:masterClrMapping/>
   </p:clrMapOvr>
-  <mc:AlternateContent xmlns:mc="http://schemas.openxmlformats.org/markup-compatibility/2006">
-    <mc:Choice xmlns:p14="http://schemas.microsoft.com/office/powerpoint/2010/main" Requires="p14">
+  <mc:AlternateContent xmlns:mc="http://schemas.openxmlformats.org/markup-compatibility/2006" xmlns:p14="http://schemas.microsoft.com/office/powerpoint/2010/main">
+    <mc:Choice Requires="p14">
       <p:transition spd="slow" p14:dur="1600"/>
     </mc:Choice>
-    <mc:Fallback>
+    <mc:Fallback xmlns="">
       <p:transition spd="slow"/>
     </mc:Fallback>
   </mc:AlternateContent>
@@ -24859,8 +24669,8 @@
       </p:par>
     </p:tnLst>
     <p:bldLst>
+      <p:bldP spid="8" grpId="0"/>
       <p:bldP spid="10" grpId="0" bldLvl="0" animBg="1"/>
-      <p:bldP spid="8" grpId="0"/>
     </p:bldLst>
   </p:timing>
 </p:sld>
@@ -24875,7 +24685,14 @@
         <p:cNvGrpSpPr/>
         <p:nvPr/>
       </p:nvGrpSpPr>
-      <p:grpSpPr/>
+      <p:grpSpPr>
+        <a:xfrm>
+          <a:off x="0" y="0"/>
+          <a:ext cx="0" cy="0"/>
+          <a:chOff x="0" y="0"/>
+          <a:chExt cx="0" cy="0"/>
+        </a:xfrm>
+      </p:grpSpPr>
       <p:sp>
         <p:nvSpPr>
           <p:cNvPr id="2" name="标题 1"/>
@@ -24889,12 +24706,12 @@
         <p:spPr/>
         <p:txBody>
           <a:bodyPr/>
+          <a:lstStyle/>
           <a:p>
             <a:r>
               <a:rPr lang="zh-CN" altLang="en-US"/>
               <a:t>图片路径</a:t>
             </a:r>
-            <a:endParaRPr lang="zh-CN" altLang="en-US"/>
           </a:p>
         </p:txBody>
       </p:sp>
@@ -24913,6 +24730,7 @@
           <a:bodyPr>
             <a:normAutofit/>
           </a:bodyPr>
+          <a:lstStyle/>
           <a:p>
             <a:r>
               <a:rPr lang="zh-CN" altLang="en-US">
@@ -24926,7 +24744,6 @@
               <a:rPr lang="zh-CN" altLang="en-US"/>
               <a:t>路径</a:t>
             </a:r>
-            <a:endParaRPr lang="zh-CN" altLang="en-US"/>
           </a:p>
           <a:p>
             <a:pPr lvl="1"/>
@@ -24949,7 +24766,6 @@
               <a:rPr lang="zh-CN" altLang="en-US"/>
               <a:t>从盘符开始的完整路径。</a:t>
             </a:r>
-            <a:endParaRPr lang="zh-CN" altLang="en-US"/>
           </a:p>
           <a:p>
             <a:pPr lvl="2"/>
@@ -24992,7 +24808,6 @@
               <a:rPr lang="zh-CN" altLang="en-US"/>
               <a:t>绝对路径：网络可访问地址。</a:t>
             </a:r>
-            <a:endParaRPr lang="zh-CN" altLang="en-US"/>
           </a:p>
           <a:p>
             <a:pPr lvl="2"/>
@@ -25040,10 +24855,6 @@
               </a:rPr>
               <a:t>本机绝对路径长，容易出错；</a:t>
             </a:r>
-            <a:endParaRPr lang="zh-CN" altLang="en-US" sz="2400" kern="1200">
-              <a:cs typeface="+mn-cs"/>
-              <a:sym typeface="+mn-ea"/>
-            </a:endParaRPr>
           </a:p>
           <a:p>
             <a:pPr marL="471805" lvl="1" indent="0">
@@ -25093,6 +24904,7 @@
           <a:bodyPr wrap="square" rtlCol="0" anchor="t">
             <a:spAutoFit/>
           </a:bodyPr>
+          <a:lstStyle/>
           <a:p>
             <a:pPr>
               <a:spcAft>
@@ -25123,7 +24935,7 @@
           <p:nvPr/>
         </p:nvPicPr>
         <p:blipFill>
-          <a:blip r:embed="rId1" cstate="print">
+          <a:blip r:embed="rId2" cstate="print">
             <a:extLst>
               <a:ext uri="{28A0092B-C50C-407E-A947-70E740481C1C}">
                 <a14:useLocalDpi xmlns:a14="http://schemas.microsoft.com/office/drawing/2010/main" val="0"/>
@@ -25175,6 +24987,7 @@
           <a:bodyPr wrap="none" lIns="108850" tIns="54425" rIns="108850" bIns="54425" rtlCol="0">
             <a:spAutoFit/>
           </a:bodyPr>
+          <a:lstStyle/>
           <a:p>
             <a:r>
               <a:rPr lang="en-US" altLang="zh-CN" sz="2600" dirty="0" smtClean="0">
@@ -25195,11 +25008,11 @@
   <p:clrMapOvr>
     <a:masterClrMapping/>
   </p:clrMapOvr>
-  <mc:AlternateContent xmlns:mc="http://schemas.openxmlformats.org/markup-compatibility/2006">
-    <mc:Choice xmlns:p14="http://schemas.microsoft.com/office/powerpoint/2010/main" Requires="p14">
+  <mc:AlternateContent xmlns:mc="http://schemas.openxmlformats.org/markup-compatibility/2006" xmlns:p14="http://schemas.microsoft.com/office/powerpoint/2010/main">
+    <mc:Choice Requires="p14">
       <p:transition spd="slow" p14:dur="1600"/>
     </mc:Choice>
-    <mc:Fallback>
+    <mc:Fallback xmlns="">
       <p:transition spd="slow"/>
     </mc:Fallback>
   </mc:AlternateContent>
@@ -25459,7 +25272,14 @@
         <p:cNvGrpSpPr/>
         <p:nvPr/>
       </p:nvGrpSpPr>
-      <p:grpSpPr/>
+      <p:grpSpPr>
+        <a:xfrm>
+          <a:off x="0" y="0"/>
+          <a:ext cx="0" cy="0"/>
+          <a:chOff x="0" y="0"/>
+          <a:chExt cx="0" cy="0"/>
+        </a:xfrm>
+      </p:grpSpPr>
       <p:sp>
         <p:nvSpPr>
           <p:cNvPr id="2" name="标题 1"/>
@@ -25473,12 +25293,12 @@
         <p:spPr/>
         <p:txBody>
           <a:bodyPr/>
+          <a:lstStyle/>
           <a:p>
             <a:r>
               <a:rPr lang="zh-CN" altLang="en-US"/>
               <a:t>图片路径</a:t>
             </a:r>
-            <a:endParaRPr lang="zh-CN" altLang="en-US"/>
           </a:p>
         </p:txBody>
       </p:sp>
@@ -25495,6 +25315,7 @@
         <p:spPr/>
         <p:txBody>
           <a:bodyPr/>
+          <a:lstStyle/>
           <a:p>
             <a:r>
               <a:rPr lang="zh-CN" altLang="en-US">
@@ -25508,7 +25329,6 @@
               <a:rPr lang="zh-CN" altLang="en-US"/>
               <a:t>路径</a:t>
             </a:r>
-            <a:endParaRPr lang="zh-CN" altLang="en-US"/>
           </a:p>
           <a:p>
             <a:pPr lvl="1"/>
@@ -25518,9 +25338,6 @@
               </a:rPr>
               <a:t>相对路径是指相对当前文件或目录的路径。</a:t>
             </a:r>
-            <a:endParaRPr lang="zh-CN" altLang="en-US">
-              <a:sym typeface="+mn-ea"/>
-            </a:endParaRPr>
           </a:p>
           <a:p>
             <a:pPr lvl="1"/>
@@ -25532,11 +25349,6 @@
               </a:rPr>
               <a:t>相对路径规则：</a:t>
             </a:r>
-            <a:endParaRPr lang="zh-CN" altLang="en-US">
-              <a:latin typeface="微软雅黑" panose="020B0503020204020204" pitchFamily="34" charset="-122"/>
-              <a:ea typeface="微软雅黑" panose="020B0503020204020204" pitchFamily="34" charset="-122"/>
-              <a:sym typeface="+mn-ea"/>
-            </a:endParaRPr>
           </a:p>
           <a:p>
             <a:pPr lvl="2"/>
@@ -25594,9 +25406,6 @@
               </a:rPr>
               <a:t>"</a:t>
             </a:r>
-            <a:endParaRPr lang="zh-CN" altLang="en-US" dirty="0">
-              <a:sym typeface="+mn-ea"/>
-            </a:endParaRPr>
           </a:p>
           <a:p>
             <a:pPr lvl="2"/>
@@ -25666,9 +25475,6 @@
               </a:rPr>
               <a:t>名"</a:t>
             </a:r>
-            <a:endParaRPr lang="zh-CN" altLang="en-US" dirty="0">
-              <a:sym typeface="+mn-ea"/>
-            </a:endParaRPr>
           </a:p>
           <a:p>
             <a:pPr lvl="2"/>
@@ -25726,9 +25532,6 @@
               </a:rPr>
               <a:t>名"</a:t>
             </a:r>
-            <a:endParaRPr lang="zh-CN" altLang="en-US" dirty="0">
-              <a:sym typeface="+mn-ea"/>
-            </a:endParaRPr>
           </a:p>
           <a:p>
             <a:pPr lvl="2"/>
@@ -25753,12 +25556,6 @@
               </a:rPr>
               <a:t>文件夹被移动，其内部文件的相对路径不变。</a:t>
             </a:r>
-            <a:endParaRPr lang="zh-CN" altLang="en-US" dirty="0" smtClean="0">
-              <a:solidFill>
-                <a:schemeClr val="tx1"/>
-              </a:solidFill>
-              <a:sym typeface="+mn-ea"/>
-            </a:endParaRPr>
           </a:p>
         </p:txBody>
       </p:sp>
@@ -25771,7 +25568,7 @@
           <p:nvPr/>
         </p:nvPicPr>
         <p:blipFill>
-          <a:blip r:embed="rId1" cstate="print">
+          <a:blip r:embed="rId2" cstate="print">
             <a:extLst>
               <a:ext uri="{28A0092B-C50C-407E-A947-70E740481C1C}">
                 <a14:useLocalDpi xmlns:a14="http://schemas.microsoft.com/office/drawing/2010/main" val="0"/>
@@ -26300,11 +26097,11 @@
   <p:clrMapOvr>
     <a:masterClrMapping/>
   </p:clrMapOvr>
-  <mc:AlternateContent xmlns:mc="http://schemas.openxmlformats.org/markup-compatibility/2006">
-    <mc:Choice xmlns:p14="http://schemas.microsoft.com/office/powerpoint/2010/main" Requires="p14">
+  <mc:AlternateContent xmlns:mc="http://schemas.openxmlformats.org/markup-compatibility/2006" xmlns:p14="http://schemas.microsoft.com/office/powerpoint/2010/main">
+    <mc:Choice Requires="p14">
       <p:transition spd="slow" p14:dur="1600"/>
     </mc:Choice>
-    <mc:Fallback>
+    <mc:Fallback xmlns="">
       <p:transition spd="slow"/>
     </mc:Fallback>
   </mc:AlternateContent>
@@ -26651,13 +26448,6 @@
                 </a:rPr>
                 <a:t>本节内容</a:t>
               </a:r>
-              <a:endParaRPr lang="zh-CN" altLang="en-US" sz="4800" b="1" dirty="0">
-                <a:solidFill>
-                  <a:schemeClr val="bg1"/>
-                </a:solidFill>
-                <a:latin typeface="微软雅黑" panose="020B0503020204020204" pitchFamily="34" charset="-122"/>
-                <a:ea typeface="微软雅黑" panose="020B0503020204020204" pitchFamily="34" charset="-122"/>
-              </a:endParaRPr>
             </a:p>
           </p:txBody>
         </p:sp>
@@ -26716,6 +26506,7 @@
           </p:style>
           <p:txBody>
             <a:bodyPr rtlCol="0" anchor="ctr"/>
+            <a:lstStyle/>
             <a:p>
               <a:pPr algn="ctr"/>
               <a:endParaRPr lang="zh-CN" altLang="en-US"/>
@@ -26759,6 +26550,7 @@
           </p:style>
           <p:txBody>
             <a:bodyPr rtlCol="0" anchor="ctr"/>
+            <a:lstStyle/>
             <a:p>
               <a:pPr algn="ctr"/>
               <a:endParaRPr lang="zh-CN" altLang="en-US"/>
@@ -26802,6 +26594,7 @@
           </p:style>
           <p:txBody>
             <a:bodyPr rtlCol="0" anchor="ctr"/>
+            <a:lstStyle/>
             <a:p>
               <a:pPr algn="ctr"/>
               <a:endParaRPr lang="zh-CN" altLang="en-US"/>
@@ -27505,13 +27298,6 @@
                 </a:rPr>
                 <a:t>无序列表标签和有序列表标签</a:t>
               </a:r>
-              <a:endParaRPr lang="zh-CN" altLang="en-US" sz="2800" dirty="0">
-                <a:solidFill>
-                  <a:srgbClr val="595E64"/>
-                </a:solidFill>
-                <a:latin typeface="微软雅黑" panose="020B0503020204020204" pitchFamily="34" charset="-122"/>
-                <a:ea typeface="微软雅黑" panose="020B0503020204020204" pitchFamily="34" charset="-122"/>
-              </a:endParaRPr>
             </a:p>
           </p:txBody>
         </p:sp>
@@ -27579,7 +27365,14 @@
         <p:cNvGrpSpPr/>
         <p:nvPr/>
       </p:nvGrpSpPr>
-      <p:grpSpPr/>
+      <p:grpSpPr>
+        <a:xfrm>
+          <a:off x="0" y="0"/>
+          <a:ext cx="0" cy="0"/>
+          <a:chOff x="0" y="0"/>
+          <a:chExt cx="0" cy="0"/>
+        </a:xfrm>
+      </p:grpSpPr>
       <p:sp>
         <p:nvSpPr>
           <p:cNvPr id="2" name="标题 1"/>
@@ -27593,12 +27386,12 @@
         <p:spPr/>
         <p:txBody>
           <a:bodyPr/>
+          <a:lstStyle/>
           <a:p>
             <a:r>
               <a:rPr lang="zh-CN" altLang="en-US"/>
               <a:t>注意事项</a:t>
             </a:r>
-            <a:endParaRPr lang="zh-CN" altLang="en-US"/>
           </a:p>
         </p:txBody>
       </p:sp>
@@ -27620,6 +27413,7 @@
         </p:spPr>
         <p:txBody>
           <a:bodyPr/>
+          <a:lstStyle/>
           <a:p>
             <a:r>
               <a:rPr lang="zh-CN" altLang="en-US"/>
@@ -27638,14 +27432,12 @@
               <a:rPr lang="zh-CN" altLang="en-US"/>
               <a:t>图片文件单独存放在一个文件夹中</a:t>
             </a:r>
-            <a:endParaRPr lang="zh-CN" altLang="en-US"/>
           </a:p>
           <a:p>
             <a:r>
               <a:rPr lang="zh-CN" altLang="en-US"/>
               <a:t>图片文件夹与页面文件放在同一个目录下</a:t>
             </a:r>
-            <a:endParaRPr lang="zh-CN" altLang="en-US"/>
           </a:p>
         </p:txBody>
       </p:sp>
@@ -27658,7 +27450,7 @@
           <p:nvPr/>
         </p:nvPicPr>
         <p:blipFill>
-          <a:blip r:embed="rId1"/>
+          <a:blip r:embed="rId2"/>
           <a:stretch>
             <a:fillRect/>
           </a:stretch>
@@ -27678,14 +27470,21 @@
   <p:clrMapOvr>
     <a:masterClrMapping/>
   </p:clrMapOvr>
-  <mc:AlternateContent xmlns:mc="http://schemas.openxmlformats.org/markup-compatibility/2006">
-    <mc:Choice xmlns:p14="http://schemas.microsoft.com/office/powerpoint/2010/main" Requires="p14">
+  <mc:AlternateContent xmlns:mc="http://schemas.openxmlformats.org/markup-compatibility/2006" xmlns:p14="http://schemas.microsoft.com/office/powerpoint/2010/main">
+    <mc:Choice Requires="p14">
       <p:transition spd="slow" p14:dur="1600"/>
     </mc:Choice>
-    <mc:Fallback>
+    <mc:Fallback xmlns="">
       <p:transition spd="slow"/>
     </mc:Fallback>
   </mc:AlternateContent>
+  <p:timing>
+    <p:tnLst>
+      <p:par>
+        <p:cTn id="1" dur="indefinite" restart="never" nodeType="tmRoot"/>
+      </p:par>
+    </p:tnLst>
+  </p:timing>
 </p:sld>
 </file>
 
@@ -27798,13 +27597,6 @@
                 </a:rPr>
                 <a:t>本节内容</a:t>
               </a:r>
-              <a:endParaRPr lang="zh-CN" altLang="en-US" sz="4800" b="1" dirty="0">
-                <a:solidFill>
-                  <a:schemeClr val="bg1"/>
-                </a:solidFill>
-                <a:latin typeface="微软雅黑" panose="020B0503020204020204" pitchFamily="34" charset="-122"/>
-                <a:ea typeface="微软雅黑" panose="020B0503020204020204" pitchFamily="34" charset="-122"/>
-              </a:endParaRPr>
             </a:p>
           </p:txBody>
         </p:sp>
@@ -27863,6 +27655,7 @@
           </p:style>
           <p:txBody>
             <a:bodyPr rtlCol="0" anchor="ctr"/>
+            <a:lstStyle/>
             <a:p>
               <a:pPr algn="ctr"/>
               <a:endParaRPr lang="zh-CN" altLang="en-US"/>
@@ -27906,6 +27699,7 @@
           </p:style>
           <p:txBody>
             <a:bodyPr rtlCol="0" anchor="ctr"/>
+            <a:lstStyle/>
             <a:p>
               <a:pPr algn="ctr"/>
               <a:endParaRPr lang="zh-CN" altLang="en-US"/>
@@ -27949,6 +27743,7 @@
           </p:style>
           <p:txBody>
             <a:bodyPr rtlCol="0" anchor="ctr"/>
+            <a:lstStyle/>
             <a:p>
               <a:pPr algn="ctr"/>
               <a:endParaRPr lang="zh-CN" altLang="en-US"/>
@@ -28240,13 +28035,6 @@
                 </a:rPr>
                 <a:t>图片标签、相对路径和绝对路径</a:t>
               </a:r>
-              <a:endParaRPr lang="zh-CN" altLang="en-US" sz="2800" dirty="0" smtClean="0">
-                <a:solidFill>
-                  <a:srgbClr val="595E64"/>
-                </a:solidFill>
-                <a:latin typeface="微软雅黑" panose="020B0503020204020204" pitchFamily="34" charset="-122"/>
-                <a:ea typeface="微软雅黑" panose="020B0503020204020204" pitchFamily="34" charset="-122"/>
-              </a:endParaRPr>
             </a:p>
           </p:txBody>
         </p:sp>
@@ -28343,13 +28131,6 @@
                 </a:rPr>
                 <a:t>超链接标签</a:t>
               </a:r>
-              <a:endParaRPr lang="zh-CN" altLang="en-US" sz="2800" dirty="0" smtClean="0">
-                <a:solidFill>
-                  <a:srgbClr val="FF0000"/>
-                </a:solidFill>
-                <a:latin typeface="微软雅黑" panose="020B0503020204020204" pitchFamily="34" charset="-122"/>
-                <a:ea typeface="微软雅黑" panose="020B0503020204020204" pitchFamily="34" charset="-122"/>
-              </a:endParaRPr>
             </a:p>
           </p:txBody>
         </p:sp>
@@ -28502,7 +28283,6 @@
                 <a:rPr lang="zh-CN" altLang="en-US" dirty="0" smtClean="0"/>
                 <a:t>HTML语法基础</a:t>
               </a:r>
-              <a:endParaRPr lang="zh-CN" altLang="en-US" dirty="0" smtClean="0"/>
             </a:p>
           </p:txBody>
         </p:sp>
@@ -28648,13 +28428,6 @@
                 </a:rPr>
                 <a:t>无序列表标签和有序列表标签</a:t>
               </a:r>
-              <a:endParaRPr lang="zh-CN" altLang="en-US" sz="2800" dirty="0">
-                <a:solidFill>
-                  <a:srgbClr val="595E64"/>
-                </a:solidFill>
-                <a:latin typeface="微软雅黑" panose="020B0503020204020204" pitchFamily="34" charset="-122"/>
-                <a:ea typeface="微软雅黑" panose="020B0503020204020204" pitchFamily="34" charset="-122"/>
-              </a:endParaRPr>
             </a:p>
           </p:txBody>
         </p:sp>
@@ -28722,7 +28495,14 @@
         <p:cNvGrpSpPr/>
         <p:nvPr/>
       </p:nvGrpSpPr>
-      <p:grpSpPr/>
+      <p:grpSpPr>
+        <a:xfrm>
+          <a:off x="0" y="0"/>
+          <a:ext cx="0" cy="0"/>
+          <a:chOff x="0" y="0"/>
+          <a:chExt cx="0" cy="0"/>
+        </a:xfrm>
+      </p:grpSpPr>
       <p:sp>
         <p:nvSpPr>
           <p:cNvPr id="2" name="标题 1"/>
@@ -28736,12 +28516,12 @@
         <p:spPr/>
         <p:txBody>
           <a:bodyPr/>
+          <a:lstStyle/>
           <a:p>
             <a:r>
               <a:rPr lang="zh-CN" altLang="en-US"/>
               <a:t>超链接</a:t>
             </a:r>
-            <a:endParaRPr lang="zh-CN" altLang="en-US"/>
           </a:p>
         </p:txBody>
       </p:sp>
@@ -28758,6 +28538,7 @@
         <p:spPr/>
         <p:txBody>
           <a:bodyPr/>
+          <a:lstStyle/>
           <a:p>
             <a:r>
               <a:rPr lang="zh-CN" altLang="en-US">
@@ -28802,7 +28583,7 @@
           <p:nvPr/>
         </p:nvPicPr>
         <p:blipFill>
-          <a:blip r:embed="rId1">
+          <a:blip r:embed="rId2">
             <a:extLst>
               <a:ext uri="{28A0092B-C50C-407E-A947-70E740481C1C}">
                 <a14:useLocalDpi xmlns:a14="http://schemas.microsoft.com/office/drawing/2010/main" val="0"/>
@@ -28856,7 +28637,7 @@
           <p:nvPr/>
         </p:nvPicPr>
         <p:blipFill>
-          <a:blip r:embed="rId2">
+          <a:blip r:embed="rId3">
             <a:extLst>
               <a:ext uri="{28A0092B-C50C-407E-A947-70E740481C1C}">
                 <a14:useLocalDpi xmlns:a14="http://schemas.microsoft.com/office/drawing/2010/main" val="0"/>
@@ -28910,7 +28691,7 @@
           <p:nvPr/>
         </p:nvPicPr>
         <p:blipFill>
-          <a:blip r:embed="rId3">
+          <a:blip r:embed="rId4">
             <a:extLst>
               <a:ext uri="{28A0092B-C50C-407E-A947-70E740481C1C}">
                 <a14:useLocalDpi xmlns:a14="http://schemas.microsoft.com/office/drawing/2010/main" val="0"/>
@@ -28960,11 +28741,11 @@
   <p:clrMapOvr>
     <a:masterClrMapping/>
   </p:clrMapOvr>
-  <mc:AlternateContent xmlns:mc="http://schemas.openxmlformats.org/markup-compatibility/2006">
-    <mc:Choice xmlns:p14="http://schemas.microsoft.com/office/powerpoint/2010/main" Requires="p14">
+  <mc:AlternateContent xmlns:mc="http://schemas.openxmlformats.org/markup-compatibility/2006" xmlns:p14="http://schemas.microsoft.com/office/powerpoint/2010/main">
+    <mc:Choice Requires="p14">
       <p:transition spd="slow" p14:dur="1600"/>
     </mc:Choice>
-    <mc:Fallback>
+    <mc:Fallback xmlns="">
       <p:transition spd="slow"/>
     </mc:Fallback>
   </mc:AlternateContent>
@@ -29307,7 +29088,14 @@
         <p:cNvGrpSpPr/>
         <p:nvPr/>
       </p:nvGrpSpPr>
-      <p:grpSpPr/>
+      <p:grpSpPr>
+        <a:xfrm>
+          <a:off x="0" y="0"/>
+          <a:ext cx="0" cy="0"/>
+          <a:chOff x="0" y="0"/>
+          <a:chExt cx="0" cy="0"/>
+        </a:xfrm>
+      </p:grpSpPr>
       <p:sp>
         <p:nvSpPr>
           <p:cNvPr id="2" name="标题 1"/>
@@ -29321,12 +29109,12 @@
         <p:spPr/>
         <p:txBody>
           <a:bodyPr/>
+          <a:lstStyle/>
           <a:p>
             <a:r>
               <a:rPr lang="zh-CN" altLang="en-US"/>
               <a:t>超链接</a:t>
             </a:r>
-            <a:endParaRPr lang="zh-CN" altLang="en-US"/>
           </a:p>
         </p:txBody>
       </p:sp>
@@ -29348,6 +29136,7 @@
         </p:spPr>
         <p:txBody>
           <a:bodyPr/>
+          <a:lstStyle/>
           <a:p>
             <a:r>
               <a:rPr lang="zh-CN" altLang="en-US">
@@ -30173,11 +29962,11 @@
   <p:clrMapOvr>
     <a:masterClrMapping/>
   </p:clrMapOvr>
-  <mc:AlternateContent xmlns:mc="http://schemas.openxmlformats.org/markup-compatibility/2006">
-    <mc:Choice xmlns:p14="http://schemas.microsoft.com/office/powerpoint/2010/main" Requires="p14">
+  <mc:AlternateContent xmlns:mc="http://schemas.openxmlformats.org/markup-compatibility/2006" xmlns:p14="http://schemas.microsoft.com/office/powerpoint/2010/main">
+    <mc:Choice Requires="p14">
       <p:transition spd="slow" p14:dur="1600"/>
     </mc:Choice>
-    <mc:Fallback>
+    <mc:Fallback xmlns="">
       <p:transition spd="slow"/>
     </mc:Fallback>
   </mc:AlternateContent>
@@ -30552,7 +30341,14 @@
         <p:cNvGrpSpPr/>
         <p:nvPr/>
       </p:nvGrpSpPr>
-      <p:grpSpPr/>
+      <p:grpSpPr>
+        <a:xfrm>
+          <a:off x="0" y="0"/>
+          <a:ext cx="0" cy="0"/>
+          <a:chOff x="0" y="0"/>
+          <a:chExt cx="0" cy="0"/>
+        </a:xfrm>
+      </p:grpSpPr>
       <p:sp>
         <p:nvSpPr>
           <p:cNvPr id="2" name="标题 1"/>
@@ -30566,12 +30362,12 @@
         <p:spPr/>
         <p:txBody>
           <a:bodyPr/>
+          <a:lstStyle/>
           <a:p>
             <a:r>
               <a:rPr lang="zh-CN" altLang="en-US"/>
               <a:t>超链接</a:t>
             </a:r>
-            <a:endParaRPr lang="zh-CN" altLang="en-US"/>
           </a:p>
         </p:txBody>
       </p:sp>
@@ -30588,12 +30384,12 @@
         <p:spPr/>
         <p:txBody>
           <a:bodyPr/>
+          <a:lstStyle/>
           <a:p>
             <a:r>
               <a:rPr lang="zh-CN" altLang="en-US"/>
               <a:t>代码</a:t>
             </a:r>
-            <a:endParaRPr lang="zh-CN" altLang="en-US"/>
           </a:p>
         </p:txBody>
       </p:sp>
@@ -30799,11 +30595,6 @@
               </a:rPr>
               <a:t>&lt;body&gt;</a:t>
             </a:r>
-            <a:endParaRPr lang="en-US" altLang="zh-CN" sz="2400" dirty="0" smtClean="0">
-              <a:solidFill>
-                <a:srgbClr val="0000FF"/>
-              </a:solidFill>
-            </a:endParaRPr>
           </a:p>
           <a:p>
             <a:pPr marL="400050" lvl="1" indent="0">
@@ -30817,7 +30608,6 @@
               <a:rPr lang="zh-CN" altLang="en-US" sz="2400" dirty="0" smtClean="0"/>
               <a:t>这是一个超链接：</a:t>
             </a:r>
-            <a:endParaRPr lang="zh-CN" altLang="en-US" sz="2400" dirty="0" smtClean="0"/>
           </a:p>
           <a:p>
             <a:pPr marL="400050" lvl="1" indent="0">
@@ -30902,11 +30692,6 @@
               </a:rPr>
               <a:t>a&gt;</a:t>
             </a:r>
-            <a:endParaRPr lang="en-US" altLang="zh-CN" sz="2400" dirty="0" smtClean="0">
-              <a:solidFill>
-                <a:srgbClr val="0000FF"/>
-              </a:solidFill>
-            </a:endParaRPr>
           </a:p>
           <a:p>
             <a:pPr marL="400050" lvl="1" indent="0">
@@ -30944,11 +30729,6 @@
               </a:rPr>
               <a:t>/&gt;</a:t>
             </a:r>
-            <a:endParaRPr lang="en-US" altLang="zh-CN" sz="2400" dirty="0" smtClean="0">
-              <a:solidFill>
-                <a:srgbClr val="0000FF"/>
-              </a:solidFill>
-            </a:endParaRPr>
           </a:p>
           <a:p>
             <a:pPr marL="400050" lvl="1" indent="0">
@@ -30962,7 +30742,6 @@
               <a:rPr lang="zh-CN" altLang="en-US" sz="2400" dirty="0" smtClean="0"/>
               <a:t>您也可以使用图像来作链接：</a:t>
             </a:r>
-            <a:endParaRPr lang="zh-CN" altLang="en-US" sz="2400" dirty="0" smtClean="0"/>
           </a:p>
           <a:p>
             <a:pPr marL="400050" lvl="1" indent="0">
@@ -31024,11 +30803,6 @@
               </a:rPr>
               <a:t>&gt;</a:t>
             </a:r>
-            <a:endParaRPr lang="en-US" altLang="zh-CN" sz="2400" dirty="0" smtClean="0">
-              <a:solidFill>
-                <a:srgbClr val="0000FF"/>
-              </a:solidFill>
-            </a:endParaRPr>
           </a:p>
           <a:p>
             <a:pPr marL="400050" lvl="1" indent="0">
@@ -31094,11 +30868,6 @@
               </a:rPr>
               <a:t>/&gt;</a:t>
             </a:r>
-            <a:endParaRPr lang="en-US" altLang="zh-CN" sz="2400" dirty="0" smtClean="0">
-              <a:solidFill>
-                <a:srgbClr val="0000FF"/>
-              </a:solidFill>
-            </a:endParaRPr>
           </a:p>
           <a:p>
             <a:pPr marL="400050" lvl="1" indent="0">
@@ -31116,11 +30885,6 @@
               </a:rPr>
               <a:t>&lt;/a&gt;</a:t>
             </a:r>
-            <a:endParaRPr lang="en-US" altLang="zh-CN" sz="2400" dirty="0" smtClean="0">
-              <a:solidFill>
-                <a:srgbClr val="0000FF"/>
-              </a:solidFill>
-            </a:endParaRPr>
           </a:p>
           <a:p>
             <a:pPr marL="0" indent="0">
@@ -31166,6 +30930,7 @@
           <a:bodyPr wrap="none" lIns="108850" tIns="54425" rIns="108850" bIns="54425" rtlCol="0">
             <a:spAutoFit/>
           </a:bodyPr>
+          <a:lstStyle/>
           <a:p>
             <a:r>
               <a:rPr lang="en-US" altLang="zh-CN" sz="2600" dirty="0" smtClean="0">
@@ -31186,14 +30951,21 @@
   <p:clrMapOvr>
     <a:masterClrMapping/>
   </p:clrMapOvr>
-  <mc:AlternateContent xmlns:mc="http://schemas.openxmlformats.org/markup-compatibility/2006">
-    <mc:Choice xmlns:p14="http://schemas.microsoft.com/office/powerpoint/2010/main" Requires="p14">
+  <mc:AlternateContent xmlns:mc="http://schemas.openxmlformats.org/markup-compatibility/2006" xmlns:p14="http://schemas.microsoft.com/office/powerpoint/2010/main">
+    <mc:Choice Requires="p14">
       <p:transition spd="slow" p14:dur="1600"/>
     </mc:Choice>
-    <mc:Fallback>
+    <mc:Fallback xmlns="">
       <p:transition spd="slow"/>
     </mc:Fallback>
   </mc:AlternateContent>
+  <p:timing>
+    <p:tnLst>
+      <p:par>
+        <p:cTn id="1" dur="indefinite" restart="never" nodeType="tmRoot"/>
+      </p:par>
+    </p:tnLst>
+  </p:timing>
 </p:sld>
 </file>
 
@@ -31306,13 +31078,6 @@
                 </a:rPr>
                 <a:t>本节内容</a:t>
               </a:r>
-              <a:endParaRPr lang="zh-CN" altLang="en-US" sz="4800" b="1" dirty="0">
-                <a:solidFill>
-                  <a:schemeClr val="bg1"/>
-                </a:solidFill>
-                <a:latin typeface="微软雅黑" panose="020B0503020204020204" pitchFamily="34" charset="-122"/>
-                <a:ea typeface="微软雅黑" panose="020B0503020204020204" pitchFamily="34" charset="-122"/>
-              </a:endParaRPr>
             </a:p>
           </p:txBody>
         </p:sp>
@@ -31371,6 +31136,7 @@
           </p:style>
           <p:txBody>
             <a:bodyPr rtlCol="0" anchor="ctr"/>
+            <a:lstStyle/>
             <a:p>
               <a:pPr algn="ctr"/>
               <a:endParaRPr lang="zh-CN" altLang="en-US"/>
@@ -31414,6 +31180,7 @@
           </p:style>
           <p:txBody>
             <a:bodyPr rtlCol="0" anchor="ctr"/>
+            <a:lstStyle/>
             <a:p>
               <a:pPr algn="ctr"/>
               <a:endParaRPr lang="zh-CN" altLang="en-US"/>
@@ -31457,6 +31224,7 @@
           </p:style>
           <p:txBody>
             <a:bodyPr rtlCol="0" anchor="ctr"/>
+            <a:lstStyle/>
             <a:p>
               <a:pPr algn="ctr"/>
               <a:endParaRPr lang="zh-CN" altLang="en-US"/>
@@ -31748,13 +31516,6 @@
                 </a:rPr>
                 <a:t>图片标签、相对路径和绝对路径</a:t>
               </a:r>
-              <a:endParaRPr lang="zh-CN" altLang="en-US" sz="2800" dirty="0" smtClean="0">
-                <a:solidFill>
-                  <a:srgbClr val="595E64"/>
-                </a:solidFill>
-                <a:latin typeface="微软雅黑" panose="020B0503020204020204" pitchFamily="34" charset="-122"/>
-                <a:ea typeface="微软雅黑" panose="020B0503020204020204" pitchFamily="34" charset="-122"/>
-              </a:endParaRPr>
             </a:p>
           </p:txBody>
         </p:sp>
@@ -31851,13 +31612,6 @@
                 </a:rPr>
                 <a:t>超链接标签</a:t>
               </a:r>
-              <a:endParaRPr lang="zh-CN" altLang="en-US" sz="2800" dirty="0" smtClean="0">
-                <a:solidFill>
-                  <a:srgbClr val="595E64"/>
-                </a:solidFill>
-                <a:latin typeface="微软雅黑" panose="020B0503020204020204" pitchFamily="34" charset="-122"/>
-                <a:ea typeface="微软雅黑" panose="020B0503020204020204" pitchFamily="34" charset="-122"/>
-              </a:endParaRPr>
             </a:p>
           </p:txBody>
         </p:sp>
@@ -32010,7 +31764,6 @@
                 <a:rPr lang="zh-CN" altLang="en-US" dirty="0" smtClean="0"/>
                 <a:t>HTML语法基础</a:t>
               </a:r>
-              <a:endParaRPr lang="zh-CN" altLang="en-US" dirty="0" smtClean="0"/>
             </a:p>
           </p:txBody>
         </p:sp>
@@ -32156,13 +31909,6 @@
                 </a:rPr>
                 <a:t>无序列表标签和有序列表标签</a:t>
               </a:r>
-              <a:endParaRPr lang="zh-CN" altLang="en-US" sz="2800" dirty="0">
-                <a:solidFill>
-                  <a:srgbClr val="FF0000"/>
-                </a:solidFill>
-                <a:latin typeface="微软雅黑" panose="020B0503020204020204" pitchFamily="34" charset="-122"/>
-                <a:ea typeface="微软雅黑" panose="020B0503020204020204" pitchFamily="34" charset="-122"/>
-              </a:endParaRPr>
             </a:p>
           </p:txBody>
         </p:sp>
@@ -32230,7 +31976,14 @@
         <p:cNvGrpSpPr/>
         <p:nvPr/>
       </p:nvGrpSpPr>
-      <p:grpSpPr/>
+      <p:grpSpPr>
+        <a:xfrm>
+          <a:off x="0" y="0"/>
+          <a:ext cx="0" cy="0"/>
+          <a:chOff x="0" y="0"/>
+          <a:chExt cx="0" cy="0"/>
+        </a:xfrm>
+      </p:grpSpPr>
       <p:sp>
         <p:nvSpPr>
           <p:cNvPr id="2" name="标题 1"/>
@@ -32244,12 +31997,12 @@
         <p:spPr/>
         <p:txBody>
           <a:bodyPr/>
+          <a:lstStyle/>
           <a:p>
             <a:r>
               <a:rPr lang="zh-CN" altLang="en-US"/>
               <a:t>列表</a:t>
             </a:r>
-            <a:endParaRPr lang="zh-CN" altLang="en-US"/>
           </a:p>
         </p:txBody>
       </p:sp>
@@ -32266,6 +32019,7 @@
         <p:spPr/>
         <p:txBody>
           <a:bodyPr/>
+          <a:lstStyle/>
           <a:p>
             <a:r>
               <a:rPr lang="zh-CN" altLang="en-US">
@@ -32284,9 +32038,6 @@
               </a:rPr>
               <a:t>HTML 支持无序列表、有序列表</a:t>
             </a:r>
-            <a:endParaRPr lang="zh-CN" altLang="en-US">
-              <a:sym typeface="+mn-ea"/>
-            </a:endParaRPr>
           </a:p>
           <a:p>
             <a:pPr lvl="1"/>
@@ -32317,9 +32068,6 @@
               </a:rPr>
               <a:t>。</a:t>
             </a:r>
-            <a:endParaRPr lang="zh-CN" altLang="en-US" smtClean="0">
-              <a:sym typeface="+mn-ea"/>
-            </a:endParaRPr>
           </a:p>
           <a:p>
             <a:pPr lvl="1"/>
@@ -32370,7 +32118,7 @@
           <p:nvPr/>
         </p:nvPicPr>
         <p:blipFill>
-          <a:blip r:embed="rId1">
+          <a:blip r:embed="rId2">
             <a:extLst>
               <a:ext uri="{28A0092B-C50C-407E-A947-70E740481C1C}">
                 <a14:useLocalDpi xmlns:a14="http://schemas.microsoft.com/office/drawing/2010/main" val="0"/>
@@ -32449,6 +32197,7 @@
             <a:bodyPr wrap="none" rtlCol="0">
               <a:spAutoFit/>
             </a:bodyPr>
+            <a:lstStyle/>
             <a:p>
               <a:r>
                 <a:rPr lang="zh-CN" altLang="en-US" sz="2400" dirty="0" smtClean="0">
@@ -32520,7 +32269,7 @@
           <p:nvPr/>
         </p:nvPicPr>
         <p:blipFill>
-          <a:blip r:embed="rId2">
+          <a:blip r:embed="rId3">
             <a:extLst>
               <a:ext uri="{28A0092B-C50C-407E-A947-70E740481C1C}">
                 <a14:useLocalDpi xmlns:a14="http://schemas.microsoft.com/office/drawing/2010/main" val="0"/>
@@ -32585,6 +32334,7 @@
           <a:bodyPr wrap="none" rtlCol="0">
             <a:spAutoFit/>
           </a:bodyPr>
+          <a:lstStyle/>
           <a:p>
             <a:r>
               <a:rPr lang="zh-CN" altLang="en-US" sz="2400" dirty="0">
@@ -32661,11 +32411,11 @@
   <p:clrMapOvr>
     <a:masterClrMapping/>
   </p:clrMapOvr>
-  <mc:AlternateContent xmlns:mc="http://schemas.openxmlformats.org/markup-compatibility/2006">
-    <mc:Choice xmlns:p14="http://schemas.microsoft.com/office/powerpoint/2010/main" Requires="p14">
+  <mc:AlternateContent xmlns:mc="http://schemas.openxmlformats.org/markup-compatibility/2006" xmlns:p14="http://schemas.microsoft.com/office/powerpoint/2010/main">
+    <mc:Choice Requires="p14">
       <p:transition spd="slow" p14:dur="1600"/>
     </mc:Choice>
-    <mc:Fallback>
+    <mc:Fallback xmlns="">
       <p:transition spd="slow"/>
     </mc:Fallback>
   </mc:AlternateContent>
@@ -32961,7 +32711,14 @@
         <p:cNvGrpSpPr/>
         <p:nvPr/>
       </p:nvGrpSpPr>
-      <p:grpSpPr/>
+      <p:grpSpPr>
+        <a:xfrm>
+          <a:off x="0" y="0"/>
+          <a:ext cx="0" cy="0"/>
+          <a:chOff x="0" y="0"/>
+          <a:chExt cx="0" cy="0"/>
+        </a:xfrm>
+      </p:grpSpPr>
       <p:sp>
         <p:nvSpPr>
           <p:cNvPr id="2" name="标题 1"/>
@@ -32975,12 +32732,12 @@
         <p:spPr/>
         <p:txBody>
           <a:bodyPr/>
+          <a:lstStyle/>
           <a:p>
             <a:r>
               <a:rPr lang="zh-CN" altLang="en-US"/>
               <a:t>无序列表</a:t>
             </a:r>
-            <a:endParaRPr lang="zh-CN" altLang="en-US"/>
           </a:p>
         </p:txBody>
       </p:sp>
@@ -32997,6 +32754,7 @@
         <p:spPr/>
         <p:txBody>
           <a:bodyPr/>
+          <a:lstStyle/>
           <a:p>
             <a:r>
               <a:rPr lang="zh-CN" altLang="en-US">
@@ -33109,9 +32867,6 @@
               </a:rPr>
               <a:t>。</a:t>
             </a:r>
-            <a:endParaRPr lang="zh-CN" altLang="en-US" smtClean="0">
-              <a:sym typeface="+mn-ea"/>
-            </a:endParaRPr>
           </a:p>
           <a:p>
             <a:r>
@@ -33156,6 +32911,7 @@
           <a:bodyPr wrap="none" rtlCol="0">
             <a:spAutoFit/>
           </a:bodyPr>
+          <a:lstStyle/>
           <a:p>
             <a:r>
               <a:rPr lang="zh-CN" altLang="en-US" sz="2400" dirty="0" smtClean="0">
@@ -33197,6 +32953,7 @@
           <a:bodyPr wrap="none" rtlCol="0">
             <a:spAutoFit/>
           </a:bodyPr>
+          <a:lstStyle/>
           <a:p>
             <a:r>
               <a:rPr lang="zh-CN" altLang="en-US" sz="2400" dirty="0" smtClean="0">
@@ -33227,7 +32984,7 @@
           <p:nvPr/>
         </p:nvPicPr>
         <p:blipFill>
-          <a:blip r:embed="rId1">
+          <a:blip r:embed="rId2">
             <a:extLst>
               <a:ext uri="{28A0092B-C50C-407E-A947-70E740481C1C}">
                 <a14:useLocalDpi xmlns:a14="http://schemas.microsoft.com/office/drawing/2010/main" val="0"/>
@@ -33291,7 +33048,7 @@
           <p:nvPr/>
         </p:nvPicPr>
         <p:blipFill>
-          <a:blip r:embed="rId2">
+          <a:blip r:embed="rId3">
             <a:extLst>
               <a:ext uri="{28A0092B-C50C-407E-A947-70E740481C1C}">
                 <a14:useLocalDpi xmlns:a14="http://schemas.microsoft.com/office/drawing/2010/main" val="0"/>
@@ -33362,6 +33119,7 @@
           <a:bodyPr wrap="none" lIns="108850" tIns="54425" rIns="108850" bIns="54425" rtlCol="0">
             <a:spAutoFit/>
           </a:bodyPr>
+          <a:lstStyle/>
           <a:p>
             <a:r>
               <a:rPr lang="en-US" altLang="zh-CN" sz="2600" dirty="0" smtClean="0">
@@ -33382,11 +33140,11 @@
   <p:clrMapOvr>
     <a:masterClrMapping/>
   </p:clrMapOvr>
-  <mc:AlternateContent xmlns:mc="http://schemas.openxmlformats.org/markup-compatibility/2006">
-    <mc:Choice xmlns:p14="http://schemas.microsoft.com/office/powerpoint/2010/main" Requires="p14">
+  <mc:AlternateContent xmlns:mc="http://schemas.openxmlformats.org/markup-compatibility/2006" xmlns:p14="http://schemas.microsoft.com/office/powerpoint/2010/main">
+    <mc:Choice Requires="p14">
       <p:transition spd="slow" p14:dur="1600"/>
     </mc:Choice>
-    <mc:Fallback>
+    <mc:Fallback xmlns="">
       <p:transition spd="slow"/>
     </mc:Fallback>
   </mc:AlternateContent>
@@ -33612,7 +33370,14 @@
         <p:cNvGrpSpPr/>
         <p:nvPr/>
       </p:nvGrpSpPr>
-      <p:grpSpPr/>
+      <p:grpSpPr>
+        <a:xfrm>
+          <a:off x="0" y="0"/>
+          <a:ext cx="0" cy="0"/>
+          <a:chOff x="0" y="0"/>
+          <a:chExt cx="0" cy="0"/>
+        </a:xfrm>
+      </p:grpSpPr>
       <p:sp>
         <p:nvSpPr>
           <p:cNvPr id="2" name="标题 1"/>
@@ -33626,12 +33391,12 @@
         <p:spPr/>
         <p:txBody>
           <a:bodyPr/>
+          <a:lstStyle/>
           <a:p>
             <a:r>
               <a:rPr lang="zh-CN" altLang="en-US"/>
               <a:t>有序列表</a:t>
             </a:r>
-            <a:endParaRPr lang="zh-CN" altLang="en-US"/>
           </a:p>
         </p:txBody>
       </p:sp>
@@ -33648,6 +33413,7 @@
         <p:spPr/>
         <p:txBody>
           <a:bodyPr/>
+          <a:lstStyle/>
           <a:p>
             <a:r>
               <a:rPr lang="zh-CN" altLang="en-US">
@@ -33751,9 +33517,6 @@
               </a:rPr>
               <a:t>。</a:t>
             </a:r>
-            <a:endParaRPr lang="zh-CN" altLang="en-US" smtClean="0">
-              <a:sym typeface="+mn-ea"/>
-            </a:endParaRPr>
           </a:p>
           <a:p>
             <a:r>
@@ -33798,6 +33561,7 @@
           <a:bodyPr wrap="none" rtlCol="0">
             <a:spAutoFit/>
           </a:bodyPr>
+          <a:lstStyle/>
           <a:p>
             <a:r>
               <a:rPr lang="zh-CN" altLang="en-US" sz="2400" dirty="0" smtClean="0">
@@ -33839,6 +33603,7 @@
           <a:bodyPr wrap="none" rtlCol="0">
             <a:spAutoFit/>
           </a:bodyPr>
+          <a:lstStyle/>
           <a:p>
             <a:r>
               <a:rPr lang="zh-CN" altLang="en-US" sz="2400" dirty="0" smtClean="0">
@@ -33869,7 +33634,7 @@
           <p:nvPr/>
         </p:nvPicPr>
         <p:blipFill>
-          <a:blip r:embed="rId1">
+          <a:blip r:embed="rId2">
             <a:extLst>
               <a:ext uri="{28A0092B-C50C-407E-A947-70E740481C1C}">
                 <a14:useLocalDpi xmlns:a14="http://schemas.microsoft.com/office/drawing/2010/main" val="0"/>
@@ -33933,7 +33698,7 @@
           <p:nvPr/>
         </p:nvPicPr>
         <p:blipFill>
-          <a:blip r:embed="rId2">
+          <a:blip r:embed="rId3">
             <a:extLst>
               <a:ext uri="{28A0092B-C50C-407E-A947-70E740481C1C}">
                 <a14:useLocalDpi xmlns:a14="http://schemas.microsoft.com/office/drawing/2010/main" val="0"/>
@@ -34004,6 +33769,7 @@
           <a:bodyPr wrap="none" lIns="108850" tIns="54425" rIns="108850" bIns="54425" rtlCol="0">
             <a:spAutoFit/>
           </a:bodyPr>
+          <a:lstStyle/>
           <a:p>
             <a:r>
               <a:rPr lang="en-US" altLang="zh-CN" sz="2600" dirty="0" smtClean="0">
@@ -34024,11 +33790,11 @@
   <p:clrMapOvr>
     <a:masterClrMapping/>
   </p:clrMapOvr>
-  <mc:AlternateContent xmlns:mc="http://schemas.openxmlformats.org/markup-compatibility/2006">
-    <mc:Choice xmlns:p14="http://schemas.microsoft.com/office/powerpoint/2010/main" Requires="p14">
+  <mc:AlternateContent xmlns:mc="http://schemas.openxmlformats.org/markup-compatibility/2006" xmlns:p14="http://schemas.microsoft.com/office/powerpoint/2010/main">
+    <mc:Choice Requires="p14">
       <p:transition spd="slow" p14:dur="1600"/>
     </mc:Choice>
-    <mc:Fallback>
+    <mc:Fallback xmlns="">
       <p:transition spd="slow"/>
     </mc:Fallback>
   </mc:AlternateContent>
@@ -34354,13 +34120,6 @@
                 </a:rPr>
                 <a:t>本节内容</a:t>
               </a:r>
-              <a:endParaRPr lang="zh-CN" altLang="en-US" sz="4800" b="1" dirty="0">
-                <a:solidFill>
-                  <a:schemeClr val="bg1"/>
-                </a:solidFill>
-                <a:latin typeface="微软雅黑" panose="020B0503020204020204" pitchFamily="34" charset="-122"/>
-                <a:ea typeface="微软雅黑" panose="020B0503020204020204" pitchFamily="34" charset="-122"/>
-              </a:endParaRPr>
             </a:p>
           </p:txBody>
         </p:sp>
@@ -34419,6 +34178,7 @@
           </p:style>
           <p:txBody>
             <a:bodyPr rtlCol="0" anchor="ctr"/>
+            <a:lstStyle/>
             <a:p>
               <a:pPr algn="ctr"/>
               <a:endParaRPr lang="zh-CN" altLang="en-US"/>
@@ -34462,6 +34222,7 @@
           </p:style>
           <p:txBody>
             <a:bodyPr rtlCol="0" anchor="ctr"/>
+            <a:lstStyle/>
             <a:p>
               <a:pPr algn="ctr"/>
               <a:endParaRPr lang="zh-CN" altLang="en-US"/>
@@ -34505,6 +34266,7 @@
           </p:style>
           <p:txBody>
             <a:bodyPr rtlCol="0" anchor="ctr"/>
+            <a:lstStyle/>
             <a:p>
               <a:pPr algn="ctr"/>
               <a:endParaRPr lang="zh-CN" altLang="en-US"/>
@@ -34796,13 +34558,6 @@
                 </a:rPr>
                 <a:t>图片标签、相对路径和绝对路径</a:t>
               </a:r>
-              <a:endParaRPr lang="zh-CN" altLang="en-US" sz="2800" dirty="0" smtClean="0">
-                <a:solidFill>
-                  <a:srgbClr val="595E64"/>
-                </a:solidFill>
-                <a:latin typeface="微软雅黑" panose="020B0503020204020204" pitchFamily="34" charset="-122"/>
-                <a:ea typeface="微软雅黑" panose="020B0503020204020204" pitchFamily="34" charset="-122"/>
-              </a:endParaRPr>
             </a:p>
           </p:txBody>
         </p:sp>
@@ -34899,13 +34654,6 @@
                 </a:rPr>
                 <a:t>超链接标签</a:t>
               </a:r>
-              <a:endParaRPr lang="zh-CN" altLang="en-US" sz="2800" dirty="0" smtClean="0">
-                <a:solidFill>
-                  <a:srgbClr val="595E64"/>
-                </a:solidFill>
-                <a:latin typeface="微软雅黑" panose="020B0503020204020204" pitchFamily="34" charset="-122"/>
-                <a:ea typeface="微软雅黑" panose="020B0503020204020204" pitchFamily="34" charset="-122"/>
-              </a:endParaRPr>
             </a:p>
           </p:txBody>
         </p:sp>
@@ -35058,7 +34806,6 @@
                 <a:rPr lang="zh-CN" altLang="en-US" dirty="0" smtClean="0"/>
                 <a:t>HTML语法基础</a:t>
               </a:r>
-              <a:endParaRPr lang="zh-CN" altLang="en-US" dirty="0" smtClean="0"/>
             </a:p>
           </p:txBody>
         </p:sp>
@@ -35109,13 +34856,6 @@
                 </a:rPr>
                 <a:t>注意事项与编码规范</a:t>
               </a:r>
-              <a:endParaRPr lang="zh-CN" altLang="en-US" sz="2800" dirty="0" smtClean="0">
-                <a:solidFill>
-                  <a:srgbClr val="FF0000"/>
-                </a:solidFill>
-                <a:latin typeface="微软雅黑" panose="020B0503020204020204" pitchFamily="34" charset="-122"/>
-                <a:ea typeface="微软雅黑" panose="020B0503020204020204" pitchFamily="34" charset="-122"/>
-              </a:endParaRPr>
             </a:p>
           </p:txBody>
         </p:sp>
@@ -35278,7 +35018,14 @@
         <p:cNvGrpSpPr/>
         <p:nvPr/>
       </p:nvGrpSpPr>
-      <p:grpSpPr/>
+      <p:grpSpPr>
+        <a:xfrm>
+          <a:off x="0" y="0"/>
+          <a:ext cx="0" cy="0"/>
+          <a:chOff x="0" y="0"/>
+          <a:chExt cx="0" cy="0"/>
+        </a:xfrm>
+      </p:grpSpPr>
       <p:sp>
         <p:nvSpPr>
           <p:cNvPr id="2" name="标题 1"/>
@@ -35292,12 +35039,12 @@
         <p:spPr/>
         <p:txBody>
           <a:bodyPr/>
+          <a:lstStyle/>
           <a:p>
             <a:r>
               <a:rPr lang="zh-CN" altLang="en-US"/>
               <a:t>网页浏览过程</a:t>
             </a:r>
-            <a:endParaRPr lang="zh-CN" altLang="en-US"/>
           </a:p>
         </p:txBody>
       </p:sp>
@@ -35316,6 +35063,7 @@
           <a:bodyPr>
             <a:normAutofit lnSpcReduction="10000"/>
           </a:bodyPr>
+          <a:lstStyle/>
           <a:p>
             <a:pPr lvl="1"/>
             <a:endParaRPr lang="zh-CN" altLang="en-US">
@@ -35340,7 +35088,7 @@
           <p:nvPr/>
         </p:nvPicPr>
         <p:blipFill>
-          <a:blip r:embed="rId1" cstate="print">
+          <a:blip r:embed="rId2" cstate="print">
             <a:extLst>
               <a:ext uri="{28A0092B-C50C-407E-A947-70E740481C1C}">
                 <a14:useLocalDpi xmlns:a14="http://schemas.microsoft.com/office/drawing/2010/main" val="0"/>
@@ -35730,6 +35478,7 @@
         </p:spPr>
         <p:txBody>
           <a:bodyPr/>
+          <a:lstStyle/>
           <a:p>
             <a:endParaRPr lang="zh-CN" altLang="en-US"/>
           </a:p>
@@ -35789,6 +35538,7 @@
           <a:bodyPr wrap="square">
             <a:spAutoFit/>
           </a:bodyPr>
+          <a:lstStyle/>
           <a:p>
             <a:pPr>
               <a:defRPr/>
@@ -35831,10 +35581,6 @@
               </a:rPr>
               <a:t>传送给我</a:t>
             </a:r>
-            <a:endParaRPr lang="zh-CN" altLang="en-US" sz="2400" dirty="0">
-              <a:latin typeface="微软雅黑" panose="020B0503020204020204" pitchFamily="34" charset="-122"/>
-              <a:ea typeface="微软雅黑" panose="020B0503020204020204" pitchFamily="34" charset="-122"/>
-            </a:endParaRPr>
           </a:p>
         </p:txBody>
       </p:sp>
@@ -35858,6 +35604,7 @@
           <a:bodyPr wrap="square">
             <a:spAutoFit/>
           </a:bodyPr>
+          <a:lstStyle/>
           <a:p>
             <a:pPr>
               <a:defRPr/>
@@ -35907,10 +35654,6 @@
               </a:rPr>
               <a:t>传送给你</a:t>
             </a:r>
-            <a:endParaRPr lang="zh-CN" altLang="en-US" sz="2400" dirty="0">
-              <a:latin typeface="微软雅黑" panose="020B0503020204020204" pitchFamily="34" charset="-122"/>
-              <a:ea typeface="微软雅黑" panose="020B0503020204020204" pitchFamily="34" charset="-122"/>
-            </a:endParaRPr>
           </a:p>
         </p:txBody>
       </p:sp>
@@ -35968,6 +35711,7 @@
           <a:bodyPr>
             <a:spAutoFit/>
           </a:bodyPr>
+          <a:lstStyle/>
           <a:p>
             <a:pPr>
               <a:defRPr/>
@@ -36024,13 +35768,6 @@
               </a:rPr>
               <a:t>网页</a:t>
             </a:r>
-            <a:endParaRPr lang="zh-CN" altLang="en-US" sz="2400" b="1" dirty="0">
-              <a:solidFill>
-                <a:srgbClr val="FF0000"/>
-              </a:solidFill>
-              <a:latin typeface="微软雅黑" panose="020B0503020204020204" pitchFamily="34" charset="-122"/>
-              <a:ea typeface="微软雅黑" panose="020B0503020204020204" pitchFamily="34" charset="-122"/>
-            </a:endParaRPr>
           </a:p>
         </p:txBody>
       </p:sp>
@@ -36054,6 +35791,7 @@
           <a:bodyPr>
             <a:spAutoFit/>
           </a:bodyPr>
+          <a:lstStyle/>
           <a:p>
             <a:pPr>
               <a:defRPr/>
@@ -36169,6 +35907,7 @@
         </p:style>
         <p:txBody>
           <a:bodyPr rtlCol="0" anchor="ctr"/>
+          <a:lstStyle/>
           <a:p>
             <a:pPr algn="ctr"/>
             <a:r>
@@ -36194,7 +35933,7 @@
           <p:nvPr/>
         </p:nvPicPr>
         <p:blipFill>
-          <a:blip r:embed="rId2">
+          <a:blip r:embed="rId3">
             <a:extLst>
               <a:ext uri="{28A0092B-C50C-407E-A947-70E740481C1C}">
                 <a14:useLocalDpi xmlns:a14="http://schemas.microsoft.com/office/drawing/2010/main" val="0"/>
@@ -36259,6 +35998,7 @@
           <a:bodyPr wrap="square">
             <a:spAutoFit/>
           </a:bodyPr>
+          <a:lstStyle/>
           <a:p>
             <a:pPr>
               <a:defRPr/>
@@ -36275,15 +36015,6 @@
               </a:rPr>
               <a:t>网页文件</a:t>
             </a:r>
-            <a:endParaRPr lang="zh-CN" altLang="en-US" sz="2400" b="1" dirty="0">
-              <a:solidFill>
-                <a:schemeClr val="tx2">
-                  <a:lumMod val="75000"/>
-                </a:schemeClr>
-              </a:solidFill>
-              <a:latin typeface="微软雅黑" panose="020B0503020204020204" pitchFamily="34" charset="-122"/>
-              <a:ea typeface="微软雅黑" panose="020B0503020204020204" pitchFamily="34" charset="-122"/>
-            </a:endParaRPr>
           </a:p>
         </p:txBody>
       </p:sp>
@@ -36292,11 +36023,11 @@
   <p:clrMapOvr>
     <a:masterClrMapping/>
   </p:clrMapOvr>
-  <mc:AlternateContent xmlns:mc="http://schemas.openxmlformats.org/markup-compatibility/2006">
-    <mc:Choice xmlns:p14="http://schemas.microsoft.com/office/powerpoint/2010/main" Requires="p14">
+  <mc:AlternateContent xmlns:mc="http://schemas.openxmlformats.org/markup-compatibility/2006" xmlns:p14="http://schemas.microsoft.com/office/powerpoint/2010/main">
+    <mc:Choice Requires="p14">
       <p:transition spd="slow" p14:dur="1600"/>
     </mc:Choice>
-    <mc:Fallback>
+    <mc:Fallback xmlns="">
       <p:transition spd="slow"/>
     </mc:Fallback>
   </mc:AlternateContent>
@@ -36726,10 +36457,10 @@
     <p:bldLst>
       <p:bldP spid="8" grpId="0"/>
       <p:bldP spid="9" grpId="0"/>
+      <p:bldP spid="9" grpId="1"/>
       <p:bldP spid="11" grpId="0"/>
       <p:bldP spid="12" grpId="0"/>
       <p:bldP spid="14" grpId="0" bldLvl="0" animBg="1"/>
-      <p:bldP spid="9" grpId="1"/>
     </p:bldLst>
   </p:timing>
 </p:sld>
@@ -36744,7 +36475,14 @@
         <p:cNvGrpSpPr/>
         <p:nvPr/>
       </p:nvGrpSpPr>
-      <p:grpSpPr/>
+      <p:grpSpPr>
+        <a:xfrm>
+          <a:off x="0" y="0"/>
+          <a:ext cx="0" cy="0"/>
+          <a:chOff x="0" y="0"/>
+          <a:chExt cx="0" cy="0"/>
+        </a:xfrm>
+      </p:grpSpPr>
       <p:sp>
         <p:nvSpPr>
           <p:cNvPr id="2" name="标题 1"/>
@@ -36758,12 +36496,12 @@
         <p:spPr/>
         <p:txBody>
           <a:bodyPr/>
+          <a:lstStyle/>
           <a:p>
             <a:r>
               <a:rPr lang="zh-CN" altLang="en-US"/>
               <a:t>注意事项</a:t>
             </a:r>
-            <a:endParaRPr lang="zh-CN" altLang="en-US"/>
           </a:p>
         </p:txBody>
       </p:sp>
@@ -36780,6 +36518,7 @@
         <p:spPr/>
         <p:txBody>
           <a:bodyPr/>
+          <a:lstStyle/>
           <a:p>
             <a:r>
               <a:rPr lang="zh-CN" altLang="en-US" smtClean="0">
@@ -36826,9 +36565,6 @@
               </a:rPr>
               <a:t>结束。</a:t>
             </a:r>
-            <a:endParaRPr lang="zh-CN" altLang="en-US" smtClean="0">
-              <a:sym typeface="+mn-ea"/>
-            </a:endParaRPr>
           </a:p>
           <a:p>
             <a:r>
@@ -36906,14 +36642,21 @@
   <p:clrMapOvr>
     <a:masterClrMapping/>
   </p:clrMapOvr>
-  <mc:AlternateContent xmlns:mc="http://schemas.openxmlformats.org/markup-compatibility/2006">
-    <mc:Choice xmlns:p14="http://schemas.microsoft.com/office/powerpoint/2010/main" Requires="p14">
+  <mc:AlternateContent xmlns:mc="http://schemas.openxmlformats.org/markup-compatibility/2006" xmlns:p14="http://schemas.microsoft.com/office/powerpoint/2010/main">
+    <mc:Choice Requires="p14">
       <p:transition spd="slow" p14:dur="1600"/>
     </mc:Choice>
-    <mc:Fallback>
+    <mc:Fallback xmlns="">
       <p:transition spd="slow"/>
     </mc:Fallback>
   </mc:AlternateContent>
+  <p:timing>
+    <p:tnLst>
+      <p:par>
+        <p:cTn id="1" dur="indefinite" restart="never" nodeType="tmRoot"/>
+      </p:par>
+    </p:tnLst>
+  </p:timing>
 </p:sld>
 </file>
 
@@ -36926,7 +36669,14 @@
         <p:cNvGrpSpPr/>
         <p:nvPr/>
       </p:nvGrpSpPr>
-      <p:grpSpPr/>
+      <p:grpSpPr>
+        <a:xfrm>
+          <a:off x="0" y="0"/>
+          <a:ext cx="0" cy="0"/>
+          <a:chOff x="0" y="0"/>
+          <a:chExt cx="0" cy="0"/>
+        </a:xfrm>
+      </p:grpSpPr>
       <p:sp>
         <p:nvSpPr>
           <p:cNvPr id="2" name="标题 1"/>
@@ -36940,12 +36690,12 @@
         <p:spPr/>
         <p:txBody>
           <a:bodyPr/>
+          <a:lstStyle/>
           <a:p>
             <a:r>
               <a:rPr lang="zh-CN" altLang="en-US"/>
               <a:t>编码规范</a:t>
             </a:r>
-            <a:endParaRPr lang="zh-CN" altLang="en-US"/>
           </a:p>
         </p:txBody>
       </p:sp>
@@ -36962,6 +36712,7 @@
         <p:spPr/>
         <p:txBody>
           <a:bodyPr/>
+          <a:lstStyle/>
           <a:p>
             <a:r>
               <a:rPr lang="zh-CN" altLang="en-US"/>
@@ -36979,7 +36730,6 @@
               <a:rPr lang="zh-CN" altLang="en-US"/>
               <a:t>。</a:t>
             </a:r>
-            <a:endParaRPr lang="zh-CN" altLang="en-US"/>
           </a:p>
           <a:p>
             <a:r>
@@ -37112,7 +36862,7 @@
           <p:nvPr/>
         </p:nvPicPr>
         <p:blipFill>
-          <a:blip r:embed="rId1">
+          <a:blip r:embed="rId3">
             <a:extLst>
               <a:ext uri="{28A0092B-C50C-407E-A947-70E740481C1C}">
                 <a14:useLocalDpi xmlns:a14="http://schemas.microsoft.com/office/drawing/2010/main" val="0"/>
@@ -37173,7 +36923,7 @@
           <p:nvPr/>
         </p:nvPicPr>
         <p:blipFill>
-          <a:blip r:embed="rId2">
+          <a:blip r:embed="rId4">
             <a:extLst>
               <a:ext uri="{28A0092B-C50C-407E-A947-70E740481C1C}">
                 <a14:useLocalDpi xmlns:a14="http://schemas.microsoft.com/office/drawing/2010/main" val="0"/>
@@ -37326,11 +37076,11 @@
   <p:clrMapOvr>
     <a:masterClrMapping/>
   </p:clrMapOvr>
-  <mc:AlternateContent xmlns:mc="http://schemas.openxmlformats.org/markup-compatibility/2006">
-    <mc:Choice xmlns:p14="http://schemas.microsoft.com/office/powerpoint/2010/main" Requires="p14">
+  <mc:AlternateContent xmlns:mc="http://schemas.openxmlformats.org/markup-compatibility/2006" xmlns:p14="http://schemas.microsoft.com/office/powerpoint/2010/main">
+    <mc:Choice Requires="p14">
       <p:transition spd="slow" p14:dur="1600"/>
     </mc:Choice>
-    <mc:Fallback>
+    <mc:Fallback xmlns="">
       <p:transition spd="slow"/>
     </mc:Fallback>
   </mc:AlternateContent>
@@ -37504,7 +37254,7 @@
                                           </p:endCondLst>
                                         </p:cTn>
                                         <p:tgtEl>
-                                          <p:sndTgt r:embed="rId3" name="hammer.wav"/>
+                                          <p:sndTgt r:embed="rId2" name="hammer.wav"/>
                                         </p:tgtEl>
                                       </p:cMediaNode>
                                     </p:audio>
@@ -37679,7 +37429,7 @@
                                           </p:endCondLst>
                                         </p:cTn>
                                         <p:tgtEl>
-                                          <p:sndTgt r:embed="rId3" name="hammer.wav"/>
+                                          <p:sndTgt r:embed="rId2" name="hammer.wav"/>
                                         </p:tgtEl>
                                       </p:cMediaNode>
                                     </p:audio>
@@ -37730,7 +37480,14 @@
         <p:cNvGrpSpPr/>
         <p:nvPr/>
       </p:nvGrpSpPr>
-      <p:grpSpPr/>
+      <p:grpSpPr>
+        <a:xfrm>
+          <a:off x="0" y="0"/>
+          <a:ext cx="0" cy="0"/>
+          <a:chOff x="0" y="0"/>
+          <a:chExt cx="0" cy="0"/>
+        </a:xfrm>
+      </p:grpSpPr>
       <p:sp>
         <p:nvSpPr>
           <p:cNvPr id="2" name="标题 1"/>
@@ -37744,12 +37501,12 @@
         <p:spPr/>
         <p:txBody>
           <a:bodyPr/>
+          <a:lstStyle/>
           <a:p>
             <a:r>
               <a:rPr lang="zh-CN" altLang="en-US"/>
               <a:t>本节小结</a:t>
             </a:r>
-            <a:endParaRPr lang="zh-CN" altLang="en-US"/>
           </a:p>
         </p:txBody>
       </p:sp>
@@ -37773,6 +37530,7 @@
           <a:bodyPr>
             <a:normAutofit/>
           </a:bodyPr>
+          <a:lstStyle/>
           <a:p>
             <a:r>
               <a:rPr lang="zh-CN" altLang="en-US" smtClean="0">
@@ -37840,9 +37598,6 @@
               </a:rPr>
               <a:t>”</a:t>
             </a:r>
-            <a:endParaRPr lang="zh-CN" altLang="en-US" smtClean="0">
-              <a:sym typeface="+mn-ea"/>
-            </a:endParaRPr>
           </a:p>
           <a:p>
             <a:r>
@@ -38014,14 +37769,21 @@
   <p:clrMapOvr>
     <a:masterClrMapping/>
   </p:clrMapOvr>
-  <mc:AlternateContent xmlns:mc="http://schemas.openxmlformats.org/markup-compatibility/2006">
-    <mc:Choice xmlns:p14="http://schemas.microsoft.com/office/powerpoint/2010/main" Requires="p14">
+  <mc:AlternateContent xmlns:mc="http://schemas.openxmlformats.org/markup-compatibility/2006" xmlns:p14="http://schemas.microsoft.com/office/powerpoint/2010/main">
+    <mc:Choice Requires="p14">
       <p:transition spd="slow" p14:dur="1600"/>
     </mc:Choice>
-    <mc:Fallback>
+    <mc:Fallback xmlns="">
       <p:transition spd="slow"/>
     </mc:Fallback>
   </mc:AlternateContent>
+  <p:timing>
+    <p:tnLst>
+      <p:par>
+        <p:cTn id="1" dur="indefinite" restart="never" nodeType="tmRoot"/>
+      </p:par>
+    </p:tnLst>
+  </p:timing>
 </p:sld>
 </file>
 
@@ -39162,11 +38924,11 @@
   <p:clrMapOvr>
     <a:masterClrMapping/>
   </p:clrMapOvr>
-  <mc:AlternateContent xmlns:mc="http://schemas.openxmlformats.org/markup-compatibility/2006">
-    <mc:Choice xmlns:p14="http://schemas.microsoft.com/office/powerpoint/2010/main" Requires="p14">
+  <mc:AlternateContent xmlns:mc="http://schemas.openxmlformats.org/markup-compatibility/2006" xmlns:p14="http://schemas.microsoft.com/office/powerpoint/2010/main">
+    <mc:Choice Requires="p14">
       <p:transition spd="slow" p14:dur="1600"/>
     </mc:Choice>
-    <mc:Fallback>
+    <mc:Fallback xmlns="">
       <p:transition spd="slow"/>
     </mc:Fallback>
   </mc:AlternateContent>
@@ -39189,7 +38951,14 @@
         <p:cNvGrpSpPr/>
         <p:nvPr/>
       </p:nvGrpSpPr>
-      <p:grpSpPr/>
+      <p:grpSpPr>
+        <a:xfrm>
+          <a:off x="0" y="0"/>
+          <a:ext cx="0" cy="0"/>
+          <a:chOff x="0" y="0"/>
+          <a:chExt cx="0" cy="0"/>
+        </a:xfrm>
+      </p:grpSpPr>
       <p:sp>
         <p:nvSpPr>
           <p:cNvPr id="2" name="标题 1"/>
@@ -39203,12 +38972,12 @@
         <p:spPr/>
         <p:txBody>
           <a:bodyPr/>
+          <a:lstStyle/>
           <a:p>
             <a:r>
               <a:rPr lang="zh-CN" altLang="en-US"/>
               <a:t>网页文件与网页</a:t>
             </a:r>
-            <a:endParaRPr lang="zh-CN" altLang="en-US"/>
           </a:p>
         </p:txBody>
       </p:sp>
@@ -39232,6 +39001,7 @@
           <a:bodyPr>
             <a:normAutofit lnSpcReduction="10000"/>
           </a:bodyPr>
+          <a:lstStyle/>
           <a:p>
             <a:r>
               <a:rPr lang="zh-CN" altLang="en-US" smtClean="0">
@@ -39243,13 +39013,6 @@
               </a:rPr>
               <a:t>网页文件</a:t>
             </a:r>
-            <a:endParaRPr lang="zh-CN" altLang="en-US" smtClean="0">
-              <a:solidFill>
-                <a:schemeClr val="tx1"/>
-              </a:solidFill>
-              <a:latin typeface="微软雅黑" panose="020B0503020204020204" pitchFamily="34" charset="-122"/>
-              <a:sym typeface="+mn-ea"/>
-            </a:endParaRPr>
           </a:p>
           <a:p>
             <a:endParaRPr lang="zh-CN" altLang="en-US" smtClean="0">
@@ -39326,6 +39089,98 @@
               </a:rPr>
               <a:t>&lt;!DOCTYPE html&gt;</a:t>
             </a:r>
+          </a:p>
+          <a:p>
+            <a:pPr marL="0" indent="0">
+              <a:lnSpc>
+                <a:spcPct val="90000"/>
+              </a:lnSpc>
+              <a:spcBef>
+                <a:spcPts val="1000"/>
+              </a:spcBef>
+              <a:spcAft>
+                <a:spcPts val="0"/>
+              </a:spcAft>
+              <a:buNone/>
+            </a:pPr>
+            <a:r>
+              <a:rPr lang="en-US" altLang="zh-CN" sz="10400" dirty="0" smtClean="0">
+                <a:latin typeface="+mn-lt"/>
+                <a:ea typeface="+mn-ea"/>
+              </a:rPr>
+              <a:t>&lt;</a:t>
+            </a:r>
+            <a:r>
+              <a:rPr lang="en-US" altLang="zh-CN" sz="10400" dirty="0">
+                <a:latin typeface="+mn-lt"/>
+                <a:ea typeface="+mn-ea"/>
+              </a:rPr>
+              <a:t>html&gt;</a:t>
+            </a:r>
+          </a:p>
+          <a:p>
+            <a:pPr marL="0" indent="0">
+              <a:lnSpc>
+                <a:spcPct val="90000"/>
+              </a:lnSpc>
+              <a:spcBef>
+                <a:spcPts val="1000"/>
+              </a:spcBef>
+              <a:spcAft>
+                <a:spcPts val="0"/>
+              </a:spcAft>
+              <a:buNone/>
+            </a:pPr>
+            <a:r>
+              <a:rPr lang="en-US" altLang="zh-CN" sz="10400" dirty="0">
+                <a:latin typeface="+mn-lt"/>
+                <a:ea typeface="+mn-ea"/>
+              </a:rPr>
+              <a:t>    &lt;head</a:t>
+            </a:r>
+            <a:r>
+              <a:rPr lang="en-US" altLang="zh-CN" sz="10400" dirty="0" smtClean="0">
+                <a:latin typeface="+mn-lt"/>
+                <a:ea typeface="+mn-ea"/>
+              </a:rPr>
+              <a:t>&gt;</a:t>
+            </a:r>
+          </a:p>
+          <a:p>
+            <a:pPr marL="0" indent="0">
+              <a:lnSpc>
+                <a:spcPct val="90000"/>
+              </a:lnSpc>
+              <a:spcBef>
+                <a:spcPts val="1000"/>
+              </a:spcBef>
+              <a:spcAft>
+                <a:spcPts val="0"/>
+              </a:spcAft>
+              <a:buNone/>
+            </a:pPr>
+            <a:r>
+              <a:rPr lang="en-US" altLang="zh-CN" sz="10400" dirty="0">
+                <a:latin typeface="+mn-lt"/>
+                <a:ea typeface="+mn-ea"/>
+              </a:rPr>
+              <a:t> </a:t>
+            </a:r>
+            <a:r>
+              <a:rPr lang="en-US" altLang="zh-CN" sz="10400" dirty="0" smtClean="0">
+                <a:latin typeface="+mn-lt"/>
+                <a:ea typeface="+mn-ea"/>
+              </a:rPr>
+              <a:t>           </a:t>
+            </a:r>
+            <a:r>
+              <a:rPr lang="en-US" altLang="zh-CN" sz="10400" dirty="0" smtClean="0"/>
+              <a:t>&lt;</a:t>
+            </a:r>
+            <a:r>
+              <a:rPr lang="en-US" altLang="zh-CN" sz="10400" dirty="0"/>
+              <a:t>meta charset="utf-8"/&gt;</a:t>
+            </a:r>
             <a:endParaRPr lang="en-US" altLang="zh-CN" sz="10400" dirty="0">
               <a:latin typeface="+mn-lt"/>
               <a:ea typeface="+mn-ea"/>
@@ -39345,18 +39200,32 @@
               <a:buNone/>
             </a:pPr>
             <a:r>
+              <a:rPr lang="en-US" altLang="zh-CN" sz="10400" dirty="0">
+                <a:latin typeface="+mn-lt"/>
+                <a:ea typeface="+mn-ea"/>
+              </a:rPr>
+              <a:t>	&lt;title&gt;</a:t>
+            </a:r>
+            <a:r>
+              <a:rPr lang="zh-CN" altLang="en-US" sz="10400" dirty="0">
+                <a:latin typeface="+mn-lt"/>
+                <a:ea typeface="+mn-ea"/>
+              </a:rPr>
+              <a:t>网页文件</a:t>
+            </a:r>
+            <a:r>
+              <a:rPr lang="en-US" altLang="zh-CN" sz="10400" dirty="0">
+                <a:latin typeface="+mn-lt"/>
+                <a:ea typeface="+mn-ea"/>
+              </a:rPr>
+              <a:t>&lt;/title</a:t>
+            </a:r>
+            <a:r>
               <a:rPr lang="en-US" altLang="zh-CN" sz="10400" dirty="0" smtClean="0">
                 <a:latin typeface="+mn-lt"/>
                 <a:ea typeface="+mn-ea"/>
               </a:rPr>
-              <a:t>&lt;</a:t>
-            </a:r>
-            <a:r>
-              <a:rPr lang="en-US" altLang="zh-CN" sz="10400" dirty="0">
-                <a:latin typeface="+mn-lt"/>
-                <a:ea typeface="+mn-ea"/>
-              </a:rPr>
-              <a:t>html&gt;</a:t>
+              <a:t>&gt;</a:t>
             </a:r>
             <a:endParaRPr lang="en-US" altLang="zh-CN" sz="10400" dirty="0">
               <a:latin typeface="+mn-lt"/>
@@ -39381,19 +39250,8 @@
                 <a:latin typeface="+mn-lt"/>
                 <a:ea typeface="+mn-ea"/>
               </a:rPr>
-              <a:t>    &lt;head</a:t>
-            </a:r>
-            <a:r>
-              <a:rPr lang="en-US" altLang="zh-CN" sz="10400" dirty="0" smtClean="0">
-                <a:latin typeface="+mn-lt"/>
-                <a:ea typeface="+mn-ea"/>
-              </a:rPr>
-              <a:t>&gt;</a:t>
-            </a:r>
-            <a:endParaRPr lang="en-US" altLang="zh-CN" sz="10400" dirty="0" smtClean="0">
-              <a:latin typeface="+mn-lt"/>
-              <a:ea typeface="+mn-ea"/>
-            </a:endParaRPr>
+              <a:t>    &lt;/head&gt;</a:t>
+            </a:r>
           </a:p>
           <a:p>
             <a:pPr marL="0" indent="0">
@@ -39413,27 +39271,8 @@
                 <a:latin typeface="+mn-lt"/>
                 <a:ea typeface="+mn-ea"/>
               </a:rPr>
-              <a:t> </a:t>
-            </a:r>
-            <a:r>
-              <a:rPr lang="en-US" altLang="zh-CN" sz="10400" dirty="0" smtClean="0">
-                <a:latin typeface="+mn-lt"/>
-                <a:ea typeface="+mn-ea"/>
-              </a:rPr>
-              <a:t>           </a:t>
-            </a:r>
-            <a:r>
-              <a:rPr lang="en-US" altLang="zh-CN" sz="10400" dirty="0" smtClean="0"/>
-              <a:t>&lt;</a:t>
-            </a:r>
-            <a:r>
-              <a:rPr lang="en-US" altLang="zh-CN" sz="10400" dirty="0"/>
-              <a:t>meta charset="utf-8"/&gt;</a:t>
-            </a:r>
-            <a:endParaRPr lang="en-US" altLang="zh-CN" sz="10400" dirty="0">
-              <a:latin typeface="+mn-lt"/>
-              <a:ea typeface="+mn-ea"/>
-            </a:endParaRPr>
+              <a:t>    &lt;body&gt;</a:t>
+            </a:r>
           </a:p>
           <a:p>
             <a:pPr marL="0" indent="0">
@@ -39453,33 +39292,36 @@
                 <a:latin typeface="+mn-lt"/>
                 <a:ea typeface="+mn-ea"/>
               </a:rPr>
-              <a:t>	&lt;title&gt;</a:t>
+              <a:t>        </a:t>
+            </a:r>
+            <a:r>
+              <a:rPr lang="en-US" altLang="zh-CN" sz="10400" dirty="0" smtClean="0">
+                <a:latin typeface="+mn-lt"/>
+                <a:ea typeface="+mn-ea"/>
+              </a:rPr>
+              <a:t>	&lt;</a:t>
+            </a:r>
+            <a:r>
+              <a:rPr lang="en-US" altLang="zh-CN" sz="10400" dirty="0">
+                <a:latin typeface="+mn-lt"/>
+                <a:ea typeface="+mn-ea"/>
+              </a:rPr>
+              <a:t>h1&gt;</a:t>
             </a:r>
             <a:r>
               <a:rPr lang="zh-CN" altLang="en-US" sz="10400" dirty="0">
                 <a:latin typeface="+mn-lt"/>
                 <a:ea typeface="+mn-ea"/>
               </a:rPr>
-              <a:t>网页文件</a:t>
+              <a:t>这是第一个网页</a:t>
             </a:r>
             <a:r>
               <a:rPr lang="en-US" altLang="zh-CN" sz="10400" dirty="0">
                 <a:latin typeface="+mn-lt"/>
                 <a:ea typeface="+mn-ea"/>
               </a:rPr>
-              <a:t>&lt;/title</a:t>
-            </a:r>
-            <a:r>
-              <a:rPr lang="en-US" altLang="zh-CN" sz="10400" dirty="0" smtClean="0">
-                <a:latin typeface="+mn-lt"/>
-                <a:ea typeface="+mn-ea"/>
-              </a:rPr>
-              <a:t>&gt;</a:t>
-            </a:r>
-            <a:endParaRPr lang="en-US" altLang="zh-CN" sz="10400" dirty="0">
-              <a:latin typeface="+mn-lt"/>
-              <a:ea typeface="+mn-ea"/>
-            </a:endParaRPr>
+              <a:t>&lt;/h1&gt;</a:t>
+            </a:r>
           </a:p>
           <a:p>
             <a:pPr marL="0" indent="0">
@@ -39499,12 +39341,8 @@
                 <a:latin typeface="+mn-lt"/>
                 <a:ea typeface="+mn-ea"/>
               </a:rPr>
-              <a:t>    &lt;/head&gt;</a:t>
-            </a:r>
-            <a:endParaRPr lang="en-US" altLang="zh-CN" sz="10400" dirty="0">
-              <a:latin typeface="+mn-lt"/>
-              <a:ea typeface="+mn-ea"/>
-            </a:endParaRPr>
+              <a:t>    &lt;/body&gt;</a:t>
+            </a:r>
           </a:p>
           <a:p>
             <a:pPr marL="0" indent="0">
@@ -39524,115 +39362,8 @@
                 <a:latin typeface="+mn-lt"/>
                 <a:ea typeface="+mn-ea"/>
               </a:rPr>
-              <a:t>    &lt;body&gt;</a:t>
-            </a:r>
-            <a:endParaRPr lang="en-US" altLang="zh-CN" sz="10400" dirty="0">
-              <a:latin typeface="+mn-lt"/>
-              <a:ea typeface="+mn-ea"/>
-            </a:endParaRPr>
-          </a:p>
-          <a:p>
-            <a:pPr marL="0" indent="0">
-              <a:lnSpc>
-                <a:spcPct val="90000"/>
-              </a:lnSpc>
-              <a:spcBef>
-                <a:spcPts val="1000"/>
-              </a:spcBef>
-              <a:spcAft>
-                <a:spcPts val="0"/>
-              </a:spcAft>
-              <a:buNone/>
-            </a:pPr>
-            <a:r>
-              <a:rPr lang="en-US" altLang="zh-CN" sz="10400" dirty="0">
-                <a:latin typeface="+mn-lt"/>
-                <a:ea typeface="+mn-ea"/>
-              </a:rPr>
-              <a:t>        </a:t>
-            </a:r>
-            <a:r>
-              <a:rPr lang="en-US" altLang="zh-CN" sz="10400" dirty="0" smtClean="0">
-                <a:latin typeface="+mn-lt"/>
-                <a:ea typeface="+mn-ea"/>
-              </a:rPr>
-              <a:t>	&lt;</a:t>
-            </a:r>
-            <a:r>
-              <a:rPr lang="en-US" altLang="zh-CN" sz="10400" dirty="0">
-                <a:latin typeface="+mn-lt"/>
-                <a:ea typeface="+mn-ea"/>
-              </a:rPr>
-              <a:t>h1&gt;</a:t>
-            </a:r>
-            <a:r>
-              <a:rPr lang="zh-CN" altLang="en-US" sz="10400" dirty="0">
-                <a:latin typeface="+mn-lt"/>
-                <a:ea typeface="+mn-ea"/>
-              </a:rPr>
-              <a:t>这是第一个网页</a:t>
-            </a:r>
-            <a:r>
-              <a:rPr lang="en-US" altLang="zh-CN" sz="10400" dirty="0">
-                <a:latin typeface="+mn-lt"/>
-                <a:ea typeface="+mn-ea"/>
-              </a:rPr>
-              <a:t>&lt;/h1&gt;</a:t>
-            </a:r>
-            <a:endParaRPr lang="en-US" altLang="zh-CN" sz="10400" dirty="0">
-              <a:latin typeface="+mn-lt"/>
-              <a:ea typeface="+mn-ea"/>
-            </a:endParaRPr>
-          </a:p>
-          <a:p>
-            <a:pPr marL="0" indent="0">
-              <a:lnSpc>
-                <a:spcPct val="90000"/>
-              </a:lnSpc>
-              <a:spcBef>
-                <a:spcPts val="1000"/>
-              </a:spcBef>
-              <a:spcAft>
-                <a:spcPts val="0"/>
-              </a:spcAft>
-              <a:buNone/>
-            </a:pPr>
-            <a:r>
-              <a:rPr lang="en-US" altLang="zh-CN" sz="10400" dirty="0">
-                <a:latin typeface="+mn-lt"/>
-                <a:ea typeface="+mn-ea"/>
-              </a:rPr>
-              <a:t>    &lt;/body&gt;</a:t>
-            </a:r>
-            <a:endParaRPr lang="en-US" altLang="zh-CN" sz="10400" dirty="0">
-              <a:latin typeface="+mn-lt"/>
-              <a:ea typeface="+mn-ea"/>
-            </a:endParaRPr>
-          </a:p>
-          <a:p>
-            <a:pPr marL="0" indent="0">
-              <a:lnSpc>
-                <a:spcPct val="90000"/>
-              </a:lnSpc>
-              <a:spcBef>
-                <a:spcPts val="1000"/>
-              </a:spcBef>
-              <a:spcAft>
-                <a:spcPts val="0"/>
-              </a:spcAft>
-              <a:buNone/>
-            </a:pPr>
-            <a:r>
-              <a:rPr lang="en-US" altLang="zh-CN" sz="10400" dirty="0">
-                <a:latin typeface="+mn-lt"/>
-                <a:ea typeface="+mn-ea"/>
-              </a:rPr>
               <a:t>&lt;/html&gt;</a:t>
             </a:r>
-            <a:endParaRPr lang="en-US" altLang="zh-CN" sz="10400" dirty="0">
-              <a:latin typeface="+mn-lt"/>
-              <a:ea typeface="+mn-ea"/>
-            </a:endParaRPr>
           </a:p>
           <a:p>
             <a:pPr marL="0" indent="0">
@@ -39801,10 +39532,6 @@
               </a:rPr>
               <a:t>通过浏览器看到的“网页”</a:t>
             </a:r>
-            <a:endParaRPr lang="zh-CN" altLang="en-US" sz="2800" dirty="0">
-              <a:latin typeface="微软雅黑" panose="020B0503020204020204" pitchFamily="34" charset="-122"/>
-              <a:ea typeface="微软雅黑" panose="020B0503020204020204" pitchFamily="34" charset="-122"/>
-            </a:endParaRPr>
           </a:p>
         </p:txBody>
       </p:sp>
@@ -39817,7 +39544,7 @@
           <p:nvPr/>
         </p:nvPicPr>
         <p:blipFill>
-          <a:blip r:embed="rId1">
+          <a:blip r:embed="rId2">
             <a:extLst>
               <a:ext uri="{28A0092B-C50C-407E-A947-70E740481C1C}">
                 <a14:useLocalDpi xmlns:a14="http://schemas.microsoft.com/office/drawing/2010/main" val="0"/>
@@ -39867,11 +39594,11 @@
   <p:clrMapOvr>
     <a:masterClrMapping/>
   </p:clrMapOvr>
-  <mc:AlternateContent xmlns:mc="http://schemas.openxmlformats.org/markup-compatibility/2006">
-    <mc:Choice xmlns:p14="http://schemas.microsoft.com/office/powerpoint/2010/main" Requires="p14">
+  <mc:AlternateContent xmlns:mc="http://schemas.openxmlformats.org/markup-compatibility/2006" xmlns:p14="http://schemas.microsoft.com/office/powerpoint/2010/main">
+    <mc:Choice Requires="p14">
       <p:transition spd="slow" p14:dur="1600"/>
     </mc:Choice>
-    <mc:Fallback>
+    <mc:Fallback xmlns="">
       <p:transition spd="slow"/>
     </mc:Fallback>
   </mc:AlternateContent>
@@ -40008,7 +39735,14 @@
         <p:cNvGrpSpPr/>
         <p:nvPr/>
       </p:nvGrpSpPr>
-      <p:grpSpPr/>
+      <p:grpSpPr>
+        <a:xfrm>
+          <a:off x="0" y="0"/>
+          <a:ext cx="0" cy="0"/>
+          <a:chOff x="0" y="0"/>
+          <a:chExt cx="0" cy="0"/>
+        </a:xfrm>
+      </p:grpSpPr>
       <p:sp>
         <p:nvSpPr>
           <p:cNvPr id="2" name="标题 1"/>
@@ -40022,12 +39756,12 @@
         <p:spPr/>
         <p:txBody>
           <a:bodyPr/>
+          <a:lstStyle/>
           <a:p>
             <a:r>
               <a:rPr lang="zh-CN" altLang="en-US"/>
               <a:t>网页文件</a:t>
             </a:r>
-            <a:endParaRPr lang="zh-CN" altLang="en-US"/>
           </a:p>
         </p:txBody>
       </p:sp>
@@ -40051,6 +39785,7 @@
           <a:bodyPr>
             <a:normAutofit lnSpcReduction="10000"/>
           </a:bodyPr>
+          <a:lstStyle/>
           <a:p>
             <a:r>
               <a:rPr lang="zh-CN" altLang="en-US">
@@ -40067,12 +39802,6 @@
               </a:rPr>
               <a:t>网页文件</a:t>
             </a:r>
-            <a:endParaRPr lang="zh-CN" altLang="en-US">
-              <a:solidFill>
-                <a:srgbClr val="FF0000"/>
-              </a:solidFill>
-              <a:sym typeface="+mn-ea"/>
-            </a:endParaRPr>
           </a:p>
           <a:p>
             <a:r>
@@ -40097,12 +39826,6 @@
               </a:rPr>
               <a:t>文本文件</a:t>
             </a:r>
-            <a:endParaRPr lang="zh-CN" altLang="en-US">
-              <a:solidFill>
-                <a:srgbClr val="C00000"/>
-              </a:solidFill>
-              <a:sym typeface="+mn-ea"/>
-            </a:endParaRPr>
           </a:p>
           <a:p>
             <a:pPr lvl="1"/>
@@ -40136,12 +39859,6 @@
               </a:rPr>
               <a:t>.htm</a:t>
             </a:r>
-            <a:endParaRPr lang="zh-CN" altLang="en-US">
-              <a:solidFill>
-                <a:srgbClr val="C00000"/>
-              </a:solidFill>
-              <a:sym typeface="+mn-ea"/>
-            </a:endParaRPr>
           </a:p>
           <a:p>
             <a:pPr lvl="1"/>
@@ -40175,12 +39892,6 @@
               </a:rPr>
               <a:t>文本内容</a:t>
             </a:r>
-            <a:endParaRPr lang="zh-CN" altLang="en-US">
-              <a:solidFill>
-                <a:srgbClr val="C00000"/>
-              </a:solidFill>
-              <a:sym typeface="+mn-ea"/>
-            </a:endParaRPr>
           </a:p>
           <a:p>
             <a:pPr lvl="1">
@@ -40212,14 +39923,21 @@
   <p:clrMapOvr>
     <a:masterClrMapping/>
   </p:clrMapOvr>
-  <mc:AlternateContent xmlns:mc="http://schemas.openxmlformats.org/markup-compatibility/2006">
-    <mc:Choice xmlns:p14="http://schemas.microsoft.com/office/powerpoint/2010/main" Requires="p14">
+  <mc:AlternateContent xmlns:mc="http://schemas.openxmlformats.org/markup-compatibility/2006" xmlns:p14="http://schemas.microsoft.com/office/powerpoint/2010/main">
+    <mc:Choice Requires="p14">
       <p:transition spd="slow" p14:dur="1600"/>
     </mc:Choice>
-    <mc:Fallback>
+    <mc:Fallback xmlns="">
       <p:transition spd="slow"/>
     </mc:Fallback>
   </mc:AlternateContent>
+  <p:timing>
+    <p:tnLst>
+      <p:par>
+        <p:cTn id="1" dur="indefinite" restart="never" nodeType="tmRoot"/>
+      </p:par>
+    </p:tnLst>
+  </p:timing>
 </p:sld>
 </file>
 
@@ -40332,13 +40050,6 @@
                 </a:rPr>
                 <a:t>本节内容</a:t>
               </a:r>
-              <a:endParaRPr lang="zh-CN" altLang="en-US" sz="4800" b="1" dirty="0">
-                <a:solidFill>
-                  <a:schemeClr val="bg1"/>
-                </a:solidFill>
-                <a:latin typeface="微软雅黑" panose="020B0503020204020204" pitchFamily="34" charset="-122"/>
-                <a:ea typeface="微软雅黑" panose="020B0503020204020204" pitchFamily="34" charset="-122"/>
-              </a:endParaRPr>
             </a:p>
           </p:txBody>
         </p:sp>
@@ -40397,6 +40108,7 @@
           </p:style>
           <p:txBody>
             <a:bodyPr rtlCol="0" anchor="ctr"/>
+            <a:lstStyle/>
             <a:p>
               <a:pPr algn="ctr"/>
               <a:endParaRPr lang="zh-CN" altLang="en-US"/>
@@ -40440,6 +40152,7 @@
           </p:style>
           <p:txBody>
             <a:bodyPr rtlCol="0" anchor="ctr"/>
+            <a:lstStyle/>
             <a:p>
               <a:pPr algn="ctr"/>
               <a:endParaRPr lang="zh-CN" altLang="en-US"/>
@@ -40483,6 +40196,7 @@
           </p:style>
           <p:txBody>
             <a:bodyPr rtlCol="0" anchor="ctr"/>
+            <a:lstStyle/>
             <a:p>
               <a:pPr algn="ctr"/>
               <a:endParaRPr lang="zh-CN" altLang="en-US"/>
@@ -41048,11 +40762,6 @@
                 </a:rPr>
                 <a:t>语法基础</a:t>
               </a:r>
-              <a:endParaRPr lang="zh-CN" altLang="en-US" dirty="0" smtClean="0">
-                <a:solidFill>
-                  <a:srgbClr val="FF0000"/>
-                </a:solidFill>
-              </a:endParaRPr>
             </a:p>
           </p:txBody>
         </p:sp>
@@ -41198,13 +40907,6 @@
                 </a:rPr>
                 <a:t>无序列表标签和有序列表标签</a:t>
               </a:r>
-              <a:endParaRPr lang="zh-CN" altLang="en-US" sz="2800" dirty="0">
-                <a:solidFill>
-                  <a:srgbClr val="595E64"/>
-                </a:solidFill>
-                <a:latin typeface="微软雅黑" panose="020B0503020204020204" pitchFamily="34" charset="-122"/>
-                <a:ea typeface="微软雅黑" panose="020B0503020204020204" pitchFamily="34" charset="-122"/>
-              </a:endParaRPr>
             </a:p>
           </p:txBody>
         </p:sp>
@@ -41272,7 +40974,14 @@
         <p:cNvGrpSpPr/>
         <p:nvPr/>
       </p:nvGrpSpPr>
-      <p:grpSpPr/>
+      <p:grpSpPr>
+        <a:xfrm>
+          <a:off x="0" y="0"/>
+          <a:ext cx="0" cy="0"/>
+          <a:chOff x="0" y="0"/>
+          <a:chExt cx="0" cy="0"/>
+        </a:xfrm>
+      </p:grpSpPr>
       <p:sp>
         <p:nvSpPr>
           <p:cNvPr id="2" name="标题 1"/>
@@ -41286,6 +40995,7 @@
         <p:spPr/>
         <p:txBody>
           <a:bodyPr/>
+          <a:lstStyle/>
           <a:p>
             <a:r>
               <a:rPr lang="en-US" altLang="zh-CN"/>
@@ -41295,7 +41005,6 @@
               <a:rPr lang="zh-CN" altLang="en-US"/>
               <a:t>简介</a:t>
             </a:r>
-            <a:endParaRPr lang="zh-CN" altLang="en-US"/>
           </a:p>
         </p:txBody>
       </p:sp>
@@ -41314,6 +41023,7 @@
           <a:bodyPr>
             <a:normAutofit/>
           </a:bodyPr>
+          <a:lstStyle/>
           <a:p>
             <a:endParaRPr lang="zh-CN" altLang="en-US" dirty="0"/>
           </a:p>
@@ -41396,9 +41106,6 @@
               </a:rPr>
               <a:t>anguage</a:t>
             </a:r>
-            <a:endParaRPr smtClean="0">
-              <a:sym typeface="+mn-ea"/>
-            </a:endParaRPr>
           </a:p>
           <a:p>
             <a:pPr lvl="1"/>
@@ -41430,11 +41137,6 @@
               </a:rPr>
               <a:t>标记语言</a:t>
             </a:r>
-            <a:endParaRPr lang="zh-CN" altLang="en-US" dirty="0">
-              <a:solidFill>
-                <a:srgbClr val="C00000"/>
-              </a:solidFill>
-            </a:endParaRPr>
           </a:p>
           <a:p>
             <a:pPr lvl="1"/>
@@ -41462,7 +41164,6 @@
               <a:rPr lang="zh-CN" altLang="en-US" dirty="0"/>
               <a:t>使用标记标签来描述网页</a:t>
             </a:r>
-            <a:endParaRPr lang="zh-CN" altLang="en-US" dirty="0"/>
           </a:p>
           <a:p>
             <a:pPr lvl="1"/>
@@ -41488,7 +41189,7 @@
           <p:nvPr/>
         </p:nvPicPr>
         <p:blipFill>
-          <a:blip r:embed="rId1">
+          <a:blip r:embed="rId3">
             <a:extLst>
               <a:ext uri="{28A0092B-C50C-407E-A947-70E740481C1C}">
                 <a14:useLocalDpi xmlns:a14="http://schemas.microsoft.com/office/drawing/2010/main" val="0"/>
@@ -41542,7 +41243,7 @@
           <p:nvPr/>
         </p:nvPicPr>
         <p:blipFill>
-          <a:blip r:embed="rId2">
+          <a:blip r:embed="rId4">
             <a:extLst>
               <a:ext uri="{28A0092B-C50C-407E-A947-70E740481C1C}">
                 <a14:useLocalDpi xmlns:a14="http://schemas.microsoft.com/office/drawing/2010/main" val="0"/>
@@ -41606,7 +41307,7 @@
           <p:nvPr/>
         </p:nvPicPr>
         <p:blipFill>
-          <a:blip r:embed="rId3">
+          <a:blip r:embed="rId5">
             <a:extLst>
               <a:ext uri="{28A0092B-C50C-407E-A947-70E740481C1C}">
                 <a14:useLocalDpi xmlns:a14="http://schemas.microsoft.com/office/drawing/2010/main" val="0"/>
@@ -41681,6 +41382,7 @@
           <a:bodyPr wrap="square" rtlCol="0">
             <a:spAutoFit/>
           </a:bodyPr>
+          <a:lstStyle/>
           <a:p>
             <a:r>
               <a:rPr lang="en-US" altLang="zh-CN" sz="3200" b="1" dirty="0" smtClean="0"/>
@@ -41695,11 +41397,11 @@
   <p:clrMapOvr>
     <a:masterClrMapping/>
   </p:clrMapOvr>
-  <mc:AlternateContent xmlns:mc="http://schemas.openxmlformats.org/markup-compatibility/2006">
-    <mc:Choice xmlns:p14="http://schemas.microsoft.com/office/powerpoint/2010/main" Requires="p14">
+  <mc:AlternateContent xmlns:mc="http://schemas.openxmlformats.org/markup-compatibility/2006" xmlns:p14="http://schemas.microsoft.com/office/powerpoint/2010/main">
+    <mc:Choice Requires="p14">
       <p:transition spd="slow" p14:dur="1600"/>
     </mc:Choice>
-    <mc:Fallback>
+    <mc:Fallback xmlns="">
       <p:transition spd="slow"/>
     </mc:Fallback>
   </mc:AlternateContent>
@@ -41777,7 +41479,7 @@
                                           </p:endCondLst>
                                         </p:cTn>
                                         <p:tgtEl>
-                                          <p:sndTgt r:embed="rId4" name="chimes.wav"/>
+                                          <p:sndTgt r:embed="rId2" name="chimes.wav"/>
                                         </p:tgtEl>
                                       </p:cMediaNode>
                                     </p:audio>
@@ -41865,7 +41567,14 @@
         <p:cNvGrpSpPr/>
         <p:nvPr/>
       </p:nvGrpSpPr>
-      <p:grpSpPr/>
+      <p:grpSpPr>
+        <a:xfrm>
+          <a:off x="0" y="0"/>
+          <a:ext cx="0" cy="0"/>
+          <a:chOff x="0" y="0"/>
+          <a:chExt cx="0" cy="0"/>
+        </a:xfrm>
+      </p:grpSpPr>
       <p:sp>
         <p:nvSpPr>
           <p:cNvPr id="2" name="标题 1"/>
@@ -41879,6 +41588,7 @@
         <p:spPr/>
         <p:txBody>
           <a:bodyPr/>
+          <a:lstStyle/>
           <a:p>
             <a:r>
               <a:rPr lang="zh-CN" altLang="en-US"/>
@@ -41892,7 +41602,6 @@
               <a:rPr lang="zh-CN" altLang="en-US"/>
               <a:t>标签</a:t>
             </a:r>
-            <a:endParaRPr lang="zh-CN" altLang="en-US"/>
           </a:p>
         </p:txBody>
       </p:sp>
@@ -41916,6 +41625,7 @@
           <a:bodyPr>
             <a:normAutofit lnSpcReduction="10000"/>
           </a:bodyPr>
+          <a:lstStyle/>
           <a:p>
             <a:endParaRPr>
               <a:solidFill>
@@ -42002,7 +41712,7 @@
         </p:nvGraphicFramePr>
         <p:xfrm>
           <a:off x="1815163" y="1231900"/>
-          <a:ext cx="8754110" cy="3627120"/>
+          <a:ext cx="8754110" cy="3108960"/>
         </p:xfrm>
         <a:graphic>
           <a:graphicData uri="http://schemas.openxmlformats.org/drawingml/2006/table">
@@ -42020,6 +41730,7 @@
                 <a:tc>
                   <a:txBody>
                     <a:bodyPr/>
+                    <a:lstStyle/>
                     <a:p>
                       <a:pPr algn="l"/>
                       <a:r>
@@ -42037,6 +41748,7 @@
                 <a:tc>
                   <a:txBody>
                     <a:bodyPr/>
+                    <a:lstStyle/>
                     <a:p>
                       <a:pPr algn="l"/>
                       <a:r>
@@ -42054,6 +41766,7 @@
                 <a:tc>
                   <a:txBody>
                     <a:bodyPr/>
+                    <a:lstStyle/>
                     <a:p>
                       <a:pPr algn="l"/>
                       <a:r>
@@ -42071,6 +41784,7 @@
                 <a:tc>
                   <a:txBody>
                     <a:bodyPr/>
+                    <a:lstStyle/>
                     <a:p>
                       <a:pPr algn="l"/>
                       <a:r>
@@ -42090,6 +41804,7 @@
                 <a:tc>
                   <a:txBody>
                     <a:bodyPr/>
+                    <a:lstStyle/>
                     <a:p>
                       <a:pPr algn="l"/>
                       <a:r>
@@ -42115,6 +41830,7 @@
                 <a:tc>
                   <a:txBody>
                     <a:bodyPr/>
+                    <a:lstStyle/>
                     <a:p>
                       <a:pPr marL="0" marR="0" indent="0" algn="l" defTabSz="914400" rtl="0" eaLnBrk="1" fontAlgn="auto" latinLnBrk="0" hangingPunct="1">
                         <a:lnSpc>
@@ -42147,6 +41863,7 @@
                 <a:tc>
                   <a:txBody>
                     <a:bodyPr/>
+                    <a:lstStyle/>
                     <a:p>
                       <a:pPr algn="l"/>
                       <a:r>
@@ -42164,6 +41881,7 @@
                 <a:tc>
                   <a:txBody>
                     <a:bodyPr/>
+                    <a:lstStyle/>
                     <a:p>
                       <a:pPr marL="0" marR="0" indent="0" algn="l" defTabSz="914400" rtl="0" eaLnBrk="1" fontAlgn="auto" latinLnBrk="0" hangingPunct="1">
                         <a:lnSpc>
@@ -42206,6 +41924,7 @@
                 <a:tc>
                   <a:txBody>
                     <a:bodyPr/>
+                    <a:lstStyle/>
                     <a:p>
                       <a:pPr marL="0" marR="0" indent="0" algn="l" defTabSz="914400" rtl="0" eaLnBrk="1" fontAlgn="auto" latinLnBrk="0" hangingPunct="1">
                         <a:lnSpc>
@@ -42238,6 +41957,7 @@
                 <a:tc>
                   <a:txBody>
                     <a:bodyPr/>
+                    <a:lstStyle/>
                     <a:p>
                       <a:pPr algn="l"/>
                       <a:r>
@@ -42263,6 +41983,7 @@
                 <a:tc>
                   <a:txBody>
                     <a:bodyPr/>
+                    <a:lstStyle/>
                     <a:p>
                       <a:pPr algn="l"/>
                       <a:r>
@@ -42288,6 +42009,7 @@
                 <a:tc>
                   <a:txBody>
                     <a:bodyPr/>
+                    <a:lstStyle/>
                     <a:p>
                       <a:pPr algn="l"/>
                       <a:r>
@@ -42307,6 +42029,7 @@
                 <a:tc>
                   <a:txBody>
                     <a:bodyPr/>
+                    <a:lstStyle/>
                     <a:p>
                       <a:pPr marL="0" marR="0" indent="0" algn="l" defTabSz="914400" rtl="0" eaLnBrk="1" fontAlgn="auto" latinLnBrk="0" hangingPunct="1">
                         <a:lnSpc>
@@ -42339,6 +42062,7 @@
                 <a:tc>
                   <a:txBody>
                     <a:bodyPr/>
+                    <a:lstStyle/>
                     <a:p>
                       <a:pPr algn="l"/>
                       <a:r>
@@ -42364,6 +42088,7 @@
                 <a:tc>
                   <a:txBody>
                     <a:bodyPr/>
+                    <a:lstStyle/>
                     <a:p>
                       <a:pPr algn="l"/>
                       <a:r>
@@ -42389,6 +42114,7 @@
                 <a:tc>
                   <a:txBody>
                     <a:bodyPr/>
+                    <a:lstStyle/>
                     <a:p>
                       <a:pPr algn="l"/>
                       <a:r>
@@ -42408,6 +42134,7 @@
                 <a:tc>
                   <a:txBody>
                     <a:bodyPr/>
+                    <a:lstStyle/>
                     <a:p>
                       <a:pPr marL="0" marR="0" indent="0" algn="l" defTabSz="914400" rtl="0" eaLnBrk="1" fontAlgn="auto" latinLnBrk="0" hangingPunct="1">
                         <a:lnSpc>
@@ -42440,6 +42167,7 @@
                 <a:tc>
                   <a:txBody>
                     <a:bodyPr/>
+                    <a:lstStyle/>
                     <a:p>
                       <a:pPr algn="l"/>
                       <a:r>
@@ -42457,6 +42185,7 @@
                 <a:tc>
                   <a:txBody>
                     <a:bodyPr/>
+                    <a:lstStyle/>
                     <a:p>
                       <a:pPr algn="l"/>
                       <a:r>
@@ -42474,6 +42203,7 @@
                 <a:tc>
                   <a:txBody>
                     <a:bodyPr/>
+                    <a:lstStyle/>
                     <a:p>
                       <a:pPr algn="l"/>
                       <a:r>
@@ -42493,6 +42223,7 @@
                 <a:tc>
                   <a:txBody>
                     <a:bodyPr/>
+                    <a:lstStyle/>
                     <a:p>
                       <a:pPr marL="0" marR="0" indent="0" algn="l" defTabSz="914400" rtl="0" eaLnBrk="1" fontAlgn="auto" latinLnBrk="0" hangingPunct="1">
                         <a:lnSpc>
@@ -42533,6 +42264,7 @@
                 <a:tc>
                   <a:txBody>
                     <a:bodyPr/>
+                    <a:lstStyle/>
                     <a:p>
                       <a:pPr algn="l"/>
                       <a:r>
@@ -42550,6 +42282,7 @@
                 <a:tc>
                   <a:txBody>
                     <a:bodyPr/>
+                    <a:lstStyle/>
                     <a:p>
                       <a:pPr algn="l"/>
                       <a:r>
@@ -42567,6 +42300,7 @@
                 <a:tc>
                   <a:txBody>
                     <a:bodyPr/>
+                    <a:lstStyle/>
                     <a:p>
                       <a:pPr algn="l"/>
                       <a:r>
@@ -42593,11 +42327,11 @@
   <p:clrMapOvr>
     <a:masterClrMapping/>
   </p:clrMapOvr>
-  <mc:AlternateContent xmlns:mc="http://schemas.openxmlformats.org/markup-compatibility/2006">
-    <mc:Choice xmlns:p14="http://schemas.microsoft.com/office/powerpoint/2010/main" Requires="p14">
+  <mc:AlternateContent xmlns:mc="http://schemas.openxmlformats.org/markup-compatibility/2006" xmlns:p14="http://schemas.microsoft.com/office/powerpoint/2010/main">
+    <mc:Choice Requires="p14">
       <p:transition spd="slow" p14:dur="1600"/>
     </mc:Choice>
-    <mc:Fallback>
+    <mc:Fallback xmlns="">
       <p:transition spd="slow"/>
     </mc:Fallback>
   </mc:AlternateContent>
@@ -42862,9 +42596,11 @@
       </a:bgFillStyleLst>
     </a:fmtScheme>
   </a:themeElements>
+  <a:objectDefaults/>
+  <a:extraClrSchemeLst/>
   <a:extLst>
     <a:ext uri="{05A4C25C-085E-4340-85A3-A5531E510DB2}">
-      <thm15:themeFamily xmlns:thm15="http://schemas.microsoft.com/office/thememl/2012/main" name="Office Theme" id="{62F939B6-93AF-4DB8-9C6B-D6C7DFDC589F}" vid="{4A3C46E8-61CC-4603-A589-7422A47A8E4A}"/>
+      <thm15:themeFamily xmlns:thm15="http://schemas.microsoft.com/office/thememl/2012/main" xmlns="" name="Office Theme" id="{62F939B6-93AF-4DB8-9C6B-D6C7DFDC589F}" vid="{4A3C46E8-61CC-4603-A589-7422A47A8E4A}"/>
     </a:ext>
   </a:extLst>
 </a:theme>
@@ -43121,9 +42857,11 @@
       </a:bgFillStyleLst>
     </a:fmtScheme>
   </a:themeElements>
+  <a:objectDefaults/>
+  <a:extraClrSchemeLst/>
   <a:extLst>
     <a:ext uri="{05A4C25C-085E-4340-85A3-A5531E510DB2}">
-      <thm15:themeFamily xmlns:thm15="http://schemas.microsoft.com/office/thememl/2012/main" name="Office Theme" id="{62F939B6-93AF-4DB8-9C6B-D6C7DFDC589F}" vid="{4A3C46E8-61CC-4603-A589-7422A47A8E4A}"/>
+      <thm15:themeFamily xmlns:thm15="http://schemas.microsoft.com/office/thememl/2012/main" xmlns="" name="Office Theme" id="{62F939B6-93AF-4DB8-9C6B-D6C7DFDC589F}" vid="{4A3C46E8-61CC-4603-A589-7422A47A8E4A}"/>
     </a:ext>
   </a:extLst>
 </a:theme>
